--- a/PPTdjango.pptx
+++ b/PPTdjango.pptx
@@ -2,7 +2,7 @@
 <file path=ppt/presentation.xml><?xml version="1.0" encoding="utf-8"?>
 <p:presentation xmlns:a="http://schemas.openxmlformats.org/drawingml/2006/main" xmlns:r="http://schemas.openxmlformats.org/officeDocument/2006/relationships" xmlns:p="http://schemas.openxmlformats.org/presentationml/2006/main" saveSubsetFonts="1" autoCompressPictures="0">
   <p:sldMasterIdLst>
-    <p:sldMasterId id="2147483882" r:id="rId1"/>
+    <p:sldMasterId id="2147483954" r:id="rId1"/>
   </p:sldMasterIdLst>
   <p:sldIdLst>
     <p:sldId id="256" r:id="rId2"/>
@@ -15,16 +15,15 @@
     <p:sldId id="263" r:id="rId9"/>
     <p:sldId id="264" r:id="rId10"/>
     <p:sldId id="265" r:id="rId11"/>
-    <p:sldId id="266" r:id="rId12"/>
-    <p:sldId id="267" r:id="rId13"/>
-    <p:sldId id="268" r:id="rId14"/>
-    <p:sldId id="269" r:id="rId15"/>
-    <p:sldId id="270" r:id="rId16"/>
-    <p:sldId id="271" r:id="rId17"/>
-    <p:sldId id="272" r:id="rId18"/>
-    <p:sldId id="273" r:id="rId19"/>
-    <p:sldId id="274" r:id="rId20"/>
-    <p:sldId id="275" r:id="rId21"/>
+    <p:sldId id="267" r:id="rId12"/>
+    <p:sldId id="268" r:id="rId13"/>
+    <p:sldId id="269" r:id="rId14"/>
+    <p:sldId id="270" r:id="rId15"/>
+    <p:sldId id="271" r:id="rId16"/>
+    <p:sldId id="272" r:id="rId17"/>
+    <p:sldId id="273" r:id="rId18"/>
+    <p:sldId id="274" r:id="rId19"/>
+    <p:sldId id="275" r:id="rId20"/>
   </p:sldIdLst>
   <p:sldSz cx="12192000" cy="6858000"/>
   <p:notesSz cx="6858000" cy="9144000"/>
@@ -123,6 +122,11 @@
       </a:defRPr>
     </a:lvl9pPr>
   </p:defaultTextStyle>
+  <p:extLst>
+    <p:ext uri="{EFAFB233-063F-42B5-8137-9DF3F51BA10A}">
+      <p15:sldGuideLst xmlns:p15="http://schemas.microsoft.com/office/powerpoint/2012/main"/>
+    </p:ext>
+  </p:extLst>
 </p:presentation>
 </file>
 
@@ -9078,10 +9082,10 @@
         <a:lstStyle/>
         <a:p>
           <a:r>
-            <a:rPr lang="en-IN"/>
+            <a:rPr lang="en-IN" dirty="0"/>
             <a:t>To develop a scalable, secure, and API-driven movie streaming web application with integrated analytics and moderation features.</a:t>
           </a:r>
-          <a:endParaRPr lang="en-US"/>
+          <a:endParaRPr lang="en-US" dirty="0"/>
         </a:p>
       </dgm:t>
     </dgm:pt>
@@ -9479,7 +9483,7 @@
 <dgm:dataModel xmlns:dgm="http://schemas.openxmlformats.org/drawingml/2006/diagram" xmlns:a="http://schemas.openxmlformats.org/drawingml/2006/main">
   <dgm:ptLst>
     <dgm:pt modelId="{69A16AEF-B37A-4694-80D9-359C62A2A5B7}" type="doc">
-      <dgm:prSet loTypeId="urn:microsoft.com/office/officeart/2005/8/layout/cycle3" loCatId="cycle" qsTypeId="urn:microsoft.com/office/officeart/2005/8/quickstyle/simple5" qsCatId="simple" csTypeId="urn:microsoft.com/office/officeart/2005/8/colors/accent1_2" csCatId="accent1"/>
+      <dgm:prSet loTypeId="urn:microsoft.com/office/officeart/2005/8/layout/vList2" loCatId="list" qsTypeId="urn:microsoft.com/office/officeart/2005/8/quickstyle/simple5" qsCatId="simple" csTypeId="urn:microsoft.com/office/officeart/2005/8/colors/accent1_2" csCatId="accent1" phldr="1"/>
       <dgm:spPr/>
       <dgm:t>
         <a:bodyPr/>
@@ -9497,10 +9501,10 @@
         <a:lstStyle/>
         <a:p>
           <a:r>
-            <a:rPr lang="en-IN" b="1"/>
+            <a:rPr lang="en-IN" b="1" dirty="0"/>
             <a:t>Success Criteria</a:t>
           </a:r>
-          <a:endParaRPr lang="en-US"/>
+          <a:endParaRPr lang="en-US" dirty="0"/>
         </a:p>
       </dgm:t>
     </dgm:pt>
@@ -9859,98 +9863,136 @@
         </a:p>
       </dgm:t>
     </dgm:pt>
-    <dgm:pt modelId="{621F8DDA-50A4-6E40-BC3D-DC34929C2A89}" type="pres">
-      <dgm:prSet presAssocID="{69A16AEF-B37A-4694-80D9-359C62A2A5B7}" presName="Name0" presStyleCnt="0">
+    <dgm:pt modelId="{1377A73E-C72A-BC4E-953C-E5EA256D033A}" type="pres">
+      <dgm:prSet presAssocID="{69A16AEF-B37A-4694-80D9-359C62A2A5B7}" presName="linear" presStyleCnt="0">
         <dgm:presLayoutVars>
-          <dgm:dir/>
+          <dgm:animLvl val="lvl"/>
           <dgm:resizeHandles val="exact"/>
         </dgm:presLayoutVars>
       </dgm:prSet>
       <dgm:spPr/>
     </dgm:pt>
-    <dgm:pt modelId="{A440975F-420B-0C4C-A0C6-14423685E830}" type="pres">
-      <dgm:prSet presAssocID="{69A16AEF-B37A-4694-80D9-359C62A2A5B7}" presName="cycle" presStyleCnt="0"/>
-      <dgm:spPr/>
-    </dgm:pt>
-    <dgm:pt modelId="{497410E6-40CE-E642-AE1E-3F69CE8BD137}" type="pres">
-      <dgm:prSet presAssocID="{47D8A026-6E5D-40F2-B710-2F94B7A9D462}" presName="nodeFirstNode" presStyleLbl="node1" presStyleIdx="0" presStyleCnt="10">
+    <dgm:pt modelId="{70813838-47E5-B940-BB50-68DB9F89B0D6}" type="pres">
+      <dgm:prSet presAssocID="{47D8A026-6E5D-40F2-B710-2F94B7A9D462}" presName="parentText" presStyleLbl="node1" presStyleIdx="0" presStyleCnt="10" custLinFactY="-289631" custLinFactNeighborX="-10978" custLinFactNeighborY="-300000">
         <dgm:presLayoutVars>
+          <dgm:chMax val="0"/>
           <dgm:bulletEnabled val="1"/>
         </dgm:presLayoutVars>
       </dgm:prSet>
       <dgm:spPr/>
     </dgm:pt>
-    <dgm:pt modelId="{8DB6E34A-EBCC-A244-A761-DA66F4EEC528}" type="pres">
-      <dgm:prSet presAssocID="{C0E06399-F755-4D18-B024-0C1EAEF39972}" presName="sibTransFirstNode" presStyleLbl="bgShp" presStyleIdx="0" presStyleCnt="1"/>
-      <dgm:spPr/>
-    </dgm:pt>
-    <dgm:pt modelId="{B728194C-F2F8-4A4D-ADCE-4CFC1E8334FE}" type="pres">
-      <dgm:prSet presAssocID="{DAB9119F-04BB-488F-98BE-856259C96CC2}" presName="nodeFollowingNodes" presStyleLbl="node1" presStyleIdx="1" presStyleCnt="10">
+    <dgm:pt modelId="{3F104588-910A-9649-A378-FA8D7A95F7EC}" type="pres">
+      <dgm:prSet presAssocID="{C0E06399-F755-4D18-B024-0C1EAEF39972}" presName="spacer" presStyleCnt="0"/>
+      <dgm:spPr/>
+    </dgm:pt>
+    <dgm:pt modelId="{1C89A66D-785A-E247-BA76-C7DE50E13B9C}" type="pres">
+      <dgm:prSet presAssocID="{DAB9119F-04BB-488F-98BE-856259C96CC2}" presName="parentText" presStyleLbl="node1" presStyleIdx="1" presStyleCnt="10">
         <dgm:presLayoutVars>
+          <dgm:chMax val="0"/>
           <dgm:bulletEnabled val="1"/>
         </dgm:presLayoutVars>
       </dgm:prSet>
       <dgm:spPr/>
     </dgm:pt>
-    <dgm:pt modelId="{5F2823E6-E3E4-BF4D-9A43-F194CAC0E7F8}" type="pres">
-      <dgm:prSet presAssocID="{C2F1127F-BC58-464C-8590-70D8E8E1E729}" presName="nodeFollowingNodes" presStyleLbl="node1" presStyleIdx="2" presStyleCnt="10">
+    <dgm:pt modelId="{1CB727D7-03FA-274E-8D38-C008F3FE27EA}" type="pres">
+      <dgm:prSet presAssocID="{13C654C3-E068-4B0B-A33C-4BCAE7982E07}" presName="spacer" presStyleCnt="0"/>
+      <dgm:spPr/>
+    </dgm:pt>
+    <dgm:pt modelId="{40578C26-7335-B347-B9F3-985BFCBCD984}" type="pres">
+      <dgm:prSet presAssocID="{C2F1127F-BC58-464C-8590-70D8E8E1E729}" presName="parentText" presStyleLbl="node1" presStyleIdx="2" presStyleCnt="10">
         <dgm:presLayoutVars>
+          <dgm:chMax val="0"/>
           <dgm:bulletEnabled val="1"/>
         </dgm:presLayoutVars>
       </dgm:prSet>
       <dgm:spPr/>
     </dgm:pt>
-    <dgm:pt modelId="{41CC4CB8-F012-AB40-866E-699BB9554D4F}" type="pres">
-      <dgm:prSet presAssocID="{D134477A-CF00-49A1-AE92-2453F200428D}" presName="nodeFollowingNodes" presStyleLbl="node1" presStyleIdx="3" presStyleCnt="10">
+    <dgm:pt modelId="{CBBB6CC9-1AB5-7C46-A2F2-51E90B1615A2}" type="pres">
+      <dgm:prSet presAssocID="{F3F3298A-87F9-4137-88FC-5A0B377D74A5}" presName="spacer" presStyleCnt="0"/>
+      <dgm:spPr/>
+    </dgm:pt>
+    <dgm:pt modelId="{ED181EF9-4C84-7C42-B215-B0B8651E8971}" type="pres">
+      <dgm:prSet presAssocID="{D134477A-CF00-49A1-AE92-2453F200428D}" presName="parentText" presStyleLbl="node1" presStyleIdx="3" presStyleCnt="10">
         <dgm:presLayoutVars>
+          <dgm:chMax val="0"/>
           <dgm:bulletEnabled val="1"/>
         </dgm:presLayoutVars>
       </dgm:prSet>
       <dgm:spPr/>
     </dgm:pt>
-    <dgm:pt modelId="{293AA8FC-2460-BB41-9A54-B1AD71166223}" type="pres">
-      <dgm:prSet presAssocID="{4916E17B-3AB9-462D-A57B-035730E868EC}" presName="nodeFollowingNodes" presStyleLbl="node1" presStyleIdx="4" presStyleCnt="10">
+    <dgm:pt modelId="{8FA6D72B-8945-5C4B-8A52-FBD39A61926A}" type="pres">
+      <dgm:prSet presAssocID="{9E52731D-0A0F-4079-8BE8-AED59FD9B627}" presName="spacer" presStyleCnt="0"/>
+      <dgm:spPr/>
+    </dgm:pt>
+    <dgm:pt modelId="{88D36C14-D8ED-AC43-813A-804E0D6CA52D}" type="pres">
+      <dgm:prSet presAssocID="{4916E17B-3AB9-462D-A57B-035730E868EC}" presName="parentText" presStyleLbl="node1" presStyleIdx="4" presStyleCnt="10">
         <dgm:presLayoutVars>
+          <dgm:chMax val="0"/>
           <dgm:bulletEnabled val="1"/>
         </dgm:presLayoutVars>
       </dgm:prSet>
       <dgm:spPr/>
     </dgm:pt>
-    <dgm:pt modelId="{EAC1CD41-7D8F-4949-B067-945DBD1E0047}" type="pres">
-      <dgm:prSet presAssocID="{601919A2-1C3C-4346-A5BC-52EF32F9B646}" presName="nodeFollowingNodes" presStyleLbl="node1" presStyleIdx="5" presStyleCnt="10">
+    <dgm:pt modelId="{8D62782B-08D6-3141-BD4B-3129168551F8}" type="pres">
+      <dgm:prSet presAssocID="{54DD102B-97E1-4B65-8ABA-3F3E921CB698}" presName="spacer" presStyleCnt="0"/>
+      <dgm:spPr/>
+    </dgm:pt>
+    <dgm:pt modelId="{3C53984F-6D39-CD43-A16A-4AAE78CFEB69}" type="pres">
+      <dgm:prSet presAssocID="{601919A2-1C3C-4346-A5BC-52EF32F9B646}" presName="parentText" presStyleLbl="node1" presStyleIdx="5" presStyleCnt="10">
         <dgm:presLayoutVars>
+          <dgm:chMax val="0"/>
           <dgm:bulletEnabled val="1"/>
         </dgm:presLayoutVars>
       </dgm:prSet>
       <dgm:spPr/>
     </dgm:pt>
-    <dgm:pt modelId="{D132E696-5E88-404A-99B9-2B347E1C335F}" type="pres">
-      <dgm:prSet presAssocID="{A6572E07-7813-48B1-B319-BFB7820A5159}" presName="nodeFollowingNodes" presStyleLbl="node1" presStyleIdx="6" presStyleCnt="10">
+    <dgm:pt modelId="{751E7490-E46B-E946-B953-782D004CE7DD}" type="pres">
+      <dgm:prSet presAssocID="{9A65C5CA-6DB2-4A06-8B76-66C25FE83DD2}" presName="spacer" presStyleCnt="0"/>
+      <dgm:spPr/>
+    </dgm:pt>
+    <dgm:pt modelId="{756BCC39-CE90-DA41-85AA-8A9061F7FB77}" type="pres">
+      <dgm:prSet presAssocID="{A6572E07-7813-48B1-B319-BFB7820A5159}" presName="parentText" presStyleLbl="node1" presStyleIdx="6" presStyleCnt="10">
         <dgm:presLayoutVars>
+          <dgm:chMax val="0"/>
           <dgm:bulletEnabled val="1"/>
         </dgm:presLayoutVars>
       </dgm:prSet>
       <dgm:spPr/>
     </dgm:pt>
-    <dgm:pt modelId="{CD3B224F-6867-9141-BA8C-7A71DA88F5BD}" type="pres">
-      <dgm:prSet presAssocID="{5B98C4FA-F2CE-4DB6-8993-4EA8A25D15C3}" presName="nodeFollowingNodes" presStyleLbl="node1" presStyleIdx="7" presStyleCnt="10">
+    <dgm:pt modelId="{C12AB6BD-100B-F246-9094-B3F6D63FA82A}" type="pres">
+      <dgm:prSet presAssocID="{FED32621-C316-403C-9583-1B3853762703}" presName="spacer" presStyleCnt="0"/>
+      <dgm:spPr/>
+    </dgm:pt>
+    <dgm:pt modelId="{201F5E4B-1CF7-3445-A7D7-66FCC07A047B}" type="pres">
+      <dgm:prSet presAssocID="{5B98C4FA-F2CE-4DB6-8993-4EA8A25D15C3}" presName="parentText" presStyleLbl="node1" presStyleIdx="7" presStyleCnt="10">
         <dgm:presLayoutVars>
+          <dgm:chMax val="0"/>
           <dgm:bulletEnabled val="1"/>
         </dgm:presLayoutVars>
       </dgm:prSet>
       <dgm:spPr/>
     </dgm:pt>
-    <dgm:pt modelId="{A215F42A-2D79-FC43-92B9-A1AF4C33F269}" type="pres">
-      <dgm:prSet presAssocID="{CF2102B8-EC4F-4713-9E55-541CF782D6CF}" presName="nodeFollowingNodes" presStyleLbl="node1" presStyleIdx="8" presStyleCnt="10">
+    <dgm:pt modelId="{4796D8C6-F621-194E-B0FE-EBAA4EC5FB84}" type="pres">
+      <dgm:prSet presAssocID="{ECB6714A-491C-47F6-A298-8DD044B0D2FA}" presName="spacer" presStyleCnt="0"/>
+      <dgm:spPr/>
+    </dgm:pt>
+    <dgm:pt modelId="{BA10311E-F3ED-A746-B628-73AF4E780394}" type="pres">
+      <dgm:prSet presAssocID="{CF2102B8-EC4F-4713-9E55-541CF782D6CF}" presName="parentText" presStyleLbl="node1" presStyleIdx="8" presStyleCnt="10">
         <dgm:presLayoutVars>
+          <dgm:chMax val="0"/>
           <dgm:bulletEnabled val="1"/>
         </dgm:presLayoutVars>
       </dgm:prSet>
       <dgm:spPr/>
     </dgm:pt>
-    <dgm:pt modelId="{C6C3C0F0-E3E8-F94E-B10E-805ACD26322E}" type="pres">
-      <dgm:prSet presAssocID="{F2C3D8C1-8652-41EF-9658-CF3813067A27}" presName="nodeFollowingNodes" presStyleLbl="node1" presStyleIdx="9" presStyleCnt="10">
+    <dgm:pt modelId="{528390D0-5F3D-4047-A60F-03C01C8EF82E}" type="pres">
+      <dgm:prSet presAssocID="{49084524-759F-4988-8283-73A967C2530F}" presName="spacer" presStyleCnt="0"/>
+      <dgm:spPr/>
+    </dgm:pt>
+    <dgm:pt modelId="{78BA94D6-F7C8-044D-A2BD-27E69FD7A3F7}" type="pres">
+      <dgm:prSet presAssocID="{F2C3D8C1-8652-41EF-9658-CF3813067A27}" presName="parentText" presStyleLbl="node1" presStyleIdx="9" presStyleCnt="10">
         <dgm:presLayoutVars>
+          <dgm:chMax val="0"/>
           <dgm:bulletEnabled val="1"/>
         </dgm:presLayoutVars>
       </dgm:prSet>
@@ -9959,45 +10001,51 @@
   </dgm:ptLst>
   <dgm:cxnLst>
     <dgm:cxn modelId="{6CC95108-630D-4C15-874E-B7A8B572409E}" srcId="{69A16AEF-B37A-4694-80D9-359C62A2A5B7}" destId="{5B98C4FA-F2CE-4DB6-8993-4EA8A25D15C3}" srcOrd="7" destOrd="0" parTransId="{4B3200AF-B2E8-4D00-AB9F-997932443706}" sibTransId="{ECB6714A-491C-47F6-A298-8DD044B0D2FA}"/>
-    <dgm:cxn modelId="{7521B90A-3734-6645-B47C-851D70C031D8}" type="presOf" srcId="{5B98C4FA-F2CE-4DB6-8993-4EA8A25D15C3}" destId="{CD3B224F-6867-9141-BA8C-7A71DA88F5BD}" srcOrd="0" destOrd="0" presId="urn:microsoft.com/office/officeart/2005/8/layout/cycle3"/>
+    <dgm:cxn modelId="{FA4EC70C-58EF-B540-9207-7C2694141AC1}" type="presOf" srcId="{D134477A-CF00-49A1-AE92-2453F200428D}" destId="{ED181EF9-4C84-7C42-B215-B0B8651E8971}" srcOrd="0" destOrd="0" presId="urn:microsoft.com/office/officeart/2005/8/layout/vList2"/>
     <dgm:cxn modelId="{804B0B0E-BADA-4C9D-B40A-EF0C1024178B}" srcId="{69A16AEF-B37A-4694-80D9-359C62A2A5B7}" destId="{47D8A026-6E5D-40F2-B710-2F94B7A9D462}" srcOrd="0" destOrd="0" parTransId="{D3C01FA9-B6FE-423D-BB5D-7E9FF46E3953}" sibTransId="{C0E06399-F755-4D18-B024-0C1EAEF39972}"/>
     <dgm:cxn modelId="{A9426B0E-CDB8-472A-9E6D-36851B8A77BC}" srcId="{69A16AEF-B37A-4694-80D9-359C62A2A5B7}" destId="{601919A2-1C3C-4346-A5BC-52EF32F9B646}" srcOrd="5" destOrd="0" parTransId="{AD252AAE-4956-4399-8630-3FEFAB07CA0E}" sibTransId="{9A65C5CA-6DB2-4A06-8B76-66C25FE83DD2}"/>
-    <dgm:cxn modelId="{78C3D326-68DA-7445-BE44-353FB242C091}" type="presOf" srcId="{C2F1127F-BC58-464C-8590-70D8E8E1E729}" destId="{5F2823E6-E3E4-BF4D-9A43-F194CAC0E7F8}" srcOrd="0" destOrd="0" presId="urn:microsoft.com/office/officeart/2005/8/layout/cycle3"/>
+    <dgm:cxn modelId="{1F05FF19-DE51-EB48-BE98-75E14C6C2E7F}" type="presOf" srcId="{69A16AEF-B37A-4694-80D9-359C62A2A5B7}" destId="{1377A73E-C72A-BC4E-953C-E5EA256D033A}" srcOrd="0" destOrd="0" presId="urn:microsoft.com/office/officeart/2005/8/layout/vList2"/>
+    <dgm:cxn modelId="{E5B03A2C-EA83-E743-8EEA-FF3C217A358E}" type="presOf" srcId="{5B98C4FA-F2CE-4DB6-8993-4EA8A25D15C3}" destId="{201F5E4B-1CF7-3445-A7D7-66FCC07A047B}" srcOrd="0" destOrd="0" presId="urn:microsoft.com/office/officeart/2005/8/layout/vList2"/>
     <dgm:cxn modelId="{70EE272D-DB44-4366-A7CD-B563D351327C}" srcId="{69A16AEF-B37A-4694-80D9-359C62A2A5B7}" destId="{DAB9119F-04BB-488F-98BE-856259C96CC2}" srcOrd="1" destOrd="0" parTransId="{DA621852-5FE6-4CA0-BCAC-5937AEDE3178}" sibTransId="{13C654C3-E068-4B0B-A33C-4BCAE7982E07}"/>
-    <dgm:cxn modelId="{5BFE2C30-6472-854D-B851-F48A63515BC2}" type="presOf" srcId="{CF2102B8-EC4F-4713-9E55-541CF782D6CF}" destId="{A215F42A-2D79-FC43-92B9-A1AF4C33F269}" srcOrd="0" destOrd="0" presId="urn:microsoft.com/office/officeart/2005/8/layout/cycle3"/>
-    <dgm:cxn modelId="{EB885931-3667-9A45-BABB-6DDC890CF90B}" type="presOf" srcId="{601919A2-1C3C-4346-A5BC-52EF32F9B646}" destId="{EAC1CD41-7D8F-4949-B067-945DBD1E0047}" srcOrd="0" destOrd="0" presId="urn:microsoft.com/office/officeart/2005/8/layout/cycle3"/>
-    <dgm:cxn modelId="{6D1F323E-AC18-AC4C-86D5-3A9B43CA58E4}" type="presOf" srcId="{4916E17B-3AB9-462D-A57B-035730E868EC}" destId="{293AA8FC-2460-BB41-9A54-B1AD71166223}" srcOrd="0" destOrd="0" presId="urn:microsoft.com/office/officeart/2005/8/layout/cycle3"/>
-    <dgm:cxn modelId="{CB64A854-B16C-4C4D-90BE-9BAE11175847}" type="presOf" srcId="{DAB9119F-04BB-488F-98BE-856259C96CC2}" destId="{B728194C-F2F8-4A4D-ADCE-4CFC1E8334FE}" srcOrd="0" destOrd="0" presId="urn:microsoft.com/office/officeart/2005/8/layout/cycle3"/>
-    <dgm:cxn modelId="{558ABE54-FAD3-454A-BCD5-F1E7B1431CDE}" type="presOf" srcId="{47D8A026-6E5D-40F2-B710-2F94B7A9D462}" destId="{497410E6-40CE-E642-AE1E-3F69CE8BD137}" srcOrd="0" destOrd="0" presId="urn:microsoft.com/office/officeart/2005/8/layout/cycle3"/>
-    <dgm:cxn modelId="{135A8856-3B5A-B04D-A723-18E5C257210C}" type="presOf" srcId="{C0E06399-F755-4D18-B024-0C1EAEF39972}" destId="{8DB6E34A-EBCC-A244-A761-DA66F4EEC528}" srcOrd="0" destOrd="0" presId="urn:microsoft.com/office/officeart/2005/8/layout/cycle3"/>
+    <dgm:cxn modelId="{39B6E752-4512-324D-880B-860EA459A2D6}" type="presOf" srcId="{601919A2-1C3C-4346-A5BC-52EF32F9B646}" destId="{3C53984F-6D39-CD43-A16A-4AAE78CFEB69}" srcOrd="0" destOrd="0" presId="urn:microsoft.com/office/officeart/2005/8/layout/vList2"/>
+    <dgm:cxn modelId="{A73A775F-7965-DE44-8295-1B8D0F5819A9}" type="presOf" srcId="{47D8A026-6E5D-40F2-B710-2F94B7A9D462}" destId="{70813838-47E5-B940-BB50-68DB9F89B0D6}" srcOrd="0" destOrd="0" presId="urn:microsoft.com/office/officeart/2005/8/layout/vList2"/>
+    <dgm:cxn modelId="{21D13066-1428-7D43-96D9-F5734841B9A6}" type="presOf" srcId="{A6572E07-7813-48B1-B319-BFB7820A5159}" destId="{756BCC39-CE90-DA41-85AA-8A9061F7FB77}" srcOrd="0" destOrd="0" presId="urn:microsoft.com/office/officeart/2005/8/layout/vList2"/>
     <dgm:cxn modelId="{B2A9D76E-406A-4E88-A8B1-A1AF4CCA82CD}" srcId="{69A16AEF-B37A-4694-80D9-359C62A2A5B7}" destId="{C2F1127F-BC58-464C-8590-70D8E8E1E729}" srcOrd="2" destOrd="0" parTransId="{49583CF0-D5C5-4BAC-B5B6-6CAD32B4A05F}" sibTransId="{F3F3298A-87F9-4137-88FC-5A0B377D74A5}"/>
     <dgm:cxn modelId="{F4A07679-8139-4978-9A82-C2517B18C56B}" srcId="{69A16AEF-B37A-4694-80D9-359C62A2A5B7}" destId="{D134477A-CF00-49A1-AE92-2453F200428D}" srcOrd="3" destOrd="0" parTransId="{C770D64C-8CDA-4767-9083-2A19D91EE632}" sibTransId="{9E52731D-0A0F-4079-8BE8-AED59FD9B627}"/>
     <dgm:cxn modelId="{C9B7BE7E-91F0-4592-A131-CD79808614DE}" srcId="{69A16AEF-B37A-4694-80D9-359C62A2A5B7}" destId="{CF2102B8-EC4F-4713-9E55-541CF782D6CF}" srcOrd="8" destOrd="0" parTransId="{4F90B5B7-3B54-4FDF-BB30-47ADF1E02AEC}" sibTransId="{49084524-759F-4988-8283-73A967C2530F}"/>
-    <dgm:cxn modelId="{FC36AC9F-BE5D-F64F-B2A4-063C39FEE179}" type="presOf" srcId="{A6572E07-7813-48B1-B319-BFB7820A5159}" destId="{D132E696-5E88-404A-99B9-2B347E1C335F}" srcOrd="0" destOrd="0" presId="urn:microsoft.com/office/officeart/2005/8/layout/cycle3"/>
-    <dgm:cxn modelId="{5BF968B5-9770-FE4F-8535-F62D75900185}" type="presOf" srcId="{D134477A-CF00-49A1-AE92-2453F200428D}" destId="{41CC4CB8-F012-AB40-866E-699BB9554D4F}" srcOrd="0" destOrd="0" presId="urn:microsoft.com/office/officeart/2005/8/layout/cycle3"/>
+    <dgm:cxn modelId="{9E3DD199-B7CC-A842-8422-816A53684FC8}" type="presOf" srcId="{CF2102B8-EC4F-4713-9E55-541CF782D6CF}" destId="{BA10311E-F3ED-A746-B628-73AF4E780394}" srcOrd="0" destOrd="0" presId="urn:microsoft.com/office/officeart/2005/8/layout/vList2"/>
+    <dgm:cxn modelId="{4E53F0A4-8691-034A-9B53-1BA48220D2FE}" type="presOf" srcId="{DAB9119F-04BB-488F-98BE-856259C96CC2}" destId="{1C89A66D-785A-E247-BA76-C7DE50E13B9C}" srcOrd="0" destOrd="0" presId="urn:microsoft.com/office/officeart/2005/8/layout/vList2"/>
     <dgm:cxn modelId="{4E3DC5B7-60DF-4FE4-84DF-4DF94A39C70F}" srcId="{69A16AEF-B37A-4694-80D9-359C62A2A5B7}" destId="{4916E17B-3AB9-462D-A57B-035730E868EC}" srcOrd="4" destOrd="0" parTransId="{722D7191-24C7-4086-AEC5-DB0755321A7D}" sibTransId="{54DD102B-97E1-4B65-8ABA-3F3E921CB698}"/>
-    <dgm:cxn modelId="{1AA209BE-BCEA-8F4C-A3AB-F96CC630173A}" type="presOf" srcId="{F2C3D8C1-8652-41EF-9658-CF3813067A27}" destId="{C6C3C0F0-E3E8-F94E-B10E-805ACD26322E}" srcOrd="0" destOrd="0" presId="urn:microsoft.com/office/officeart/2005/8/layout/cycle3"/>
-    <dgm:cxn modelId="{F0543ED0-1D8A-3841-8960-7E1A0A176D13}" type="presOf" srcId="{69A16AEF-B37A-4694-80D9-359C62A2A5B7}" destId="{621F8DDA-50A4-6E40-BC3D-DC34929C2A89}" srcOrd="0" destOrd="0" presId="urn:microsoft.com/office/officeart/2005/8/layout/cycle3"/>
+    <dgm:cxn modelId="{74627CC2-85C1-BB44-95DF-D0B7918938C3}" type="presOf" srcId="{C2F1127F-BC58-464C-8590-70D8E8E1E729}" destId="{40578C26-7335-B347-B9F3-985BFCBCD984}" srcOrd="0" destOrd="0" presId="urn:microsoft.com/office/officeart/2005/8/layout/vList2"/>
+    <dgm:cxn modelId="{A8AA0BCA-4374-6945-BC74-ED442FA436D8}" type="presOf" srcId="{F2C3D8C1-8652-41EF-9658-CF3813067A27}" destId="{78BA94D6-F7C8-044D-A2BD-27E69FD7A3F7}" srcOrd="0" destOrd="0" presId="urn:microsoft.com/office/officeart/2005/8/layout/vList2"/>
     <dgm:cxn modelId="{C24666E3-199F-4E6B-A7B7-233BE43F0764}" srcId="{69A16AEF-B37A-4694-80D9-359C62A2A5B7}" destId="{A6572E07-7813-48B1-B319-BFB7820A5159}" srcOrd="6" destOrd="0" parTransId="{D140C507-57D0-417F-9BD7-8C558FD39092}" sibTransId="{FED32621-C316-403C-9583-1B3853762703}"/>
+    <dgm:cxn modelId="{96A1EAF2-B730-0C47-AE94-B21ACA3FBC90}" type="presOf" srcId="{4916E17B-3AB9-462D-A57B-035730E868EC}" destId="{88D36C14-D8ED-AC43-813A-804E0D6CA52D}" srcOrd="0" destOrd="0" presId="urn:microsoft.com/office/officeart/2005/8/layout/vList2"/>
     <dgm:cxn modelId="{1616C2FB-A32B-4020-8CED-B07D8329DE50}" srcId="{69A16AEF-B37A-4694-80D9-359C62A2A5B7}" destId="{F2C3D8C1-8652-41EF-9658-CF3813067A27}" srcOrd="9" destOrd="0" parTransId="{C173CB13-EFBC-42EF-BC81-D5391FB495CD}" sibTransId="{06346879-2168-4122-B757-012C4AE1F2A0}"/>
-    <dgm:cxn modelId="{50C45831-F7E6-E14D-B228-C59A737429B8}" type="presParOf" srcId="{621F8DDA-50A4-6E40-BC3D-DC34929C2A89}" destId="{A440975F-420B-0C4C-A0C6-14423685E830}" srcOrd="0" destOrd="0" presId="urn:microsoft.com/office/officeart/2005/8/layout/cycle3"/>
-    <dgm:cxn modelId="{634346C6-B36D-4245-929F-517CB326D083}" type="presParOf" srcId="{A440975F-420B-0C4C-A0C6-14423685E830}" destId="{497410E6-40CE-E642-AE1E-3F69CE8BD137}" srcOrd="0" destOrd="0" presId="urn:microsoft.com/office/officeart/2005/8/layout/cycle3"/>
-    <dgm:cxn modelId="{2550D225-D9AA-9549-B649-E5E583D3930C}" type="presParOf" srcId="{A440975F-420B-0C4C-A0C6-14423685E830}" destId="{8DB6E34A-EBCC-A244-A761-DA66F4EEC528}" srcOrd="1" destOrd="0" presId="urn:microsoft.com/office/officeart/2005/8/layout/cycle3"/>
-    <dgm:cxn modelId="{FFF12377-07A3-1946-832A-C1E1A7BDBC31}" type="presParOf" srcId="{A440975F-420B-0C4C-A0C6-14423685E830}" destId="{B728194C-F2F8-4A4D-ADCE-4CFC1E8334FE}" srcOrd="2" destOrd="0" presId="urn:microsoft.com/office/officeart/2005/8/layout/cycle3"/>
-    <dgm:cxn modelId="{92963F15-20CC-434E-BA9D-4F1AC7469282}" type="presParOf" srcId="{A440975F-420B-0C4C-A0C6-14423685E830}" destId="{5F2823E6-E3E4-BF4D-9A43-F194CAC0E7F8}" srcOrd="3" destOrd="0" presId="urn:microsoft.com/office/officeart/2005/8/layout/cycle3"/>
-    <dgm:cxn modelId="{5326CEFE-754B-0B4D-BA50-CAF2BA5ECD53}" type="presParOf" srcId="{A440975F-420B-0C4C-A0C6-14423685E830}" destId="{41CC4CB8-F012-AB40-866E-699BB9554D4F}" srcOrd="4" destOrd="0" presId="urn:microsoft.com/office/officeart/2005/8/layout/cycle3"/>
-    <dgm:cxn modelId="{E7180ABD-05A1-D745-81A3-B5451CDC49BC}" type="presParOf" srcId="{A440975F-420B-0C4C-A0C6-14423685E830}" destId="{293AA8FC-2460-BB41-9A54-B1AD71166223}" srcOrd="5" destOrd="0" presId="urn:microsoft.com/office/officeart/2005/8/layout/cycle3"/>
-    <dgm:cxn modelId="{D814DF64-B1D9-D348-9E53-7BC51BE41B74}" type="presParOf" srcId="{A440975F-420B-0C4C-A0C6-14423685E830}" destId="{EAC1CD41-7D8F-4949-B067-945DBD1E0047}" srcOrd="6" destOrd="0" presId="urn:microsoft.com/office/officeart/2005/8/layout/cycle3"/>
-    <dgm:cxn modelId="{AEC99C20-E635-B545-AB0A-D33C635B2391}" type="presParOf" srcId="{A440975F-420B-0C4C-A0C6-14423685E830}" destId="{D132E696-5E88-404A-99B9-2B347E1C335F}" srcOrd="7" destOrd="0" presId="urn:microsoft.com/office/officeart/2005/8/layout/cycle3"/>
-    <dgm:cxn modelId="{9FAB4F43-CA06-0B4E-810B-647923E70D7F}" type="presParOf" srcId="{A440975F-420B-0C4C-A0C6-14423685E830}" destId="{CD3B224F-6867-9141-BA8C-7A71DA88F5BD}" srcOrd="8" destOrd="0" presId="urn:microsoft.com/office/officeart/2005/8/layout/cycle3"/>
-    <dgm:cxn modelId="{E37532D7-903C-844F-9B7A-AB20496449AF}" type="presParOf" srcId="{A440975F-420B-0C4C-A0C6-14423685E830}" destId="{A215F42A-2D79-FC43-92B9-A1AF4C33F269}" srcOrd="9" destOrd="0" presId="urn:microsoft.com/office/officeart/2005/8/layout/cycle3"/>
-    <dgm:cxn modelId="{0332B202-F9A5-6946-ADA0-6DF0363EC22B}" type="presParOf" srcId="{A440975F-420B-0C4C-A0C6-14423685E830}" destId="{C6C3C0F0-E3E8-F94E-B10E-805ACD26322E}" srcOrd="10" destOrd="0" presId="urn:microsoft.com/office/officeart/2005/8/layout/cycle3"/>
+    <dgm:cxn modelId="{0D12023D-7C9C-8648-999C-5D7D2086D12C}" type="presParOf" srcId="{1377A73E-C72A-BC4E-953C-E5EA256D033A}" destId="{70813838-47E5-B940-BB50-68DB9F89B0D6}" srcOrd="0" destOrd="0" presId="urn:microsoft.com/office/officeart/2005/8/layout/vList2"/>
+    <dgm:cxn modelId="{1D3CF084-C002-2945-A3F6-DBAC9C1587E5}" type="presParOf" srcId="{1377A73E-C72A-BC4E-953C-E5EA256D033A}" destId="{3F104588-910A-9649-A378-FA8D7A95F7EC}" srcOrd="1" destOrd="0" presId="urn:microsoft.com/office/officeart/2005/8/layout/vList2"/>
+    <dgm:cxn modelId="{7ED43DE5-478D-A64F-9E19-FE006647A997}" type="presParOf" srcId="{1377A73E-C72A-BC4E-953C-E5EA256D033A}" destId="{1C89A66D-785A-E247-BA76-C7DE50E13B9C}" srcOrd="2" destOrd="0" presId="urn:microsoft.com/office/officeart/2005/8/layout/vList2"/>
+    <dgm:cxn modelId="{8EFA5CDF-2502-1D43-B5B1-2DF3F0F3446E}" type="presParOf" srcId="{1377A73E-C72A-BC4E-953C-E5EA256D033A}" destId="{1CB727D7-03FA-274E-8D38-C008F3FE27EA}" srcOrd="3" destOrd="0" presId="urn:microsoft.com/office/officeart/2005/8/layout/vList2"/>
+    <dgm:cxn modelId="{02F47515-9C47-7042-B90F-D841932B978D}" type="presParOf" srcId="{1377A73E-C72A-BC4E-953C-E5EA256D033A}" destId="{40578C26-7335-B347-B9F3-985BFCBCD984}" srcOrd="4" destOrd="0" presId="urn:microsoft.com/office/officeart/2005/8/layout/vList2"/>
+    <dgm:cxn modelId="{B7AAAF7E-9551-4149-A3E0-47457F585409}" type="presParOf" srcId="{1377A73E-C72A-BC4E-953C-E5EA256D033A}" destId="{CBBB6CC9-1AB5-7C46-A2F2-51E90B1615A2}" srcOrd="5" destOrd="0" presId="urn:microsoft.com/office/officeart/2005/8/layout/vList2"/>
+    <dgm:cxn modelId="{C2634A8A-8E22-1542-A96E-662A8A81BE36}" type="presParOf" srcId="{1377A73E-C72A-BC4E-953C-E5EA256D033A}" destId="{ED181EF9-4C84-7C42-B215-B0B8651E8971}" srcOrd="6" destOrd="0" presId="urn:microsoft.com/office/officeart/2005/8/layout/vList2"/>
+    <dgm:cxn modelId="{A405E1D3-A2E6-1B41-8AB9-D1BA36B19A58}" type="presParOf" srcId="{1377A73E-C72A-BC4E-953C-E5EA256D033A}" destId="{8FA6D72B-8945-5C4B-8A52-FBD39A61926A}" srcOrd="7" destOrd="0" presId="urn:microsoft.com/office/officeart/2005/8/layout/vList2"/>
+    <dgm:cxn modelId="{F6EE89EE-B3A0-BF42-8A55-8A18409E59AF}" type="presParOf" srcId="{1377A73E-C72A-BC4E-953C-E5EA256D033A}" destId="{88D36C14-D8ED-AC43-813A-804E0D6CA52D}" srcOrd="8" destOrd="0" presId="urn:microsoft.com/office/officeart/2005/8/layout/vList2"/>
+    <dgm:cxn modelId="{F8E575CB-BAAC-4946-A6B5-542E5FBA752E}" type="presParOf" srcId="{1377A73E-C72A-BC4E-953C-E5EA256D033A}" destId="{8D62782B-08D6-3141-BD4B-3129168551F8}" srcOrd="9" destOrd="0" presId="urn:microsoft.com/office/officeart/2005/8/layout/vList2"/>
+    <dgm:cxn modelId="{A2358F8A-E6EC-F147-A7CA-C7011938AFAE}" type="presParOf" srcId="{1377A73E-C72A-BC4E-953C-E5EA256D033A}" destId="{3C53984F-6D39-CD43-A16A-4AAE78CFEB69}" srcOrd="10" destOrd="0" presId="urn:microsoft.com/office/officeart/2005/8/layout/vList2"/>
+    <dgm:cxn modelId="{9427A56E-7D1C-0842-9F25-7C000136841C}" type="presParOf" srcId="{1377A73E-C72A-BC4E-953C-E5EA256D033A}" destId="{751E7490-E46B-E946-B953-782D004CE7DD}" srcOrd="11" destOrd="0" presId="urn:microsoft.com/office/officeart/2005/8/layout/vList2"/>
+    <dgm:cxn modelId="{C4A7951B-2EAF-6F49-BF63-1C56830E9ADE}" type="presParOf" srcId="{1377A73E-C72A-BC4E-953C-E5EA256D033A}" destId="{756BCC39-CE90-DA41-85AA-8A9061F7FB77}" srcOrd="12" destOrd="0" presId="urn:microsoft.com/office/officeart/2005/8/layout/vList2"/>
+    <dgm:cxn modelId="{012E709A-20A0-6A46-AFD2-B2DC4B17E4F1}" type="presParOf" srcId="{1377A73E-C72A-BC4E-953C-E5EA256D033A}" destId="{C12AB6BD-100B-F246-9094-B3F6D63FA82A}" srcOrd="13" destOrd="0" presId="urn:microsoft.com/office/officeart/2005/8/layout/vList2"/>
+    <dgm:cxn modelId="{F95E7D67-FE12-3449-9BA2-7EA12F9139A5}" type="presParOf" srcId="{1377A73E-C72A-BC4E-953C-E5EA256D033A}" destId="{201F5E4B-1CF7-3445-A7D7-66FCC07A047B}" srcOrd="14" destOrd="0" presId="urn:microsoft.com/office/officeart/2005/8/layout/vList2"/>
+    <dgm:cxn modelId="{5A068270-F09A-3042-892C-785FA942E144}" type="presParOf" srcId="{1377A73E-C72A-BC4E-953C-E5EA256D033A}" destId="{4796D8C6-F621-194E-B0FE-EBAA4EC5FB84}" srcOrd="15" destOrd="0" presId="urn:microsoft.com/office/officeart/2005/8/layout/vList2"/>
+    <dgm:cxn modelId="{4D55AB80-333C-9E4F-956B-FEED85949759}" type="presParOf" srcId="{1377A73E-C72A-BC4E-953C-E5EA256D033A}" destId="{BA10311E-F3ED-A746-B628-73AF4E780394}" srcOrd="16" destOrd="0" presId="urn:microsoft.com/office/officeart/2005/8/layout/vList2"/>
+    <dgm:cxn modelId="{4CC9D528-D22A-A44E-BBA0-DCF2AFF5D2D6}" type="presParOf" srcId="{1377A73E-C72A-BC4E-953C-E5EA256D033A}" destId="{528390D0-5F3D-4047-A60F-03C01C8EF82E}" srcOrd="17" destOrd="0" presId="urn:microsoft.com/office/officeart/2005/8/layout/vList2"/>
+    <dgm:cxn modelId="{7E24FCE2-DE8F-EC40-AF88-A7F4F68B683C}" type="presParOf" srcId="{1377A73E-C72A-BC4E-953C-E5EA256D033A}" destId="{78BA94D6-F7C8-044D-A2BD-27E69FD7A3F7}" srcOrd="18" destOrd="0" presId="urn:microsoft.com/office/officeart/2005/8/layout/vList2"/>
   </dgm:cxnLst>
   <dgm:bg/>
   <dgm:whole/>
   <dgm:extLst>
     <a:ext uri="http://schemas.microsoft.com/office/drawing/2008/diagram">
-      <dsp:dataModelExt xmlns:dsp="http://schemas.microsoft.com/office/drawing/2008/diagram" relId="rId8" minVer="http://schemas.openxmlformats.org/drawingml/2006/diagram"/>
+      <dsp:dataModelExt xmlns:dsp="http://schemas.microsoft.com/office/drawing/2008/diagram" relId="rId6" minVer="http://schemas.openxmlformats.org/drawingml/2006/diagram"/>
     </a:ext>
   </dgm:extLst>
 </dgm:dataModel>
@@ -10851,7 +10899,7 @@
   <dgm:whole/>
   <dgm:extLst>
     <a:ext uri="http://schemas.microsoft.com/office/drawing/2008/diagram">
-      <dsp:dataModelExt xmlns:dsp="http://schemas.microsoft.com/office/drawing/2008/diagram" relId="rId8" minVer="http://schemas.openxmlformats.org/drawingml/2006/diagram"/>
+      <dsp:dataModelExt xmlns:dsp="http://schemas.microsoft.com/office/drawing/2008/diagram" relId="rId6" minVer="http://schemas.openxmlformats.org/drawingml/2006/diagram"/>
     </a:ext>
   </dgm:extLst>
 </dgm:dataModel>
@@ -15845,10 +15893,10 @@
             <a:buNone/>
           </a:pPr>
           <a:r>
-            <a:rPr lang="en-IN" sz="1700" kern="1200"/>
+            <a:rPr lang="en-IN" sz="1700" kern="1200" dirty="0"/>
             <a:t>To develop a scalable, secure, and API-driven movie streaming web application with integrated analytics and moderation features.</a:t>
           </a:r>
-          <a:endParaRPr lang="en-US" sz="1700" kern="1200"/>
+          <a:endParaRPr lang="en-US" sz="1700" kern="1200" dirty="0"/>
         </a:p>
       </dsp:txBody>
       <dsp:txXfrm>
@@ -16504,61 +16552,15 @@
       <dsp:cNvGrpSpPr/>
     </dsp:nvGrpSpPr>
     <dsp:grpSpPr/>
-    <dsp:sp modelId="{8DB6E34A-EBCC-A244-A761-DA66F4EEC528}">
+    <dsp:sp modelId="{70813838-47E5-B940-BB50-68DB9F89B0D6}">
       <dsp:nvSpPr>
         <dsp:cNvPr id="0" name=""/>
         <dsp:cNvSpPr/>
       </dsp:nvSpPr>
       <dsp:spPr>
         <a:xfrm>
-          <a:off x="200798" y="-74344"/>
-          <a:ext cx="5554061" cy="5554061"/>
-        </a:xfrm>
-        <a:prstGeom prst="circularArrow">
-          <a:avLst>
-            <a:gd name="adj1" fmla="val 5544"/>
-            <a:gd name="adj2" fmla="val 330680"/>
-            <a:gd name="adj3" fmla="val 14875639"/>
-            <a:gd name="adj4" fmla="val 16746732"/>
-            <a:gd name="adj5" fmla="val 5757"/>
-          </a:avLst>
-        </a:prstGeom>
-        <a:solidFill>
-          <a:schemeClr val="accent1">
-            <a:tint val="40000"/>
-            <a:hueOff val="0"/>
-            <a:satOff val="0"/>
-            <a:lumOff val="0"/>
-            <a:alphaOff val="0"/>
-          </a:schemeClr>
-        </a:solidFill>
-        <a:ln>
-          <a:noFill/>
-        </a:ln>
-        <a:effectLst/>
-      </dsp:spPr>
-      <dsp:style>
-        <a:lnRef idx="0">
-          <a:scrgbClr r="0" g="0" b="0"/>
-        </a:lnRef>
-        <a:fillRef idx="1">
-          <a:scrgbClr r="0" g="0" b="0"/>
-        </a:fillRef>
-        <a:effectRef idx="2">
-          <a:scrgbClr r="0" g="0" b="0"/>
-        </a:effectRef>
-        <a:fontRef idx="minor"/>
-      </dsp:style>
-    </dsp:sp>
-    <dsp:sp modelId="{497410E6-40CE-E642-AE1E-3F69CE8BD137}">
-      <dsp:nvSpPr>
-        <dsp:cNvPr id="0" name=""/>
-        <dsp:cNvSpPr/>
-      </dsp:nvSpPr>
-      <dsp:spPr>
-        <a:xfrm>
-          <a:off x="2337334" y="3959"/>
-          <a:ext cx="1280989" cy="640494"/>
+          <a:off x="0" y="0"/>
+          <a:ext cx="10266115" cy="397800"/>
         </a:xfrm>
         <a:prstGeom prst="roundRect">
           <a:avLst/>
@@ -16627,12 +16629,12 @@
         </a:fontRef>
       </dsp:style>
       <dsp:txBody>
-        <a:bodyPr spcFirstLastPara="0" vert="horz" wrap="square" lIns="34290" tIns="34290" rIns="34290" bIns="34290" numCol="1" spcCol="1270" anchor="ctr" anchorCtr="0">
+        <a:bodyPr spcFirstLastPara="0" vert="horz" wrap="square" lIns="64770" tIns="64770" rIns="64770" bIns="64770" numCol="1" spcCol="1270" anchor="ctr" anchorCtr="0">
           <a:noAutofit/>
         </a:bodyPr>
         <a:lstStyle/>
         <a:p>
-          <a:pPr marL="0" lvl="0" indent="0" algn="ctr" defTabSz="400050">
+          <a:pPr marL="0" lvl="0" indent="0" algn="l" defTabSz="755650">
             <a:lnSpc>
               <a:spcPct val="90000"/>
             </a:lnSpc>
@@ -16645,26 +16647,26 @@
             <a:buNone/>
           </a:pPr>
           <a:r>
-            <a:rPr lang="en-IN" sz="900" b="1" kern="1200"/>
+            <a:rPr lang="en-IN" sz="1700" b="1" kern="1200" dirty="0"/>
             <a:t>Success Criteria</a:t>
           </a:r>
-          <a:endParaRPr lang="en-US" sz="900" kern="1200"/>
+          <a:endParaRPr lang="en-US" sz="1700" kern="1200" dirty="0"/>
         </a:p>
       </dsp:txBody>
       <dsp:txXfrm>
-        <a:off x="2368600" y="35225"/>
-        <a:ext cx="1218457" cy="577962"/>
+        <a:off x="19419" y="19419"/>
+        <a:ext cx="10227277" cy="358962"/>
       </dsp:txXfrm>
     </dsp:sp>
-    <dsp:sp modelId="{B728194C-F2F8-4A4D-ADCE-4CFC1E8334FE}">
+    <dsp:sp modelId="{1C89A66D-785A-E247-BA76-C7DE50E13B9C}">
       <dsp:nvSpPr>
         <dsp:cNvPr id="0" name=""/>
         <dsp:cNvSpPr/>
       </dsp:nvSpPr>
       <dsp:spPr>
         <a:xfrm>
-          <a:off x="3729485" y="456297"/>
-          <a:ext cx="1280989" cy="640494"/>
+          <a:off x="0" y="454329"/>
+          <a:ext cx="10266115" cy="397800"/>
         </a:xfrm>
         <a:prstGeom prst="roundRect">
           <a:avLst/>
@@ -16733,12 +16735,12 @@
         </a:fontRef>
       </dsp:style>
       <dsp:txBody>
-        <a:bodyPr spcFirstLastPara="0" vert="horz" wrap="square" lIns="34290" tIns="34290" rIns="34290" bIns="34290" numCol="1" spcCol="1270" anchor="ctr" anchorCtr="0">
+        <a:bodyPr spcFirstLastPara="0" vert="horz" wrap="square" lIns="64770" tIns="64770" rIns="64770" bIns="64770" numCol="1" spcCol="1270" anchor="ctr" anchorCtr="0">
           <a:noAutofit/>
         </a:bodyPr>
         <a:lstStyle/>
         <a:p>
-          <a:pPr marL="0" lvl="0" indent="0" algn="ctr" defTabSz="400050">
+          <a:pPr marL="0" lvl="0" indent="0" algn="l" defTabSz="755650">
             <a:lnSpc>
               <a:spcPct val="90000"/>
             </a:lnSpc>
@@ -16751,26 +16753,26 @@
             <a:buNone/>
           </a:pPr>
           <a:r>
-            <a:rPr lang="en-IN" sz="900" kern="1200"/>
+            <a:rPr lang="en-IN" sz="1700" kern="1200"/>
             <a:t>Successful API integration with retry mechanisms</a:t>
           </a:r>
-          <a:endParaRPr lang="en-US" sz="900" kern="1200"/>
+          <a:endParaRPr lang="en-US" sz="1700" kern="1200"/>
         </a:p>
       </dsp:txBody>
       <dsp:txXfrm>
-        <a:off x="3760751" y="487563"/>
-        <a:ext cx="1218457" cy="577962"/>
+        <a:off x="19419" y="473748"/>
+        <a:ext cx="10227277" cy="358962"/>
       </dsp:txXfrm>
     </dsp:sp>
-    <dsp:sp modelId="{5F2823E6-E3E4-BF4D-9A43-F194CAC0E7F8}">
+    <dsp:sp modelId="{40578C26-7335-B347-B9F3-985BFCBCD984}">
       <dsp:nvSpPr>
         <dsp:cNvPr id="0" name=""/>
         <dsp:cNvSpPr/>
       </dsp:nvSpPr>
       <dsp:spPr>
         <a:xfrm>
-          <a:off x="4589882" y="1640532"/>
-          <a:ext cx="1280989" cy="640494"/>
+          <a:off x="0" y="901089"/>
+          <a:ext cx="10266115" cy="397800"/>
         </a:xfrm>
         <a:prstGeom prst="roundRect">
           <a:avLst/>
@@ -16839,12 +16841,12 @@
         </a:fontRef>
       </dsp:style>
       <dsp:txBody>
-        <a:bodyPr spcFirstLastPara="0" vert="horz" wrap="square" lIns="34290" tIns="34290" rIns="34290" bIns="34290" numCol="1" spcCol="1270" anchor="ctr" anchorCtr="0">
+        <a:bodyPr spcFirstLastPara="0" vert="horz" wrap="square" lIns="64770" tIns="64770" rIns="64770" bIns="64770" numCol="1" spcCol="1270" anchor="ctr" anchorCtr="0">
           <a:noAutofit/>
         </a:bodyPr>
         <a:lstStyle/>
         <a:p>
-          <a:pPr marL="0" lvl="0" indent="0" algn="ctr" defTabSz="400050">
+          <a:pPr marL="0" lvl="0" indent="0" algn="l" defTabSz="755650">
             <a:lnSpc>
               <a:spcPct val="90000"/>
             </a:lnSpc>
@@ -16857,26 +16859,26 @@
             <a:buNone/>
           </a:pPr>
           <a:r>
-            <a:rPr lang="en-IN" sz="900" kern="1200"/>
+            <a:rPr lang="en-IN" sz="1700" kern="1200"/>
             <a:t>Role-based authentication functioning correctly</a:t>
           </a:r>
-          <a:endParaRPr lang="en-US" sz="900" kern="1200"/>
+          <a:endParaRPr lang="en-US" sz="1700" kern="1200"/>
         </a:p>
       </dsp:txBody>
       <dsp:txXfrm>
-        <a:off x="4621148" y="1671798"/>
-        <a:ext cx="1218457" cy="577962"/>
+        <a:off x="19419" y="920508"/>
+        <a:ext cx="10227277" cy="358962"/>
       </dsp:txXfrm>
     </dsp:sp>
-    <dsp:sp modelId="{41CC4CB8-F012-AB40-866E-699BB9554D4F}">
+    <dsp:sp modelId="{ED181EF9-4C84-7C42-B215-B0B8651E8971}">
       <dsp:nvSpPr>
         <dsp:cNvPr id="0" name=""/>
         <dsp:cNvSpPr/>
       </dsp:nvSpPr>
       <dsp:spPr>
         <a:xfrm>
-          <a:off x="4589882" y="3104326"/>
-          <a:ext cx="1280989" cy="640494"/>
+          <a:off x="0" y="1347849"/>
+          <a:ext cx="10266115" cy="397800"/>
         </a:xfrm>
         <a:prstGeom prst="roundRect">
           <a:avLst/>
@@ -16945,12 +16947,12 @@
         </a:fontRef>
       </dsp:style>
       <dsp:txBody>
-        <a:bodyPr spcFirstLastPara="0" vert="horz" wrap="square" lIns="34290" tIns="34290" rIns="34290" bIns="34290" numCol="1" spcCol="1270" anchor="ctr" anchorCtr="0">
+        <a:bodyPr spcFirstLastPara="0" vert="horz" wrap="square" lIns="64770" tIns="64770" rIns="64770" bIns="64770" numCol="1" spcCol="1270" anchor="ctr" anchorCtr="0">
           <a:noAutofit/>
         </a:bodyPr>
         <a:lstStyle/>
         <a:p>
-          <a:pPr marL="0" lvl="0" indent="0" algn="ctr" defTabSz="400050">
+          <a:pPr marL="0" lvl="0" indent="0" algn="l" defTabSz="755650">
             <a:lnSpc>
               <a:spcPct val="90000"/>
             </a:lnSpc>
@@ -16963,26 +16965,26 @@
             <a:buNone/>
           </a:pPr>
           <a:r>
-            <a:rPr lang="en-IN" sz="900" kern="1200"/>
+            <a:rPr lang="en-IN" sz="1700" kern="1200"/>
             <a:t>Analytics dashboard displaying accurate real-time data</a:t>
           </a:r>
-          <a:endParaRPr lang="en-US" sz="900" kern="1200"/>
+          <a:endParaRPr lang="en-US" sz="1700" kern="1200"/>
         </a:p>
       </dsp:txBody>
       <dsp:txXfrm>
-        <a:off x="4621148" y="3135592"/>
-        <a:ext cx="1218457" cy="577962"/>
+        <a:off x="19419" y="1367268"/>
+        <a:ext cx="10227277" cy="358962"/>
       </dsp:txXfrm>
     </dsp:sp>
-    <dsp:sp modelId="{293AA8FC-2460-BB41-9A54-B1AD71166223}">
+    <dsp:sp modelId="{88D36C14-D8ED-AC43-813A-804E0D6CA52D}">
       <dsp:nvSpPr>
         <dsp:cNvPr id="0" name=""/>
         <dsp:cNvSpPr/>
       </dsp:nvSpPr>
       <dsp:spPr>
         <a:xfrm>
-          <a:off x="3729485" y="4288561"/>
-          <a:ext cx="1280989" cy="640494"/>
+          <a:off x="0" y="1794609"/>
+          <a:ext cx="10266115" cy="397800"/>
         </a:xfrm>
         <a:prstGeom prst="roundRect">
           <a:avLst/>
@@ -17051,12 +17053,12 @@
         </a:fontRef>
       </dsp:style>
       <dsp:txBody>
-        <a:bodyPr spcFirstLastPara="0" vert="horz" wrap="square" lIns="34290" tIns="34290" rIns="34290" bIns="34290" numCol="1" spcCol="1270" anchor="ctr" anchorCtr="0">
+        <a:bodyPr spcFirstLastPara="0" vert="horz" wrap="square" lIns="64770" tIns="64770" rIns="64770" bIns="64770" numCol="1" spcCol="1270" anchor="ctr" anchorCtr="0">
           <a:noAutofit/>
         </a:bodyPr>
         <a:lstStyle/>
         <a:p>
-          <a:pPr marL="0" lvl="0" indent="0" algn="ctr" defTabSz="400050">
+          <a:pPr marL="0" lvl="0" indent="0" algn="l" defTabSz="755650">
             <a:lnSpc>
               <a:spcPct val="90000"/>
             </a:lnSpc>
@@ -17069,26 +17071,26 @@
             <a:buNone/>
           </a:pPr>
           <a:r>
-            <a:rPr lang="en-IN" sz="900" kern="1200"/>
+            <a:rPr lang="en-IN" sz="1700" kern="1200"/>
             <a:t>Content moderation effectively filtering hidden movies</a:t>
           </a:r>
-          <a:endParaRPr lang="en-US" sz="900" kern="1200"/>
+          <a:endParaRPr lang="en-US" sz="1700" kern="1200"/>
         </a:p>
       </dsp:txBody>
       <dsp:txXfrm>
-        <a:off x="3760751" y="4319827"/>
-        <a:ext cx="1218457" cy="577962"/>
+        <a:off x="19419" y="1814028"/>
+        <a:ext cx="10227277" cy="358962"/>
       </dsp:txXfrm>
     </dsp:sp>
-    <dsp:sp modelId="{EAC1CD41-7D8F-4949-B067-945DBD1E0047}">
+    <dsp:sp modelId="{3C53984F-6D39-CD43-A16A-4AAE78CFEB69}">
       <dsp:nvSpPr>
         <dsp:cNvPr id="0" name=""/>
         <dsp:cNvSpPr/>
       </dsp:nvSpPr>
       <dsp:spPr>
         <a:xfrm>
-          <a:off x="2337334" y="4740899"/>
-          <a:ext cx="1280989" cy="640494"/>
+          <a:off x="0" y="2241369"/>
+          <a:ext cx="10266115" cy="397800"/>
         </a:xfrm>
         <a:prstGeom prst="roundRect">
           <a:avLst/>
@@ -17157,12 +17159,12 @@
         </a:fontRef>
       </dsp:style>
       <dsp:txBody>
-        <a:bodyPr spcFirstLastPara="0" vert="horz" wrap="square" lIns="34290" tIns="34290" rIns="34290" bIns="34290" numCol="1" spcCol="1270" anchor="ctr" anchorCtr="0">
+        <a:bodyPr spcFirstLastPara="0" vert="horz" wrap="square" lIns="64770" tIns="64770" rIns="64770" bIns="64770" numCol="1" spcCol="1270" anchor="ctr" anchorCtr="0">
           <a:noAutofit/>
         </a:bodyPr>
         <a:lstStyle/>
         <a:p>
-          <a:pPr marL="0" lvl="0" indent="0" algn="ctr" defTabSz="400050">
+          <a:pPr marL="0" lvl="0" indent="0" algn="l" defTabSz="755650">
             <a:lnSpc>
               <a:spcPct val="90000"/>
             </a:lnSpc>
@@ -17175,26 +17177,26 @@
             <a:buNone/>
           </a:pPr>
           <a:r>
-            <a:rPr lang="en-IN" sz="900" b="1" kern="1200"/>
+            <a:rPr lang="en-IN" sz="1700" b="1" kern="1200"/>
             <a:t>Strategic Alignment</a:t>
           </a:r>
-          <a:endParaRPr lang="en-US" sz="900" kern="1200"/>
+          <a:endParaRPr lang="en-US" sz="1700" kern="1200"/>
         </a:p>
       </dsp:txBody>
       <dsp:txXfrm>
-        <a:off x="2368600" y="4772165"/>
-        <a:ext cx="1218457" cy="577962"/>
+        <a:off x="19419" y="2260788"/>
+        <a:ext cx="10227277" cy="358962"/>
       </dsp:txXfrm>
     </dsp:sp>
-    <dsp:sp modelId="{D132E696-5E88-404A-99B9-2B347E1C335F}">
+    <dsp:sp modelId="{756BCC39-CE90-DA41-85AA-8A9061F7FB77}">
       <dsp:nvSpPr>
         <dsp:cNvPr id="0" name=""/>
         <dsp:cNvSpPr/>
       </dsp:nvSpPr>
       <dsp:spPr>
         <a:xfrm>
-          <a:off x="945182" y="4288561"/>
-          <a:ext cx="1280989" cy="640494"/>
+          <a:off x="0" y="2688129"/>
+          <a:ext cx="10266115" cy="397800"/>
         </a:xfrm>
         <a:prstGeom prst="roundRect">
           <a:avLst/>
@@ -17263,12 +17265,12 @@
         </a:fontRef>
       </dsp:style>
       <dsp:txBody>
-        <a:bodyPr spcFirstLastPara="0" vert="horz" wrap="square" lIns="34290" tIns="34290" rIns="34290" bIns="34290" numCol="1" spcCol="1270" anchor="ctr" anchorCtr="0">
+        <a:bodyPr spcFirstLastPara="0" vert="horz" wrap="square" lIns="64770" tIns="64770" rIns="64770" bIns="64770" numCol="1" spcCol="1270" anchor="ctr" anchorCtr="0">
           <a:noAutofit/>
         </a:bodyPr>
         <a:lstStyle/>
         <a:p>
-          <a:pPr marL="0" lvl="0" indent="0" algn="ctr" defTabSz="400050">
+          <a:pPr marL="0" lvl="0" indent="0" algn="l" defTabSz="755650">
             <a:lnSpc>
               <a:spcPct val="90000"/>
             </a:lnSpc>
@@ -17281,26 +17283,26 @@
             <a:buNone/>
           </a:pPr>
           <a:r>
-            <a:rPr lang="en-IN" sz="900" kern="1200"/>
+            <a:rPr lang="en-IN" sz="1700" kern="1200"/>
             <a:t>Demonstrates modern web development practices</a:t>
           </a:r>
-          <a:endParaRPr lang="en-US" sz="900" kern="1200"/>
+          <a:endParaRPr lang="en-US" sz="1700" kern="1200"/>
         </a:p>
       </dsp:txBody>
       <dsp:txXfrm>
-        <a:off x="976448" y="4319827"/>
-        <a:ext cx="1218457" cy="577962"/>
+        <a:off x="19419" y="2707548"/>
+        <a:ext cx="10227277" cy="358962"/>
       </dsp:txXfrm>
     </dsp:sp>
-    <dsp:sp modelId="{CD3B224F-6867-9141-BA8C-7A71DA88F5BD}">
+    <dsp:sp modelId="{201F5E4B-1CF7-3445-A7D7-66FCC07A047B}">
       <dsp:nvSpPr>
         <dsp:cNvPr id="0" name=""/>
         <dsp:cNvSpPr/>
       </dsp:nvSpPr>
       <dsp:spPr>
         <a:xfrm>
-          <a:off x="84785" y="3104326"/>
-          <a:ext cx="1280989" cy="640494"/>
+          <a:off x="0" y="3134889"/>
+          <a:ext cx="10266115" cy="397800"/>
         </a:xfrm>
         <a:prstGeom prst="roundRect">
           <a:avLst/>
@@ -17369,12 +17371,12 @@
         </a:fontRef>
       </dsp:style>
       <dsp:txBody>
-        <a:bodyPr spcFirstLastPara="0" vert="horz" wrap="square" lIns="34290" tIns="34290" rIns="34290" bIns="34290" numCol="1" spcCol="1270" anchor="ctr" anchorCtr="0">
+        <a:bodyPr spcFirstLastPara="0" vert="horz" wrap="square" lIns="64770" tIns="64770" rIns="64770" bIns="64770" numCol="1" spcCol="1270" anchor="ctr" anchorCtr="0">
           <a:noAutofit/>
         </a:bodyPr>
         <a:lstStyle/>
         <a:p>
-          <a:pPr marL="0" lvl="0" indent="0" algn="ctr" defTabSz="400050">
+          <a:pPr marL="0" lvl="0" indent="0" algn="l" defTabSz="755650">
             <a:lnSpc>
               <a:spcPct val="90000"/>
             </a:lnSpc>
@@ -17387,26 +17389,26 @@
             <a:buNone/>
           </a:pPr>
           <a:r>
-            <a:rPr lang="en-IN" sz="900" kern="1200"/>
+            <a:rPr lang="en-IN" sz="1700" kern="1200"/>
             <a:t>Aligns with OTT platform architecture concepts</a:t>
           </a:r>
-          <a:endParaRPr lang="en-US" sz="900" kern="1200"/>
+          <a:endParaRPr lang="en-US" sz="1700" kern="1200"/>
         </a:p>
       </dsp:txBody>
       <dsp:txXfrm>
-        <a:off x="116051" y="3135592"/>
-        <a:ext cx="1218457" cy="577962"/>
+        <a:off x="19419" y="3154308"/>
+        <a:ext cx="10227277" cy="358962"/>
       </dsp:txXfrm>
     </dsp:sp>
-    <dsp:sp modelId="{A215F42A-2D79-FC43-92B9-A1AF4C33F269}">
+    <dsp:sp modelId="{BA10311E-F3ED-A746-B628-73AF4E780394}">
       <dsp:nvSpPr>
         <dsp:cNvPr id="0" name=""/>
         <dsp:cNvSpPr/>
       </dsp:nvSpPr>
       <dsp:spPr>
         <a:xfrm>
-          <a:off x="84785" y="1640532"/>
-          <a:ext cx="1280989" cy="640494"/>
+          <a:off x="0" y="3581649"/>
+          <a:ext cx="10266115" cy="397800"/>
         </a:xfrm>
         <a:prstGeom prst="roundRect">
           <a:avLst/>
@@ -17475,12 +17477,12 @@
         </a:fontRef>
       </dsp:style>
       <dsp:txBody>
-        <a:bodyPr spcFirstLastPara="0" vert="horz" wrap="square" lIns="34290" tIns="34290" rIns="34290" bIns="34290" numCol="1" spcCol="1270" anchor="ctr" anchorCtr="0">
+        <a:bodyPr spcFirstLastPara="0" vert="horz" wrap="square" lIns="64770" tIns="64770" rIns="64770" bIns="64770" numCol="1" spcCol="1270" anchor="ctr" anchorCtr="0">
           <a:noAutofit/>
         </a:bodyPr>
         <a:lstStyle/>
         <a:p>
-          <a:pPr marL="0" lvl="0" indent="0" algn="ctr" defTabSz="400050">
+          <a:pPr marL="0" lvl="0" indent="0" algn="l" defTabSz="755650">
             <a:lnSpc>
               <a:spcPct val="90000"/>
             </a:lnSpc>
@@ -17493,26 +17495,26 @@
             <a:buNone/>
           </a:pPr>
           <a:r>
-            <a:rPr lang="en-IN" sz="900" kern="1200"/>
+            <a:rPr lang="en-IN" sz="1700" kern="1200"/>
             <a:t>Showcases backend scalability &amp; API integration</a:t>
           </a:r>
-          <a:endParaRPr lang="en-US" sz="900" kern="1200"/>
+          <a:endParaRPr lang="en-US" sz="1700" kern="1200"/>
         </a:p>
       </dsp:txBody>
       <dsp:txXfrm>
-        <a:off x="116051" y="1671798"/>
-        <a:ext cx="1218457" cy="577962"/>
+        <a:off x="19419" y="3601068"/>
+        <a:ext cx="10227277" cy="358962"/>
       </dsp:txXfrm>
     </dsp:sp>
-    <dsp:sp modelId="{C6C3C0F0-E3E8-F94E-B10E-805ACD26322E}">
+    <dsp:sp modelId="{78BA94D6-F7C8-044D-A2BD-27E69FD7A3F7}">
       <dsp:nvSpPr>
         <dsp:cNvPr id="0" name=""/>
         <dsp:cNvSpPr/>
       </dsp:nvSpPr>
       <dsp:spPr>
         <a:xfrm>
-          <a:off x="945182" y="456297"/>
-          <a:ext cx="1280989" cy="640494"/>
+          <a:off x="0" y="4028409"/>
+          <a:ext cx="10266115" cy="397800"/>
         </a:xfrm>
         <a:prstGeom prst="roundRect">
           <a:avLst/>
@@ -17581,12 +17583,12 @@
         </a:fontRef>
       </dsp:style>
       <dsp:txBody>
-        <a:bodyPr spcFirstLastPara="0" vert="horz" wrap="square" lIns="34290" tIns="34290" rIns="34290" bIns="34290" numCol="1" spcCol="1270" anchor="ctr" anchorCtr="0">
+        <a:bodyPr spcFirstLastPara="0" vert="horz" wrap="square" lIns="64770" tIns="64770" rIns="64770" bIns="64770" numCol="1" spcCol="1270" anchor="ctr" anchorCtr="0">
           <a:noAutofit/>
         </a:bodyPr>
         <a:lstStyle/>
         <a:p>
-          <a:pPr marL="0" lvl="0" indent="0" algn="ctr" defTabSz="400050">
+          <a:pPr marL="0" lvl="0" indent="0" algn="l" defTabSz="755650">
             <a:lnSpc>
               <a:spcPct val="90000"/>
             </a:lnSpc>
@@ -17599,15 +17601,15 @@
             <a:buNone/>
           </a:pPr>
           <a:r>
-            <a:rPr lang="en-IN" sz="900" kern="1200"/>
+            <a:rPr lang="en-IN" sz="1700" kern="1200"/>
             <a:t>Suitable for academic and enterprise-level demonstrations</a:t>
           </a:r>
-          <a:endParaRPr lang="en-US" sz="900" kern="1200"/>
+          <a:endParaRPr lang="en-US" sz="1700" kern="1200"/>
         </a:p>
       </dsp:txBody>
       <dsp:txXfrm>
-        <a:off x="976448" y="487563"/>
-        <a:ext cx="1218457" cy="577962"/>
+        <a:off x="19419" y="4047828"/>
+        <a:ext cx="10227277" cy="358962"/>
       </dsp:txXfrm>
     </dsp:sp>
   </dsp:spTree>
@@ -17629,8 +17631,8 @@
       </dsp:nvSpPr>
       <dsp:spPr>
         <a:xfrm>
-          <a:off x="963775" y="3384"/>
-          <a:ext cx="2063594" cy="1238156"/>
+          <a:off x="2650" y="631050"/>
+          <a:ext cx="2103024" cy="1261814"/>
         </a:xfrm>
         <a:prstGeom prst="rect">
           <a:avLst/>
@@ -17699,12 +17701,12 @@
         </a:fontRef>
       </dsp:style>
       <dsp:txBody>
-        <a:bodyPr spcFirstLastPara="0" vert="horz" wrap="square" lIns="53340" tIns="53340" rIns="53340" bIns="53340" numCol="1" spcCol="1270" anchor="ctr" anchorCtr="0">
+        <a:bodyPr spcFirstLastPara="0" vert="horz" wrap="square" lIns="57150" tIns="57150" rIns="57150" bIns="57150" numCol="1" spcCol="1270" anchor="ctr" anchorCtr="0">
           <a:noAutofit/>
         </a:bodyPr>
         <a:lstStyle/>
         <a:p>
-          <a:pPr marL="0" lvl="0" indent="0" algn="ctr" defTabSz="622300">
+          <a:pPr marL="0" lvl="0" indent="0" algn="ctr" defTabSz="666750">
             <a:lnSpc>
               <a:spcPct val="90000"/>
             </a:lnSpc>
@@ -17717,15 +17719,15 @@
             <a:buNone/>
           </a:pPr>
           <a:r>
-            <a:rPr lang="en-IN" sz="1400" b="1" kern="1200"/>
+            <a:rPr lang="en-IN" sz="1500" b="1" kern="1200"/>
             <a:t>System Architecture</a:t>
           </a:r>
-          <a:endParaRPr lang="en-US" sz="1400" kern="1200"/>
+          <a:endParaRPr lang="en-US" sz="1500" kern="1200"/>
         </a:p>
       </dsp:txBody>
       <dsp:txXfrm>
-        <a:off x="963775" y="3384"/>
-        <a:ext cx="2063594" cy="1238156"/>
+        <a:off x="2650" y="631050"/>
+        <a:ext cx="2103024" cy="1261814"/>
       </dsp:txXfrm>
     </dsp:sp>
     <dsp:sp modelId="{D1523F93-EB3C-1445-A814-1AFB75E8AFDA}">
@@ -17735,8 +17737,8 @@
       </dsp:nvSpPr>
       <dsp:spPr>
         <a:xfrm>
-          <a:off x="3233729" y="3384"/>
-          <a:ext cx="2063594" cy="1238156"/>
+          <a:off x="2315978" y="631050"/>
+          <a:ext cx="2103024" cy="1261814"/>
         </a:xfrm>
         <a:prstGeom prst="rect">
           <a:avLst/>
@@ -17805,12 +17807,12 @@
         </a:fontRef>
       </dsp:style>
       <dsp:txBody>
-        <a:bodyPr spcFirstLastPara="0" vert="horz" wrap="square" lIns="53340" tIns="53340" rIns="53340" bIns="53340" numCol="1" spcCol="1270" anchor="ctr" anchorCtr="0">
+        <a:bodyPr spcFirstLastPara="0" vert="horz" wrap="square" lIns="57150" tIns="57150" rIns="57150" bIns="57150" numCol="1" spcCol="1270" anchor="ctr" anchorCtr="0">
           <a:noAutofit/>
         </a:bodyPr>
         <a:lstStyle/>
         <a:p>
-          <a:pPr marL="0" lvl="0" indent="0" algn="ctr" defTabSz="622300">
+          <a:pPr marL="0" lvl="0" indent="0" algn="ctr" defTabSz="666750">
             <a:lnSpc>
               <a:spcPct val="90000"/>
             </a:lnSpc>
@@ -17823,15 +17825,15 @@
             <a:buNone/>
           </a:pPr>
           <a:r>
-            <a:rPr lang="en-IN" sz="1400" b="1" kern="1200"/>
+            <a:rPr lang="en-IN" sz="1500" b="1" kern="1200"/>
             <a:t>Architecture Style</a:t>
           </a:r>
-          <a:endParaRPr lang="en-US" sz="1400" kern="1200"/>
+          <a:endParaRPr lang="en-US" sz="1500" kern="1200"/>
         </a:p>
       </dsp:txBody>
       <dsp:txXfrm>
-        <a:off x="3233729" y="3384"/>
-        <a:ext cx="2063594" cy="1238156"/>
+        <a:off x="2315978" y="631050"/>
+        <a:ext cx="2103024" cy="1261814"/>
       </dsp:txXfrm>
     </dsp:sp>
     <dsp:sp modelId="{894825D4-4E8C-3748-8B79-14FB1DACBC8C}">
@@ -17841,8 +17843,8 @@
       </dsp:nvSpPr>
       <dsp:spPr>
         <a:xfrm>
-          <a:off x="963775" y="1447900"/>
-          <a:ext cx="2063594" cy="1238156"/>
+          <a:off x="4629305" y="631050"/>
+          <a:ext cx="2103024" cy="1261814"/>
         </a:xfrm>
         <a:prstGeom prst="rect">
           <a:avLst/>
@@ -17911,12 +17913,12 @@
         </a:fontRef>
       </dsp:style>
       <dsp:txBody>
-        <a:bodyPr spcFirstLastPara="0" vert="horz" wrap="square" lIns="53340" tIns="53340" rIns="53340" bIns="53340" numCol="1" spcCol="1270" anchor="ctr" anchorCtr="0">
+        <a:bodyPr spcFirstLastPara="0" vert="horz" wrap="square" lIns="57150" tIns="57150" rIns="57150" bIns="57150" numCol="1" spcCol="1270" anchor="ctr" anchorCtr="0">
           <a:noAutofit/>
         </a:bodyPr>
         <a:lstStyle/>
         <a:p>
-          <a:pPr marL="0" lvl="0" indent="0" algn="ctr" defTabSz="622300">
+          <a:pPr marL="0" lvl="0" indent="0" algn="ctr" defTabSz="666750">
             <a:lnSpc>
               <a:spcPct val="90000"/>
             </a:lnSpc>
@@ -17929,23 +17931,23 @@
             <a:buNone/>
           </a:pPr>
           <a:r>
-            <a:rPr lang="en-IN" sz="1400" kern="1200"/>
+            <a:rPr lang="en-IN" sz="1500" kern="1200"/>
             <a:t>Django </a:t>
           </a:r>
           <a:r>
-            <a:rPr lang="en-IN" sz="1400" b="1" kern="1200"/>
+            <a:rPr lang="en-IN" sz="1500" b="1" kern="1200"/>
             <a:t>MVT (Model-View-Template)</a:t>
           </a:r>
           <a:r>
-            <a:rPr lang="en-IN" sz="1400" kern="1200"/>
+            <a:rPr lang="en-IN" sz="1500" kern="1200"/>
             <a:t> Architecture</a:t>
           </a:r>
-          <a:endParaRPr lang="en-US" sz="1400" kern="1200"/>
+          <a:endParaRPr lang="en-US" sz="1500" kern="1200"/>
         </a:p>
       </dsp:txBody>
       <dsp:txXfrm>
-        <a:off x="963775" y="1447900"/>
-        <a:ext cx="2063594" cy="1238156"/>
+        <a:off x="4629305" y="631050"/>
+        <a:ext cx="2103024" cy="1261814"/>
       </dsp:txXfrm>
     </dsp:sp>
     <dsp:sp modelId="{2CA4A5D2-B5FB-9343-B058-966E76718C79}">
@@ -17955,8 +17957,8 @@
       </dsp:nvSpPr>
       <dsp:spPr>
         <a:xfrm>
-          <a:off x="3233729" y="1447900"/>
-          <a:ext cx="2063594" cy="1238156"/>
+          <a:off x="6942632" y="631050"/>
+          <a:ext cx="2103024" cy="1261814"/>
         </a:xfrm>
         <a:prstGeom prst="rect">
           <a:avLst/>
@@ -18025,12 +18027,12 @@
         </a:fontRef>
       </dsp:style>
       <dsp:txBody>
-        <a:bodyPr spcFirstLastPara="0" vert="horz" wrap="square" lIns="53340" tIns="53340" rIns="53340" bIns="53340" numCol="1" spcCol="1270" anchor="ctr" anchorCtr="0">
+        <a:bodyPr spcFirstLastPara="0" vert="horz" wrap="square" lIns="57150" tIns="57150" rIns="57150" bIns="57150" numCol="1" spcCol="1270" anchor="ctr" anchorCtr="0">
           <a:noAutofit/>
         </a:bodyPr>
         <a:lstStyle/>
         <a:p>
-          <a:pPr marL="0" lvl="0" indent="0" algn="ctr" defTabSz="622300">
+          <a:pPr marL="0" lvl="0" indent="0" algn="ctr" defTabSz="666750">
             <a:lnSpc>
               <a:spcPct val="90000"/>
             </a:lnSpc>
@@ -18043,15 +18045,15 @@
             <a:buNone/>
           </a:pPr>
           <a:r>
-            <a:rPr lang="en-IN" sz="1400" b="1" kern="1200"/>
+            <a:rPr lang="en-IN" sz="1500" b="1" kern="1200"/>
             <a:t>High-Level Architecture Components</a:t>
           </a:r>
-          <a:endParaRPr lang="en-US" sz="1400" kern="1200"/>
+          <a:endParaRPr lang="en-US" sz="1500" kern="1200"/>
         </a:p>
       </dsp:txBody>
       <dsp:txXfrm>
-        <a:off x="3233729" y="1447900"/>
-        <a:ext cx="2063594" cy="1238156"/>
+        <a:off x="6942632" y="631050"/>
+        <a:ext cx="2103024" cy="1261814"/>
       </dsp:txXfrm>
     </dsp:sp>
     <dsp:sp modelId="{7BC8B169-3DF9-E446-9E90-930E9ABB286D}">
@@ -18061,8 +18063,8 @@
       </dsp:nvSpPr>
       <dsp:spPr>
         <a:xfrm>
-          <a:off x="963775" y="2892417"/>
-          <a:ext cx="2063594" cy="1238156"/>
+          <a:off x="2650" y="2103167"/>
+          <a:ext cx="2103024" cy="1261814"/>
         </a:xfrm>
         <a:prstGeom prst="rect">
           <a:avLst/>
@@ -18131,12 +18133,12 @@
         </a:fontRef>
       </dsp:style>
       <dsp:txBody>
-        <a:bodyPr spcFirstLastPara="0" vert="horz" wrap="square" lIns="53340" tIns="53340" rIns="53340" bIns="53340" numCol="1" spcCol="1270" anchor="t" anchorCtr="0">
+        <a:bodyPr spcFirstLastPara="0" vert="horz" wrap="square" lIns="57150" tIns="57150" rIns="57150" bIns="57150" numCol="1" spcCol="1270" anchor="t" anchorCtr="0">
           <a:noAutofit/>
         </a:bodyPr>
         <a:lstStyle/>
         <a:p>
-          <a:pPr marL="0" lvl="0" indent="0" algn="l" defTabSz="622300">
+          <a:pPr marL="0" lvl="0" indent="0" algn="l" defTabSz="666750">
             <a:lnSpc>
               <a:spcPct val="90000"/>
             </a:lnSpc>
@@ -18149,13 +18151,13 @@
             <a:buNone/>
           </a:pPr>
           <a:r>
-            <a:rPr lang="en-IN" sz="1400" b="1" kern="1200"/>
+            <a:rPr lang="en-IN" sz="1500" b="1" kern="1200"/>
             <a:t>Frontend Layer</a:t>
           </a:r>
-          <a:endParaRPr lang="en-US" sz="1400" kern="1200"/>
+          <a:endParaRPr lang="en-US" sz="1500" kern="1200"/>
         </a:p>
         <a:p>
-          <a:pPr marL="57150" lvl="1" indent="-57150" algn="l" defTabSz="488950">
+          <a:pPr marL="114300" lvl="1" indent="-114300" algn="l" defTabSz="533400">
             <a:lnSpc>
               <a:spcPct val="90000"/>
             </a:lnSpc>
@@ -18168,13 +18170,13 @@
             <a:buChar char="•"/>
           </a:pPr>
           <a:r>
-            <a:rPr lang="en-IN" sz="1100" kern="1200"/>
+            <a:rPr lang="en-IN" sz="1200" kern="1200"/>
             <a:t>HTML5</a:t>
           </a:r>
-          <a:endParaRPr lang="en-US" sz="1100" kern="1200"/>
+          <a:endParaRPr lang="en-US" sz="1200" kern="1200"/>
         </a:p>
         <a:p>
-          <a:pPr marL="57150" lvl="1" indent="-57150" algn="l" defTabSz="488950">
+          <a:pPr marL="114300" lvl="1" indent="-114300" algn="l" defTabSz="533400">
             <a:lnSpc>
               <a:spcPct val="90000"/>
             </a:lnSpc>
@@ -18187,13 +18189,13 @@
             <a:buChar char="•"/>
           </a:pPr>
           <a:r>
-            <a:rPr lang="en-IN" sz="1100" kern="1200"/>
+            <a:rPr lang="en-IN" sz="1200" kern="1200"/>
             <a:t>CSS3 (Glassmorphism + Dark Theme)</a:t>
           </a:r>
-          <a:endParaRPr lang="en-US" sz="1100" kern="1200"/>
+          <a:endParaRPr lang="en-US" sz="1200" kern="1200"/>
         </a:p>
         <a:p>
-          <a:pPr marL="57150" lvl="1" indent="-57150" algn="l" defTabSz="488950">
+          <a:pPr marL="114300" lvl="1" indent="-114300" algn="l" defTabSz="533400">
             <a:lnSpc>
               <a:spcPct val="90000"/>
             </a:lnSpc>
@@ -18206,15 +18208,15 @@
             <a:buChar char="•"/>
           </a:pPr>
           <a:r>
-            <a:rPr lang="en-IN" sz="1100" kern="1200"/>
+            <a:rPr lang="en-IN" sz="1200" kern="1200"/>
             <a:t>JavaScript (AJAX interactions)</a:t>
           </a:r>
-          <a:endParaRPr lang="en-US" sz="1100" kern="1200"/>
+          <a:endParaRPr lang="en-US" sz="1200" kern="1200"/>
         </a:p>
       </dsp:txBody>
       <dsp:txXfrm>
-        <a:off x="963775" y="2892417"/>
-        <a:ext cx="2063594" cy="1238156"/>
+        <a:off x="2650" y="2103167"/>
+        <a:ext cx="2103024" cy="1261814"/>
       </dsp:txXfrm>
     </dsp:sp>
     <dsp:sp modelId="{DCBF411A-0A02-094F-B7CC-2E44D136E111}">
@@ -18224,8 +18226,8 @@
       </dsp:nvSpPr>
       <dsp:spPr>
         <a:xfrm>
-          <a:off x="3233729" y="2892417"/>
-          <a:ext cx="2063594" cy="1238156"/>
+          <a:off x="2315978" y="2103167"/>
+          <a:ext cx="2103024" cy="1261814"/>
         </a:xfrm>
         <a:prstGeom prst="rect">
           <a:avLst/>
@@ -18294,12 +18296,12 @@
         </a:fontRef>
       </dsp:style>
       <dsp:txBody>
-        <a:bodyPr spcFirstLastPara="0" vert="horz" wrap="square" lIns="53340" tIns="53340" rIns="53340" bIns="53340" numCol="1" spcCol="1270" anchor="t" anchorCtr="0">
+        <a:bodyPr spcFirstLastPara="0" vert="horz" wrap="square" lIns="57150" tIns="57150" rIns="57150" bIns="57150" numCol="1" spcCol="1270" anchor="t" anchorCtr="0">
           <a:noAutofit/>
         </a:bodyPr>
         <a:lstStyle/>
         <a:p>
-          <a:pPr marL="0" lvl="0" indent="0" algn="l" defTabSz="622300">
+          <a:pPr marL="0" lvl="0" indent="0" algn="l" defTabSz="666750">
             <a:lnSpc>
               <a:spcPct val="90000"/>
             </a:lnSpc>
@@ -18312,13 +18314,13 @@
             <a:buNone/>
           </a:pPr>
           <a:r>
-            <a:rPr lang="en-IN" sz="1400" b="1" kern="1200"/>
+            <a:rPr lang="en-IN" sz="1500" b="1" kern="1200"/>
             <a:t>Backend Layer</a:t>
           </a:r>
-          <a:endParaRPr lang="en-US" sz="1400" kern="1200"/>
+          <a:endParaRPr lang="en-US" sz="1500" kern="1200"/>
         </a:p>
         <a:p>
-          <a:pPr marL="57150" lvl="1" indent="-57150" algn="l" defTabSz="488950">
+          <a:pPr marL="114300" lvl="1" indent="-114300" algn="l" defTabSz="533400">
             <a:lnSpc>
               <a:spcPct val="90000"/>
             </a:lnSpc>
@@ -18331,13 +18333,13 @@
             <a:buChar char="•"/>
           </a:pPr>
           <a:r>
-            <a:rPr lang="en-IN" sz="1100" kern="1200"/>
+            <a:rPr lang="en-IN" sz="1200" kern="1200"/>
             <a:t>Django 4.2.7</a:t>
           </a:r>
-          <a:endParaRPr lang="en-US" sz="1100" kern="1200"/>
+          <a:endParaRPr lang="en-US" sz="1200" kern="1200"/>
         </a:p>
         <a:p>
-          <a:pPr marL="57150" lvl="1" indent="-57150" algn="l" defTabSz="488950">
+          <a:pPr marL="114300" lvl="1" indent="-114300" algn="l" defTabSz="533400">
             <a:lnSpc>
               <a:spcPct val="90000"/>
             </a:lnSpc>
@@ -18350,13 +18352,13 @@
             <a:buChar char="•"/>
           </a:pPr>
           <a:r>
-            <a:rPr lang="en-IN" sz="1100" kern="1200"/>
+            <a:rPr lang="en-IN" sz="1200" kern="1200"/>
             <a:t>Service Layer (TMDBService, YouTubeService)</a:t>
           </a:r>
-          <a:endParaRPr lang="en-US" sz="1100" kern="1200"/>
+          <a:endParaRPr lang="en-US" sz="1200" kern="1200"/>
         </a:p>
         <a:p>
-          <a:pPr marL="57150" lvl="1" indent="-57150" algn="l" defTabSz="488950">
+          <a:pPr marL="114300" lvl="1" indent="-114300" algn="l" defTabSz="533400">
             <a:lnSpc>
               <a:spcPct val="90000"/>
             </a:lnSpc>
@@ -18369,15 +18371,15 @@
             <a:buChar char="•"/>
           </a:pPr>
           <a:r>
-            <a:rPr lang="en-IN" sz="1100" kern="1200"/>
+            <a:rPr lang="en-IN" sz="1200" kern="1200"/>
             <a:t>Business Logic (Views)</a:t>
           </a:r>
-          <a:endParaRPr lang="en-US" sz="1100" kern="1200"/>
+          <a:endParaRPr lang="en-US" sz="1200" kern="1200"/>
         </a:p>
       </dsp:txBody>
       <dsp:txXfrm>
-        <a:off x="3233729" y="2892417"/>
-        <a:ext cx="2063594" cy="1238156"/>
+        <a:off x="2315978" y="2103167"/>
+        <a:ext cx="2103024" cy="1261814"/>
       </dsp:txXfrm>
     </dsp:sp>
     <dsp:sp modelId="{77CB1AAB-32F9-D247-BA73-27F7B4CBF8B9}">
@@ -18387,8 +18389,8 @@
       </dsp:nvSpPr>
       <dsp:spPr>
         <a:xfrm>
-          <a:off x="963775" y="4336933"/>
-          <a:ext cx="2063594" cy="1238156"/>
+          <a:off x="4629305" y="2103167"/>
+          <a:ext cx="2103024" cy="1261814"/>
         </a:xfrm>
         <a:prstGeom prst="rect">
           <a:avLst/>
@@ -18457,12 +18459,12 @@
         </a:fontRef>
       </dsp:style>
       <dsp:txBody>
-        <a:bodyPr spcFirstLastPara="0" vert="horz" wrap="square" lIns="53340" tIns="53340" rIns="53340" bIns="53340" numCol="1" spcCol="1270" anchor="t" anchorCtr="0">
+        <a:bodyPr spcFirstLastPara="0" vert="horz" wrap="square" lIns="57150" tIns="57150" rIns="57150" bIns="57150" numCol="1" spcCol="1270" anchor="t" anchorCtr="0">
           <a:noAutofit/>
         </a:bodyPr>
         <a:lstStyle/>
         <a:p>
-          <a:pPr marL="0" lvl="0" indent="0" algn="l" defTabSz="622300">
+          <a:pPr marL="0" lvl="0" indent="0" algn="l" defTabSz="666750">
             <a:lnSpc>
               <a:spcPct val="90000"/>
             </a:lnSpc>
@@ -18475,13 +18477,13 @@
             <a:buNone/>
           </a:pPr>
           <a:r>
-            <a:rPr lang="en-IN" sz="1400" b="1" kern="1200"/>
+            <a:rPr lang="en-IN" sz="1500" b="1" kern="1200"/>
             <a:t>Database Layer</a:t>
           </a:r>
-          <a:endParaRPr lang="en-US" sz="1400" kern="1200"/>
+          <a:endParaRPr lang="en-US" sz="1500" kern="1200"/>
         </a:p>
         <a:p>
-          <a:pPr marL="57150" lvl="1" indent="-57150" algn="l" defTabSz="488950">
+          <a:pPr marL="114300" lvl="1" indent="-114300" algn="l" defTabSz="533400">
             <a:lnSpc>
               <a:spcPct val="90000"/>
             </a:lnSpc>
@@ -18494,13 +18496,13 @@
             <a:buChar char="•"/>
           </a:pPr>
           <a:r>
-            <a:rPr lang="en-IN" sz="1100" kern="1200"/>
+            <a:rPr lang="en-IN" sz="1200" kern="1200"/>
             <a:t>SQLite (Development)</a:t>
           </a:r>
-          <a:endParaRPr lang="en-US" sz="1100" kern="1200"/>
+          <a:endParaRPr lang="en-US" sz="1200" kern="1200"/>
         </a:p>
         <a:p>
-          <a:pPr marL="57150" lvl="1" indent="-57150" algn="l" defTabSz="488950">
+          <a:pPr marL="114300" lvl="1" indent="-114300" algn="l" defTabSz="533400">
             <a:lnSpc>
               <a:spcPct val="90000"/>
             </a:lnSpc>
@@ -18513,15 +18515,15 @@
             <a:buChar char="•"/>
           </a:pPr>
           <a:r>
-            <a:rPr lang="en-IN" sz="1100" kern="1200"/>
+            <a:rPr lang="en-IN" sz="1200" kern="1200"/>
             <a:t>Relational models (Movie, Watchlist, Rating, MovieView)</a:t>
           </a:r>
-          <a:endParaRPr lang="en-US" sz="1100" kern="1200"/>
+          <a:endParaRPr lang="en-US" sz="1200" kern="1200"/>
         </a:p>
       </dsp:txBody>
       <dsp:txXfrm>
-        <a:off x="963775" y="4336933"/>
-        <a:ext cx="2063594" cy="1238156"/>
+        <a:off x="4629305" y="2103167"/>
+        <a:ext cx="2103024" cy="1261814"/>
       </dsp:txXfrm>
     </dsp:sp>
     <dsp:sp modelId="{E9172962-7F74-ED4E-A195-AACDA1C82B87}">
@@ -18531,8 +18533,8 @@
       </dsp:nvSpPr>
       <dsp:spPr>
         <a:xfrm>
-          <a:off x="3233729" y="4336933"/>
-          <a:ext cx="2063594" cy="1238156"/>
+          <a:off x="6942632" y="2103167"/>
+          <a:ext cx="2103024" cy="1261814"/>
         </a:xfrm>
         <a:prstGeom prst="rect">
           <a:avLst/>
@@ -18601,12 +18603,12 @@
         </a:fontRef>
       </dsp:style>
       <dsp:txBody>
-        <a:bodyPr spcFirstLastPara="0" vert="horz" wrap="square" lIns="53340" tIns="53340" rIns="53340" bIns="53340" numCol="1" spcCol="1270" anchor="t" anchorCtr="0">
+        <a:bodyPr spcFirstLastPara="0" vert="horz" wrap="square" lIns="57150" tIns="57150" rIns="57150" bIns="57150" numCol="1" spcCol="1270" anchor="t" anchorCtr="0">
           <a:noAutofit/>
         </a:bodyPr>
         <a:lstStyle/>
         <a:p>
-          <a:pPr marL="0" lvl="0" indent="0" algn="l" defTabSz="622300">
+          <a:pPr marL="0" lvl="0" indent="0" algn="l" defTabSz="666750">
             <a:lnSpc>
               <a:spcPct val="90000"/>
             </a:lnSpc>
@@ -18619,13 +18621,13 @@
             <a:buNone/>
           </a:pPr>
           <a:r>
-            <a:rPr lang="en-IN" sz="1400" b="1" kern="1200"/>
+            <a:rPr lang="en-IN" sz="1500" b="1" kern="1200"/>
             <a:t>External APIs</a:t>
           </a:r>
-          <a:endParaRPr lang="en-US" sz="1400" kern="1200"/>
+          <a:endParaRPr lang="en-US" sz="1500" kern="1200"/>
         </a:p>
         <a:p>
-          <a:pPr marL="57150" lvl="1" indent="-57150" algn="l" defTabSz="488950">
+          <a:pPr marL="114300" lvl="1" indent="-114300" algn="l" defTabSz="533400">
             <a:lnSpc>
               <a:spcPct val="90000"/>
             </a:lnSpc>
@@ -18638,13 +18640,13 @@
             <a:buChar char="•"/>
           </a:pPr>
           <a:r>
-            <a:rPr lang="en-IN" sz="1100" kern="1200"/>
+            <a:rPr lang="en-IN" sz="1200" kern="1200"/>
             <a:t>TMDB API (movie data)</a:t>
           </a:r>
-          <a:endParaRPr lang="en-US" sz="1100" kern="1200"/>
+          <a:endParaRPr lang="en-US" sz="1200" kern="1200"/>
         </a:p>
         <a:p>
-          <a:pPr marL="57150" lvl="1" indent="-57150" algn="l" defTabSz="488950">
+          <a:pPr marL="114300" lvl="1" indent="-114300" algn="l" defTabSz="533400">
             <a:lnSpc>
               <a:spcPct val="90000"/>
             </a:lnSpc>
@@ -18657,15 +18659,15 @@
             <a:buChar char="•"/>
           </a:pPr>
           <a:r>
-            <a:rPr lang="en-IN" sz="1100" kern="1200"/>
+            <a:rPr lang="en-IN" sz="1200" kern="1200"/>
             <a:t>YouTube Data API (trailers)</a:t>
           </a:r>
-          <a:endParaRPr lang="en-US" sz="1100" kern="1200"/>
+          <a:endParaRPr lang="en-US" sz="1200" kern="1200"/>
         </a:p>
       </dsp:txBody>
       <dsp:txXfrm>
-        <a:off x="3233729" y="4336933"/>
-        <a:ext cx="2063594" cy="1238156"/>
+        <a:off x="6942632" y="2103167"/>
+        <a:ext cx="2103024" cy="1261814"/>
       </dsp:txXfrm>
     </dsp:sp>
   </dsp:spTree>
@@ -25411,11 +25413,12 @@
 </file>
 
 <file path=ppt/diagrams/layout5.xml><?xml version="1.0" encoding="utf-8"?>
-<dgm:layoutDef xmlns:dgm="http://schemas.openxmlformats.org/drawingml/2006/diagram" xmlns:a="http://schemas.openxmlformats.org/drawingml/2006/main" uniqueId="urn:microsoft.com/office/officeart/2005/8/layout/cycle3">
+<dgm:layoutDef xmlns:dgm="http://schemas.openxmlformats.org/drawingml/2006/diagram" xmlns:a="http://schemas.openxmlformats.org/drawingml/2006/main" uniqueId="urn:microsoft.com/office/officeart/2005/8/layout/vList2">
   <dgm:title val=""/>
   <dgm:desc val=""/>
   <dgm:catLst>
-    <dgm:cat type="cycle" pri="5000"/>
+    <dgm:cat type="list" pri="3000"/>
+    <dgm:cat type="convert" pri="1000"/>
   </dgm:catLst>
   <dgm:sampData>
     <dgm:dataModel>
@@ -25424,25 +25427,21 @@
         <dgm:pt modelId="1">
           <dgm:prSet phldr="1"/>
         </dgm:pt>
+        <dgm:pt modelId="11">
+          <dgm:prSet phldr="1"/>
+        </dgm:pt>
         <dgm:pt modelId="2">
           <dgm:prSet phldr="1"/>
         </dgm:pt>
-        <dgm:pt modelId="3">
-          <dgm:prSet phldr="1"/>
-        </dgm:pt>
-        <dgm:pt modelId="4">
-          <dgm:prSet phldr="1"/>
-        </dgm:pt>
-        <dgm:pt modelId="5">
+        <dgm:pt modelId="21">
           <dgm:prSet phldr="1"/>
         </dgm:pt>
       </dgm:ptLst>
       <dgm:cxnLst>
-        <dgm:cxn modelId="6" srcId="0" destId="1" srcOrd="0" destOrd="0"/>
-        <dgm:cxn modelId="7" srcId="0" destId="2" srcOrd="1" destOrd="0"/>
-        <dgm:cxn modelId="8" srcId="0" destId="3" srcOrd="2" destOrd="0"/>
-        <dgm:cxn modelId="9" srcId="0" destId="4" srcOrd="3" destOrd="0"/>
-        <dgm:cxn modelId="10" srcId="0" destId="5" srcOrd="4" destOrd="0"/>
+        <dgm:cxn modelId="4" srcId="0" destId="1" srcOrd="0" destOrd="0"/>
+        <dgm:cxn modelId="5" srcId="0" destId="2" srcOrd="1" destOrd="0"/>
+        <dgm:cxn modelId="12" srcId="1" destId="11" srcOrd="0" destOrd="0"/>
+        <dgm:cxn modelId="23" srcId="2" destId="21" srcOrd="0" destOrd="0"/>
       </dgm:cxnLst>
       <dgm:bg/>
       <dgm:whole/>
@@ -25454,12 +25453,10 @@
         <dgm:pt modelId="0" type="doc"/>
         <dgm:pt modelId="1"/>
         <dgm:pt modelId="2"/>
-        <dgm:pt modelId="3"/>
       </dgm:ptLst>
       <dgm:cxnLst>
-        <dgm:cxn modelId="4" srcId="0" destId="1" srcOrd="0" destOrd="0"/>
-        <dgm:cxn modelId="5" srcId="0" destId="2" srcOrd="1" destOrd="0"/>
-        <dgm:cxn modelId="6" srcId="0" destId="3" srcOrd="2" destOrd="0"/>
+        <dgm:cxn modelId="3" srcId="0" destId="1" srcOrd="0" destOrd="0"/>
+        <dgm:cxn modelId="4" srcId="0" destId="2" srcOrd="1" destOrd="0"/>
       </dgm:cxnLst>
       <dgm:bg/>
       <dgm:whole/>
@@ -25473,342 +25470,111 @@
         <dgm:pt modelId="2"/>
         <dgm:pt modelId="3"/>
         <dgm:pt modelId="4"/>
-        <dgm:pt modelId="5"/>
-        <dgm:pt modelId="6"/>
       </dgm:ptLst>
       <dgm:cxnLst>
-        <dgm:cxn modelId="7" srcId="0" destId="1" srcOrd="0" destOrd="0"/>
-        <dgm:cxn modelId="8" srcId="0" destId="2" srcOrd="1" destOrd="0"/>
-        <dgm:cxn modelId="9" srcId="0" destId="3" srcOrd="2" destOrd="0"/>
-        <dgm:cxn modelId="10" srcId="0" destId="4" srcOrd="3" destOrd="0"/>
-        <dgm:cxn modelId="11" srcId="0" destId="5" srcOrd="4" destOrd="0"/>
-        <dgm:cxn modelId="12" srcId="0" destId="6" srcOrd="5" destOrd="0"/>
+        <dgm:cxn modelId="5" srcId="0" destId="1" srcOrd="0" destOrd="0"/>
+        <dgm:cxn modelId="6" srcId="0" destId="2" srcOrd="1" destOrd="0"/>
+        <dgm:cxn modelId="7" srcId="0" destId="3" srcOrd="2" destOrd="0"/>
+        <dgm:cxn modelId="8" srcId="0" destId="4" srcOrd="3" destOrd="0"/>
       </dgm:cxnLst>
       <dgm:bg/>
       <dgm:whole/>
     </dgm:dataModel>
   </dgm:clrData>
-  <dgm:layoutNode name="Name0">
+  <dgm:layoutNode name="linear">
     <dgm:varLst>
-      <dgm:dir/>
+      <dgm:animLvl val="lvl"/>
       <dgm:resizeHandles val="exact"/>
     </dgm:varLst>
-    <dgm:choose name="Name1">
-      <dgm:if name="Name2" axis="ch" ptType="node" func="cnt" op="equ" val="2">
-        <dgm:alg type="composite">
-          <dgm:param type="ar" val="0.9"/>
+    <dgm:alg type="lin">
+      <dgm:param type="linDir" val="fromT"/>
+      <dgm:param type="vertAlign" val="mid"/>
+    </dgm:alg>
+    <dgm:shape xmlns:r="http://schemas.openxmlformats.org/officeDocument/2006/relationships" r:blip="">
+      <dgm:adjLst/>
+    </dgm:shape>
+    <dgm:presOf/>
+    <dgm:constrLst>
+      <dgm:constr type="w" for="ch" forName="parentText" refType="w"/>
+      <dgm:constr type="h" for="ch" forName="parentText" refType="primFontSz" refFor="ch" refForName="parentText" fact="0.52"/>
+      <dgm:constr type="w" for="ch" forName="childText" refType="w"/>
+      <dgm:constr type="h" for="ch" forName="childText" refType="primFontSz" refFor="ch" refForName="parentText" fact="0.46"/>
+      <dgm:constr type="h" for="ch" forName="parentText" op="equ"/>
+      <dgm:constr type="primFontSz" for="ch" forName="parentText" op="equ" val="65"/>
+      <dgm:constr type="primFontSz" for="ch" forName="childText" refType="primFontSz" refFor="ch" refForName="parentText" op="equ"/>
+      <dgm:constr type="h" for="ch" forName="spacer" refType="primFontSz" refFor="ch" refForName="parentText" fact="0.08"/>
+    </dgm:constrLst>
+    <dgm:ruleLst>
+      <dgm:rule type="primFontSz" for="ch" forName="parentText" val="5" fact="NaN" max="NaN"/>
+    </dgm:ruleLst>
+    <dgm:forEach name="Name0" axis="ch" ptType="node">
+      <dgm:layoutNode name="parentText" styleLbl="node1">
+        <dgm:varLst>
+          <dgm:chMax val="0"/>
+          <dgm:bulletEnabled val="1"/>
+        </dgm:varLst>
+        <dgm:alg type="tx">
+          <dgm:param type="parTxLTRAlign" val="l"/>
+          <dgm:param type="parTxRTLAlign" val="r"/>
         </dgm:alg>
-        <dgm:shape xmlns:r="http://schemas.openxmlformats.org/officeDocument/2006/relationships" r:blip="">
+        <dgm:shape xmlns:r="http://schemas.openxmlformats.org/officeDocument/2006/relationships" type="roundRect" r:blip="">
           <dgm:adjLst/>
         </dgm:shape>
-        <dgm:presOf/>
+        <dgm:presOf axis="self"/>
         <dgm:constrLst>
-          <dgm:constr type="primFontSz" for="ch" ptType="node" op="equ" val="65"/>
-          <dgm:constr type="ctrX" for="ch" forName="node1" refType="w" fact="0.5"/>
-          <dgm:constr type="t" for="ch" forName="node1"/>
-          <dgm:constr type="w" for="ch" forName="node1" refType="w" fact="0.8"/>
-          <dgm:constr type="h" for="ch" forName="node1" refType="w" refFor="ch" refForName="node1" fact="0.5"/>
-          <dgm:constr type="ctrX" for="ch" forName="sibTrans" refType="w" fact="0.5"/>
-          <dgm:constr type="t" for="ch" forName="sibTrans"/>
-          <dgm:constr type="w" for="ch" forName="sibTrans" refType="w" fact="0.8"/>
-          <dgm:constr type="h" for="ch" forName="sibTrans" refType="w" refFor="ch" refForName="node1" fact="0.5"/>
-          <dgm:constr type="userA" for="ch" forName="sibTrans" refType="w" fact="1.07"/>
-          <dgm:constr type="ctrX" for="ch" forName="node2" refType="w" fact="0.5"/>
-          <dgm:constr type="b" for="ch" forName="node2" refType="h"/>
-          <dgm:constr type="w" for="ch" forName="node2" refType="w" fact="0.8"/>
-          <dgm:constr type="h" for="ch" forName="node2" refType="w" refFor="ch" refForName="node1" fact="0.5"/>
-          <dgm:constr type="l" for="ch" forName="sp1"/>
-          <dgm:constr type="t" for="ch" forName="sp1" refType="h" fact="0.5"/>
-          <dgm:constr type="w" for="ch" forName="sp1" val="1"/>
-          <dgm:constr type="h" for="ch" forName="sp1" val="1"/>
-          <dgm:constr type="r" for="ch" forName="sp2" refType="w"/>
-          <dgm:constr type="t" for="ch" forName="sp2" refType="h" fact="0.5"/>
-          <dgm:constr type="w" for="ch" forName="sp2" val="1"/>
-          <dgm:constr type="h" for="ch" forName="sp2" val="1"/>
+          <dgm:constr type="tMarg" refType="primFontSz" fact="0.3"/>
+          <dgm:constr type="bMarg" refType="primFontSz" fact="0.3"/>
+          <dgm:constr type="lMarg" refType="primFontSz" fact="0.3"/>
+          <dgm:constr type="rMarg" refType="primFontSz" fact="0.3"/>
         </dgm:constrLst>
-        <dgm:ruleLst/>
-      </dgm:if>
-      <dgm:else name="Name3">
-        <dgm:alg type="composite"/>
-        <dgm:shape xmlns:r="http://schemas.openxmlformats.org/officeDocument/2006/relationships" r:blip="">
-          <dgm:adjLst/>
-        </dgm:shape>
-        <dgm:presOf/>
-        <dgm:constrLst>
-          <dgm:constr type="primFontSz" for="ch" ptType="node" op="equ" val="65"/>
-        </dgm:constrLst>
-        <dgm:ruleLst/>
-      </dgm:else>
-    </dgm:choose>
-    <dgm:choose name="Name4">
-      <dgm:if name="Name5" axis="ch" ptType="node" func="cnt" op="equ" val="2">
-        <dgm:layoutNode name="node1">
-          <dgm:varLst>
-            <dgm:bulletEnabled val="1"/>
-          </dgm:varLst>
-          <dgm:alg type="tx"/>
-          <dgm:shape xmlns:r="http://schemas.openxmlformats.org/officeDocument/2006/relationships" type="roundRect" r:blip="">
-            <dgm:adjLst/>
-          </dgm:shape>
-          <dgm:presOf axis="ch desOrSelf" ptType="node node" st="1 1" cnt="1 0"/>
-          <dgm:constrLst>
-            <dgm:constr type="tMarg" refType="primFontSz" fact="0.3"/>
-            <dgm:constr type="bMarg" refType="primFontSz" fact="0.3"/>
-            <dgm:constr type="lMarg" refType="primFontSz" fact="0.3"/>
-            <dgm:constr type="rMarg" refType="primFontSz" fact="0.3"/>
-          </dgm:constrLst>
-          <dgm:ruleLst>
-            <dgm:rule type="primFontSz" val="5" fact="NaN" max="NaN"/>
-          </dgm:ruleLst>
-        </dgm:layoutNode>
-        <dgm:layoutNode name="sibTrans" styleLbl="bgShp">
-          <dgm:choose name="Name6">
-            <dgm:if name="Name7" func="var" arg="dir" op="equ" val="norm">
-              <dgm:alg type="conn">
-                <dgm:param type="connRout" val="longCurve"/>
-                <dgm:param type="begPts" val="midR"/>
-                <dgm:param type="endPts" val="midL"/>
-                <dgm:param type="dstNode" val="node1"/>
-              </dgm:alg>
-              <dgm:shape xmlns:r="http://schemas.openxmlformats.org/officeDocument/2006/relationships" type="conn" r:blip="" zOrderOff="-2">
-                <dgm:adjLst/>
-              </dgm:shape>
-              <dgm:presOf axis="ch" ptType="sibTrans"/>
-              <dgm:constrLst>
-                <dgm:constr type="userA"/>
-                <dgm:constr type="diam" refType="userA" fact="-1"/>
-                <dgm:constr type="wArH" refType="userA" fact="0.05"/>
-                <dgm:constr type="hArH" refType="userA" fact="0.1"/>
-                <dgm:constr type="stemThick" refType="userA" fact="0.06"/>
-                <dgm:constr type="begPad" refType="connDist" fact="-0.2"/>
-                <dgm:constr type="endPad" refType="connDist" fact="0.05"/>
-              </dgm:constrLst>
+        <dgm:ruleLst>
+          <dgm:rule type="h" val="INF" fact="NaN" max="NaN"/>
+        </dgm:ruleLst>
+      </dgm:layoutNode>
+      <dgm:choose name="Name1">
+        <dgm:if name="Name2" axis="ch" ptType="node" func="cnt" op="gte" val="1">
+          <dgm:layoutNode name="childText" styleLbl="revTx">
+            <dgm:varLst>
+              <dgm:bulletEnabled val="1"/>
+            </dgm:varLst>
+            <dgm:alg type="tx">
+              <dgm:param type="stBulletLvl" val="1"/>
+              <dgm:param type="lnSpAfChP" val="20"/>
+            </dgm:alg>
+            <dgm:shape xmlns:r="http://schemas.openxmlformats.org/officeDocument/2006/relationships" type="rect" r:blip="">
+              <dgm:adjLst/>
+            </dgm:shape>
+            <dgm:presOf axis="des" ptType="node"/>
+            <dgm:constrLst>
+              <dgm:constr type="tMarg" refType="primFontSz" fact="0.1"/>
+              <dgm:constr type="bMarg" refType="primFontSz" fact="0.1"/>
+              <dgm:constr type="lMarg" refType="w" fact="0.09"/>
+            </dgm:constrLst>
+            <dgm:ruleLst>
+              <dgm:rule type="h" val="INF" fact="NaN" max="NaN"/>
+            </dgm:ruleLst>
+          </dgm:layoutNode>
+        </dgm:if>
+        <dgm:else name="Name3">
+          <dgm:choose name="Name4">
+            <dgm:if name="Name5" axis="par ch" ptType="doc node" func="cnt" op="gte" val="2">
+              <dgm:forEach name="Name6" axis="followSib" ptType="sibTrans" cnt="1">
+                <dgm:layoutNode name="spacer">
+                  <dgm:alg type="sp"/>
+                  <dgm:shape xmlns:r="http://schemas.openxmlformats.org/officeDocument/2006/relationships" r:blip="">
+                    <dgm:adjLst/>
+                  </dgm:shape>
+                  <dgm:presOf/>
+                  <dgm:constrLst/>
+                  <dgm:ruleLst/>
+                </dgm:layoutNode>
+              </dgm:forEach>
             </dgm:if>
-            <dgm:else name="Name8">
-              <dgm:alg type="conn">
-                <dgm:param type="connRout" val="longCurve"/>
-                <dgm:param type="begPts" val="midL"/>
-                <dgm:param type="endPts" val="midR"/>
-                <dgm:param type="dstNode" val="node1"/>
-              </dgm:alg>
-              <dgm:shape xmlns:r="http://schemas.openxmlformats.org/officeDocument/2006/relationships" type="conn" r:blip="" zOrderOff="-2">
-                <dgm:adjLst/>
-              </dgm:shape>
-              <dgm:presOf axis="ch" ptType="sibTrans"/>
-              <dgm:constrLst>
-                <dgm:constr type="userA"/>
-                <dgm:constr type="diam" refType="userA"/>
-                <dgm:constr type="wArH" refType="userA" fact="0.05"/>
-                <dgm:constr type="hArH" refType="userA" fact="0.1"/>
-                <dgm:constr type="stemThick" refType="userA" fact="0.06"/>
-                <dgm:constr type="begPad" refType="connDist" fact="-0.2"/>
-                <dgm:constr type="endPad" refType="connDist" fact="0.05"/>
-              </dgm:constrLst>
-            </dgm:else>
+            <dgm:else name="Name7"/>
           </dgm:choose>
-          <dgm:ruleLst/>
-        </dgm:layoutNode>
-        <dgm:layoutNode name="node2">
-          <dgm:varLst>
-            <dgm:bulletEnabled val="1"/>
-          </dgm:varLst>
-          <dgm:alg type="tx"/>
-          <dgm:shape xmlns:r="http://schemas.openxmlformats.org/officeDocument/2006/relationships" type="roundRect" r:blip="">
-            <dgm:adjLst/>
-          </dgm:shape>
-          <dgm:presOf axis="ch desOrSelf" ptType="node node" st="2 1" cnt="1 0"/>
-          <dgm:constrLst>
-            <dgm:constr type="tMarg" refType="primFontSz" fact="0.3"/>
-            <dgm:constr type="bMarg" refType="primFontSz" fact="0.3"/>
-            <dgm:constr type="lMarg" refType="primFontSz" fact="0.3"/>
-            <dgm:constr type="rMarg" refType="primFontSz" fact="0.3"/>
-          </dgm:constrLst>
-          <dgm:ruleLst>
-            <dgm:rule type="primFontSz" val="5" fact="NaN" max="NaN"/>
-          </dgm:ruleLst>
-        </dgm:layoutNode>
-        <dgm:layoutNode name="sp1">
-          <dgm:alg type="sp"/>
-          <dgm:shape xmlns:r="http://schemas.openxmlformats.org/officeDocument/2006/relationships" r:blip="">
-            <dgm:adjLst/>
-          </dgm:shape>
-          <dgm:presOf/>
-          <dgm:constrLst/>
-          <dgm:ruleLst/>
-        </dgm:layoutNode>
-        <dgm:layoutNode name="sp2">
-          <dgm:alg type="sp"/>
-          <dgm:shape xmlns:r="http://schemas.openxmlformats.org/officeDocument/2006/relationships" r:blip="">
-            <dgm:adjLst/>
-          </dgm:shape>
-          <dgm:presOf/>
-          <dgm:constrLst/>
-          <dgm:ruleLst/>
-        </dgm:layoutNode>
-      </dgm:if>
-      <dgm:else name="Name9">
-        <dgm:layoutNode name="cycle">
-          <dgm:choose name="Name10">
-            <dgm:if name="Name11" func="var" arg="dir" op="equ" val="norm">
-              <dgm:alg type="cycle">
-                <dgm:param type="stAng" val="0"/>
-                <dgm:param type="spanAng" val="360"/>
-              </dgm:alg>
-              <dgm:shape xmlns:r="http://schemas.openxmlformats.org/officeDocument/2006/relationships" r:blip="">
-                <dgm:adjLst/>
-              </dgm:shape>
-              <dgm:presOf/>
-              <dgm:constrLst>
-                <dgm:constr type="diam" refType="w"/>
-                <dgm:constr type="w" for="ch" ptType="node" refType="w"/>
-                <dgm:constr type="sibSp" val="15"/>
-                <dgm:constr type="userA" for="ch" ptType="sibTrans" refType="diam" op="equ" fact="-1"/>
-                <dgm:constr type="wArH" for="ch" ptType="sibTrans" refType="diam" op="equ" fact="0.05"/>
-                <dgm:constr type="hArH" for="ch" ptType="sibTrans" refType="diam" op="equ" fact="0.1"/>
-                <dgm:constr type="stemThick" for="ch" ptType="sibTrans" refType="diam" op="equ" fact="0.065"/>
-                <dgm:constr type="primFontSz" for="ch" ptType="node" op="equ"/>
-              </dgm:constrLst>
-            </dgm:if>
-            <dgm:else name="Name12">
-              <dgm:alg type="cycle">
-                <dgm:param type="stAng" val="0"/>
-                <dgm:param type="spanAng" val="-360"/>
-              </dgm:alg>
-              <dgm:shape xmlns:r="http://schemas.openxmlformats.org/officeDocument/2006/relationships" r:blip="">
-                <dgm:adjLst/>
-              </dgm:shape>
-              <dgm:presOf/>
-              <dgm:constrLst>
-                <dgm:constr type="diam" refType="w"/>
-                <dgm:constr type="w" for="ch" ptType="node" refType="w"/>
-                <dgm:constr type="sibSp" val="15"/>
-                <dgm:constr type="userA" for="ch" ptType="sibTrans" refType="diam" op="equ"/>
-                <dgm:constr type="wArH" for="ch" ptType="sibTrans" refType="diam" op="equ" fact="0.05"/>
-                <dgm:constr type="hArH" for="ch" ptType="sibTrans" refType="diam" op="equ" fact="0.1"/>
-                <dgm:constr type="stemThick" for="ch" ptType="sibTrans" refType="diam" op="equ" fact="0.065"/>
-                <dgm:constr type="primFontSz" for="ch" ptType="node" op="equ"/>
-              </dgm:constrLst>
-            </dgm:else>
-          </dgm:choose>
-          <dgm:ruleLst/>
-          <dgm:forEach name="nodesFirstNodeForEach" axis="ch" ptType="node" cnt="1">
-            <dgm:layoutNode name="nodeFirstNode">
-              <dgm:varLst>
-                <dgm:bulletEnabled val="1"/>
-              </dgm:varLst>
-              <dgm:alg type="tx"/>
-              <dgm:shape xmlns:r="http://schemas.openxmlformats.org/officeDocument/2006/relationships" type="roundRect" r:blip="">
-                <dgm:adjLst/>
-              </dgm:shape>
-              <dgm:presOf axis="desOrSelf" ptType="node"/>
-              <dgm:constrLst>
-                <dgm:constr type="h" refType="w" fact="0.5"/>
-                <dgm:constr type="primFontSz" val="65"/>
-                <dgm:constr type="tMarg" refType="primFontSz" fact="0.3"/>
-                <dgm:constr type="bMarg" refType="primFontSz" fact="0.3"/>
-                <dgm:constr type="lMarg" refType="primFontSz" fact="0.3"/>
-                <dgm:constr type="rMarg" refType="primFontSz" fact="0.3"/>
-              </dgm:constrLst>
-              <dgm:ruleLst>
-                <dgm:rule type="primFontSz" val="5" fact="NaN" max="NaN"/>
-              </dgm:ruleLst>
-            </dgm:layoutNode>
-            <dgm:forEach name="sibTransForEach" axis="followSib" ptType="sibTrans" cnt="1">
-              <dgm:layoutNode name="sibTransFirstNode" styleLbl="bgShp">
-                <dgm:choose name="Name13">
-                  <dgm:if name="Name14" func="var" arg="dir" op="equ" val="norm">
-                    <dgm:alg type="conn">
-                      <dgm:param type="connRout" val="longCurve"/>
-                      <dgm:param type="begPts" val="midR"/>
-                      <dgm:param type="endPts" val="midL"/>
-                      <dgm:param type="dstNode" val="nodeFirstNode"/>
-                    </dgm:alg>
-                  </dgm:if>
-                  <dgm:else name="Name15">
-                    <dgm:alg type="conn">
-                      <dgm:param type="connRout" val="longCurve"/>
-                      <dgm:param type="begPts" val="midL"/>
-                      <dgm:param type="endPts" val="midR"/>
-                      <dgm:param type="dstNode" val="nodeFirstNode"/>
-                    </dgm:alg>
-                  </dgm:else>
-                </dgm:choose>
-                <dgm:shape xmlns:r="http://schemas.openxmlformats.org/officeDocument/2006/relationships" type="conn" r:blip="" zOrderOff="-2">
-                  <dgm:adjLst/>
-                </dgm:shape>
-                <dgm:presOf axis="self"/>
-                <dgm:choose name="Name16">
-                  <dgm:if name="Name17" axis="par ch" ptType="doc node" func="cnt" op="equ" val="3">
-                    <dgm:constrLst>
-                      <dgm:constr type="userA"/>
-                      <dgm:constr type="diam" refType="userA" fact="1.01"/>
-                      <dgm:constr type="begPad" refType="connDist" fact="-0.2"/>
-                      <dgm:constr type="endPad" refType="connDist" fact="0.05"/>
-                    </dgm:constrLst>
-                  </dgm:if>
-                  <dgm:if name="Name18" axis="par ch" ptType="doc node" func="cnt" op="equ" val="4">
-                    <dgm:constrLst>
-                      <dgm:constr type="userA"/>
-                      <dgm:constr type="diam" refType="userA" fact="1.26"/>
-                      <dgm:constr type="begPad" refType="connDist" fact="-0.2"/>
-                      <dgm:constr type="endPad" refType="connDist" fact="0.05"/>
-                    </dgm:constrLst>
-                  </dgm:if>
-                  <dgm:if name="Name19" axis="par ch" ptType="doc node" func="cnt" op="equ" val="5">
-                    <dgm:constrLst>
-                      <dgm:constr type="userA"/>
-                      <dgm:constr type="diam" refType="userA" fact="1.04"/>
-                      <dgm:constr type="begPad" refType="connDist" fact="-0.2"/>
-                      <dgm:constr type="endPad" refType="connDist" fact="0.05"/>
-                    </dgm:constrLst>
-                  </dgm:if>
-                  <dgm:if name="Name20" axis="par ch" ptType="doc node" func="cnt" op="equ" val="6">
-                    <dgm:constrLst>
-                      <dgm:constr type="userA"/>
-                      <dgm:constr type="diam" refType="userA" fact="1.1"/>
-                      <dgm:constr type="begPad" refType="connDist" fact="-0.2"/>
-                      <dgm:constr type="endPad" refType="connDist" fact="0.05"/>
-                    </dgm:constrLst>
-                  </dgm:if>
-                  <dgm:else name="Name21">
-                    <dgm:constrLst>
-                      <dgm:constr type="userA"/>
-                      <dgm:constr type="diam" refType="userA" fact="1.04"/>
-                      <dgm:constr type="begPad" refType="connDist" fact="-0.2"/>
-                      <dgm:constr type="endPad" refType="connDist" fact="0.05"/>
-                    </dgm:constrLst>
-                  </dgm:else>
-                </dgm:choose>
-                <dgm:ruleLst/>
-              </dgm:layoutNode>
-            </dgm:forEach>
-          </dgm:forEach>
-          <dgm:forEach name="followingNodesForEach" axis="ch" ptType="node" st="2">
-            <dgm:layoutNode name="nodeFollowingNodes">
-              <dgm:varLst>
-                <dgm:bulletEnabled val="1"/>
-              </dgm:varLst>
-              <dgm:alg type="tx"/>
-              <dgm:shape xmlns:r="http://schemas.openxmlformats.org/officeDocument/2006/relationships" type="roundRect" r:blip="">
-                <dgm:adjLst/>
-              </dgm:shape>
-              <dgm:presOf axis="desOrSelf" ptType="node"/>
-              <dgm:constrLst>
-                <dgm:constr type="h" refType="w" fact="0.5"/>
-                <dgm:constr type="primFontSz" val="65"/>
-                <dgm:constr type="tMarg" refType="primFontSz" fact="0.3"/>
-                <dgm:constr type="bMarg" refType="primFontSz" fact="0.3"/>
-                <dgm:constr type="lMarg" refType="primFontSz" fact="0.3"/>
-                <dgm:constr type="rMarg" refType="primFontSz" fact="0.3"/>
-              </dgm:constrLst>
-              <dgm:ruleLst>
-                <dgm:rule type="primFontSz" val="5" fact="NaN" max="NaN"/>
-              </dgm:ruleLst>
-            </dgm:layoutNode>
-          </dgm:forEach>
-        </dgm:layoutNode>
-      </dgm:else>
-    </dgm:choose>
+        </dgm:else>
+      </dgm:choose>
+    </dgm:forEach>
   </dgm:layoutNode>
 </dgm:layoutDef>
 </file>
@@ -36005,7 +35771,7 @@
           <a:p>
             <a:fld id="{72C0E65D-17F0-2B42-92DD-3F5A501D2FEF}" type="datetimeFigureOut">
               <a:rPr lang="en-US" smtClean="0"/>
-              <a:t>2/20/26</a:t>
+              <a:t>2/21/26</a:t>
             </a:fld>
             <a:endParaRPr lang="en-US"/>
           </a:p>
@@ -36061,7 +35827,7 @@
     </p:spTree>
     <p:extLst>
       <p:ext uri="{BB962C8B-B14F-4D97-AF65-F5344CB8AC3E}">
-        <p14:creationId xmlns:p14="http://schemas.microsoft.com/office/powerpoint/2010/main" val="4155317933"/>
+        <p14:creationId xmlns:p14="http://schemas.microsoft.com/office/powerpoint/2010/main" val="3715407470"/>
       </p:ext>
     </p:extLst>
   </p:cSld>
@@ -36419,7 +36185,7 @@
           <a:p>
             <a:fld id="{72C0E65D-17F0-2B42-92DD-3F5A501D2FEF}" type="datetimeFigureOut">
               <a:rPr lang="en-US" smtClean="0"/>
-              <a:t>2/20/26</a:t>
+              <a:t>2/21/26</a:t>
             </a:fld>
             <a:endParaRPr lang="en-US"/>
           </a:p>
@@ -36475,7 +36241,7 @@
     </p:spTree>
     <p:extLst>
       <p:ext uri="{BB962C8B-B14F-4D97-AF65-F5344CB8AC3E}">
-        <p14:creationId xmlns:p14="http://schemas.microsoft.com/office/powerpoint/2010/main" val="1226377649"/>
+        <p14:creationId xmlns:p14="http://schemas.microsoft.com/office/powerpoint/2010/main" val="3178421877"/>
       </p:ext>
     </p:extLst>
   </p:cSld>
@@ -36755,7 +36521,7 @@
           <a:p>
             <a:fld id="{72C0E65D-17F0-2B42-92DD-3F5A501D2FEF}" type="datetimeFigureOut">
               <a:rPr lang="en-US" smtClean="0"/>
-              <a:t>2/20/26</a:t>
+              <a:t>2/21/26</a:t>
             </a:fld>
             <a:endParaRPr lang="en-US"/>
           </a:p>
@@ -36811,7 +36577,7 @@
     </p:spTree>
     <p:extLst>
       <p:ext uri="{BB962C8B-B14F-4D97-AF65-F5344CB8AC3E}">
-        <p14:creationId xmlns:p14="http://schemas.microsoft.com/office/powerpoint/2010/main" val="268998378"/>
+        <p14:creationId xmlns:p14="http://schemas.microsoft.com/office/powerpoint/2010/main" val="96851278"/>
       </p:ext>
     </p:extLst>
   </p:cSld>
@@ -37160,7 +36926,7 @@
           <a:p>
             <a:fld id="{72C0E65D-17F0-2B42-92DD-3F5A501D2FEF}" type="datetimeFigureOut">
               <a:rPr lang="en-US" smtClean="0"/>
-              <a:t>2/20/26</a:t>
+              <a:t>2/21/26</a:t>
             </a:fld>
             <a:endParaRPr lang="en-US"/>
           </a:p>
@@ -37448,7 +37214,7 @@
     </p:spTree>
     <p:extLst>
       <p:ext uri="{BB962C8B-B14F-4D97-AF65-F5344CB8AC3E}">
-        <p14:creationId xmlns:p14="http://schemas.microsoft.com/office/powerpoint/2010/main" val="770154313"/>
+        <p14:creationId xmlns:p14="http://schemas.microsoft.com/office/powerpoint/2010/main" val="745639026"/>
       </p:ext>
     </p:extLst>
   </p:cSld>
@@ -37728,7 +37494,7 @@
           <a:p>
             <a:fld id="{72C0E65D-17F0-2B42-92DD-3F5A501D2FEF}" type="datetimeFigureOut">
               <a:rPr lang="en-US" smtClean="0"/>
-              <a:t>2/20/26</a:t>
+              <a:t>2/21/26</a:t>
             </a:fld>
             <a:endParaRPr lang="en-US"/>
           </a:p>
@@ -37784,7 +37550,7 @@
     </p:spTree>
     <p:extLst>
       <p:ext uri="{BB962C8B-B14F-4D97-AF65-F5344CB8AC3E}">
-        <p14:creationId xmlns:p14="http://schemas.microsoft.com/office/powerpoint/2010/main" val="26958849"/>
+        <p14:creationId xmlns:p14="http://schemas.microsoft.com/office/powerpoint/2010/main" val="349254206"/>
       </p:ext>
     </p:extLst>
   </p:cSld>
@@ -38409,7 +38175,7 @@
           <a:p>
             <a:fld id="{72C0E65D-17F0-2B42-92DD-3F5A501D2FEF}" type="datetimeFigureOut">
               <a:rPr lang="en-US" smtClean="0"/>
-              <a:t>2/20/26</a:t>
+              <a:t>2/21/26</a:t>
             </a:fld>
             <a:endParaRPr lang="en-US"/>
           </a:p>
@@ -38460,7 +38226,7 @@
     </p:spTree>
     <p:extLst>
       <p:ext uri="{BB962C8B-B14F-4D97-AF65-F5344CB8AC3E}">
-        <p14:creationId xmlns:p14="http://schemas.microsoft.com/office/powerpoint/2010/main" val="3935647850"/>
+        <p14:creationId xmlns:p14="http://schemas.microsoft.com/office/powerpoint/2010/main" val="3927978356"/>
       </p:ext>
     </p:extLst>
   </p:cSld>
@@ -39322,7 +39088,7 @@
           <a:p>
             <a:fld id="{72C0E65D-17F0-2B42-92DD-3F5A501D2FEF}" type="datetimeFigureOut">
               <a:rPr lang="en-US" smtClean="0"/>
-              <a:t>2/20/26</a:t>
+              <a:t>2/21/26</a:t>
             </a:fld>
             <a:endParaRPr lang="en-US"/>
           </a:p>
@@ -39373,7 +39139,7 @@
     </p:spTree>
     <p:extLst>
       <p:ext uri="{BB962C8B-B14F-4D97-AF65-F5344CB8AC3E}">
-        <p14:creationId xmlns:p14="http://schemas.microsoft.com/office/powerpoint/2010/main" val="3806464945"/>
+        <p14:creationId xmlns:p14="http://schemas.microsoft.com/office/powerpoint/2010/main" val="4077127180"/>
       </p:ext>
     </p:extLst>
   </p:cSld>
@@ -39635,7 +39401,7 @@
           <a:p>
             <a:fld id="{72C0E65D-17F0-2B42-92DD-3F5A501D2FEF}" type="datetimeFigureOut">
               <a:rPr lang="en-US" smtClean="0"/>
-              <a:t>2/20/26</a:t>
+              <a:t>2/21/26</a:t>
             </a:fld>
             <a:endParaRPr lang="en-US"/>
           </a:p>
@@ -39686,7 +39452,7 @@
     </p:spTree>
     <p:extLst>
       <p:ext uri="{BB962C8B-B14F-4D97-AF65-F5344CB8AC3E}">
-        <p14:creationId xmlns:p14="http://schemas.microsoft.com/office/powerpoint/2010/main" val="2032544837"/>
+        <p14:creationId xmlns:p14="http://schemas.microsoft.com/office/powerpoint/2010/main" val="1379577064"/>
       </p:ext>
     </p:extLst>
   </p:cSld>
@@ -39899,7 +39665,7 @@
           <a:p>
             <a:fld id="{72C0E65D-17F0-2B42-92DD-3F5A501D2FEF}" type="datetimeFigureOut">
               <a:rPr lang="en-US" smtClean="0"/>
-              <a:t>2/20/26</a:t>
+              <a:t>2/21/26</a:t>
             </a:fld>
             <a:endParaRPr lang="en-US"/>
           </a:p>
@@ -39964,7 +39730,7 @@
     </p:spTree>
     <p:extLst>
       <p:ext uri="{BB962C8B-B14F-4D97-AF65-F5344CB8AC3E}">
-        <p14:creationId xmlns:p14="http://schemas.microsoft.com/office/powerpoint/2010/main" val="792400243"/>
+        <p14:creationId xmlns:p14="http://schemas.microsoft.com/office/powerpoint/2010/main" val="599345859"/>
       </p:ext>
     </p:extLst>
   </p:cSld>
@@ -40222,7 +39988,7 @@
           <a:p>
             <a:fld id="{72C0E65D-17F0-2B42-92DD-3F5A501D2FEF}" type="datetimeFigureOut">
               <a:rPr lang="en-US" smtClean="0"/>
-              <a:t>2/20/26</a:t>
+              <a:t>2/21/26</a:t>
             </a:fld>
             <a:endParaRPr lang="en-US"/>
           </a:p>
@@ -40273,7 +40039,7 @@
     </p:spTree>
     <p:extLst>
       <p:ext uri="{BB962C8B-B14F-4D97-AF65-F5344CB8AC3E}">
-        <p14:creationId xmlns:p14="http://schemas.microsoft.com/office/powerpoint/2010/main" val="1043343838"/>
+        <p14:creationId xmlns:p14="http://schemas.microsoft.com/office/powerpoint/2010/main" val="4203094050"/>
       </p:ext>
     </p:extLst>
   </p:cSld>
@@ -40611,7 +40377,7 @@
           <a:p>
             <a:fld id="{72C0E65D-17F0-2B42-92DD-3F5A501D2FEF}" type="datetimeFigureOut">
               <a:rPr lang="en-US" smtClean="0"/>
-              <a:t>2/20/26</a:t>
+              <a:t>2/21/26</a:t>
             </a:fld>
             <a:endParaRPr lang="en-US"/>
           </a:p>
@@ -40667,7 +40433,7 @@
     </p:spTree>
     <p:extLst>
       <p:ext uri="{BB962C8B-B14F-4D97-AF65-F5344CB8AC3E}">
-        <p14:creationId xmlns:p14="http://schemas.microsoft.com/office/powerpoint/2010/main" val="1369751213"/>
+        <p14:creationId xmlns:p14="http://schemas.microsoft.com/office/powerpoint/2010/main" val="3437475256"/>
       </p:ext>
     </p:extLst>
   </p:cSld>
@@ -40987,7 +40753,7 @@
           <a:p>
             <a:fld id="{72C0E65D-17F0-2B42-92DD-3F5A501D2FEF}" type="datetimeFigureOut">
               <a:rPr lang="en-US" smtClean="0"/>
-              <a:t>2/20/26</a:t>
+              <a:t>2/21/26</a:t>
             </a:fld>
             <a:endParaRPr lang="en-US"/>
           </a:p>
@@ -41038,7 +40804,7 @@
     </p:spTree>
     <p:extLst>
       <p:ext uri="{BB962C8B-B14F-4D97-AF65-F5344CB8AC3E}">
-        <p14:creationId xmlns:p14="http://schemas.microsoft.com/office/powerpoint/2010/main" val="1630520397"/>
+        <p14:creationId xmlns:p14="http://schemas.microsoft.com/office/powerpoint/2010/main" val="209761950"/>
       </p:ext>
     </p:extLst>
   </p:cSld>
@@ -41493,7 +41259,7 @@
           <a:p>
             <a:fld id="{72C0E65D-17F0-2B42-92DD-3F5A501D2FEF}" type="datetimeFigureOut">
               <a:rPr lang="en-US" smtClean="0"/>
-              <a:t>2/20/26</a:t>
+              <a:t>2/21/26</a:t>
             </a:fld>
             <a:endParaRPr lang="en-US"/>
           </a:p>
@@ -41544,7 +41310,7 @@
     </p:spTree>
     <p:extLst>
       <p:ext uri="{BB962C8B-B14F-4D97-AF65-F5344CB8AC3E}">
-        <p14:creationId xmlns:p14="http://schemas.microsoft.com/office/powerpoint/2010/main" val="626138556"/>
+        <p14:creationId xmlns:p14="http://schemas.microsoft.com/office/powerpoint/2010/main" val="3985657801"/>
       </p:ext>
     </p:extLst>
   </p:cSld>
@@ -41750,7 +41516,7 @@
           <a:p>
             <a:fld id="{72C0E65D-17F0-2B42-92DD-3F5A501D2FEF}" type="datetimeFigureOut">
               <a:rPr lang="en-US" smtClean="0"/>
-              <a:t>2/20/26</a:t>
+              <a:t>2/21/26</a:t>
             </a:fld>
             <a:endParaRPr lang="en-US"/>
           </a:p>
@@ -41801,7 +41567,7 @@
     </p:spTree>
     <p:extLst>
       <p:ext uri="{BB962C8B-B14F-4D97-AF65-F5344CB8AC3E}">
-        <p14:creationId xmlns:p14="http://schemas.microsoft.com/office/powerpoint/2010/main" val="1486960460"/>
+        <p14:creationId xmlns:p14="http://schemas.microsoft.com/office/powerpoint/2010/main" val="405554993"/>
       </p:ext>
     </p:extLst>
   </p:cSld>
@@ -41913,7 +41679,7 @@
           <a:p>
             <a:fld id="{72C0E65D-17F0-2B42-92DD-3F5A501D2FEF}" type="datetimeFigureOut">
               <a:rPr lang="en-US" smtClean="0"/>
-              <a:t>2/20/26</a:t>
+              <a:t>2/21/26</a:t>
             </a:fld>
             <a:endParaRPr lang="en-US"/>
           </a:p>
@@ -41964,7 +41730,7 @@
     </p:spTree>
     <p:extLst>
       <p:ext uri="{BB962C8B-B14F-4D97-AF65-F5344CB8AC3E}">
-        <p14:creationId xmlns:p14="http://schemas.microsoft.com/office/powerpoint/2010/main" val="3058081718"/>
+        <p14:creationId xmlns:p14="http://schemas.microsoft.com/office/powerpoint/2010/main" val="1032639093"/>
       </p:ext>
     </p:extLst>
   </p:cSld>
@@ -42303,7 +42069,7 @@
           <a:p>
             <a:fld id="{72C0E65D-17F0-2B42-92DD-3F5A501D2FEF}" type="datetimeFigureOut">
               <a:rPr lang="en-US" smtClean="0"/>
-              <a:t>2/20/26</a:t>
+              <a:t>2/21/26</a:t>
             </a:fld>
             <a:endParaRPr lang="en-US"/>
           </a:p>
@@ -42354,7 +42120,7 @@
     </p:spTree>
     <p:extLst>
       <p:ext uri="{BB962C8B-B14F-4D97-AF65-F5344CB8AC3E}">
-        <p14:creationId xmlns:p14="http://schemas.microsoft.com/office/powerpoint/2010/main" val="766210671"/>
+        <p14:creationId xmlns:p14="http://schemas.microsoft.com/office/powerpoint/2010/main" val="1642237002"/>
       </p:ext>
     </p:extLst>
   </p:cSld>
@@ -42712,7 +42478,7 @@
           <a:p>
             <a:fld id="{72C0E65D-17F0-2B42-92DD-3F5A501D2FEF}" type="datetimeFigureOut">
               <a:rPr lang="en-US" smtClean="0"/>
-              <a:t>2/20/26</a:t>
+              <a:t>2/21/26</a:t>
             </a:fld>
             <a:endParaRPr lang="en-US"/>
           </a:p>
@@ -42763,7 +42529,7 @@
     </p:spTree>
     <p:extLst>
       <p:ext uri="{BB962C8B-B14F-4D97-AF65-F5344CB8AC3E}">
-        <p14:creationId xmlns:p14="http://schemas.microsoft.com/office/powerpoint/2010/main" val="159291652"/>
+        <p14:creationId xmlns:p14="http://schemas.microsoft.com/office/powerpoint/2010/main" val="2492084149"/>
       </p:ext>
     </p:extLst>
   </p:cSld>
@@ -42956,7 +42722,7 @@
           <a:p>
             <a:fld id="{72C0E65D-17F0-2B42-92DD-3F5A501D2FEF}" type="datetimeFigureOut">
               <a:rPr lang="en-US" smtClean="0"/>
-              <a:t>2/20/26</a:t>
+              <a:t>2/21/26</a:t>
             </a:fld>
             <a:endParaRPr lang="en-US"/>
           </a:p>
@@ -43043,29 +42809,29 @@
     </p:spTree>
     <p:extLst>
       <p:ext uri="{BB962C8B-B14F-4D97-AF65-F5344CB8AC3E}">
-        <p14:creationId xmlns:p14="http://schemas.microsoft.com/office/powerpoint/2010/main" val="1641669684"/>
+        <p14:creationId xmlns:p14="http://schemas.microsoft.com/office/powerpoint/2010/main" val="1906056547"/>
       </p:ext>
     </p:extLst>
   </p:cSld>
   <p:clrMap bg1="dk1" tx1="lt1" bg2="dk2" tx2="lt2" accent1="accent1" accent2="accent2" accent3="accent3" accent4="accent4" accent5="accent5" accent6="accent6" hlink="hlink" folHlink="folHlink"/>
   <p:sldLayoutIdLst>
-    <p:sldLayoutId id="2147483883" r:id="rId1"/>
-    <p:sldLayoutId id="2147483884" r:id="rId2"/>
-    <p:sldLayoutId id="2147483885" r:id="rId3"/>
-    <p:sldLayoutId id="2147483886" r:id="rId4"/>
-    <p:sldLayoutId id="2147483887" r:id="rId5"/>
-    <p:sldLayoutId id="2147483888" r:id="rId6"/>
-    <p:sldLayoutId id="2147483889" r:id="rId7"/>
-    <p:sldLayoutId id="2147483890" r:id="rId8"/>
-    <p:sldLayoutId id="2147483891" r:id="rId9"/>
-    <p:sldLayoutId id="2147483892" r:id="rId10"/>
-    <p:sldLayoutId id="2147483893" r:id="rId11"/>
-    <p:sldLayoutId id="2147483894" r:id="rId12"/>
-    <p:sldLayoutId id="2147483895" r:id="rId13"/>
-    <p:sldLayoutId id="2147483896" r:id="rId14"/>
-    <p:sldLayoutId id="2147483897" r:id="rId15"/>
-    <p:sldLayoutId id="2147483898" r:id="rId16"/>
-    <p:sldLayoutId id="2147483899" r:id="rId17"/>
+    <p:sldLayoutId id="2147483955" r:id="rId1"/>
+    <p:sldLayoutId id="2147483956" r:id="rId2"/>
+    <p:sldLayoutId id="2147483957" r:id="rId3"/>
+    <p:sldLayoutId id="2147483958" r:id="rId4"/>
+    <p:sldLayoutId id="2147483959" r:id="rId5"/>
+    <p:sldLayoutId id="2147483960" r:id="rId6"/>
+    <p:sldLayoutId id="2147483961" r:id="rId7"/>
+    <p:sldLayoutId id="2147483962" r:id="rId8"/>
+    <p:sldLayoutId id="2147483963" r:id="rId9"/>
+    <p:sldLayoutId id="2147483964" r:id="rId10"/>
+    <p:sldLayoutId id="2147483965" r:id="rId11"/>
+    <p:sldLayoutId id="2147483966" r:id="rId12"/>
+    <p:sldLayoutId id="2147483967" r:id="rId13"/>
+    <p:sldLayoutId id="2147483968" r:id="rId14"/>
+    <p:sldLayoutId id="2147483969" r:id="rId15"/>
+    <p:sldLayoutId id="2147483970" r:id="rId16"/>
+    <p:sldLayoutId id="2147483971" r:id="rId17"/>
   </p:sldLayoutIdLst>
   <p:txStyles>
     <p:titleStyle>
@@ -43358,6 +43124,41 @@
 <file path=ppt/slides/slide1.xml><?xml version="1.0" encoding="utf-8"?>
 <p:sld xmlns:a="http://schemas.openxmlformats.org/drawingml/2006/main" xmlns:r="http://schemas.openxmlformats.org/officeDocument/2006/relationships" xmlns:p="http://schemas.openxmlformats.org/presentationml/2006/main">
   <p:cSld>
+    <p:bg>
+      <p:bgPr>
+        <a:gradFill rotWithShape="1">
+          <a:gsLst>
+            <a:gs pos="0">
+              <a:schemeClr val="bg2">
+                <a:tint val="96000"/>
+                <a:shade val="100000"/>
+                <a:hueMod val="270000"/>
+                <a:satMod val="200000"/>
+                <a:lumMod val="128000"/>
+              </a:schemeClr>
+            </a:gs>
+            <a:gs pos="50000">
+              <a:schemeClr val="bg2">
+                <a:shade val="100000"/>
+                <a:hueMod val="100000"/>
+                <a:satMod val="110000"/>
+                <a:lumMod val="130000"/>
+              </a:schemeClr>
+            </a:gs>
+            <a:gs pos="100000">
+              <a:schemeClr val="bg2">
+                <a:shade val="78000"/>
+                <a:hueMod val="44000"/>
+                <a:satMod val="200000"/>
+                <a:lumMod val="69000"/>
+              </a:schemeClr>
+            </a:gs>
+          </a:gsLst>
+          <a:lin ang="2520000" scaled="0"/>
+        </a:gradFill>
+        <a:effectLst/>
+      </p:bgPr>
+    </p:bg>
     <p:spTree>
       <p:nvGrpSpPr>
         <p:cNvPr id="1" name=""/>
@@ -43388,18 +43189,30 @@
             <p:ph type="title"/>
           </p:nvPr>
         </p:nvSpPr>
-        <p:spPr/>
+        <p:spPr>
+          <a:xfrm>
+            <a:off x="1" y="643468"/>
+            <a:ext cx="6464594" cy="3439434"/>
+          </a:xfrm>
+          <a:effectLst>
+            <a:outerShdw blurRad="88900" dist="38100" dir="2700000" algn="tl" rotWithShape="0">
+              <a:prstClr val="black">
+                <a:alpha val="30000"/>
+              </a:prstClr>
+            </a:outerShdw>
+          </a:effectLst>
+        </p:spPr>
         <p:txBody>
-          <a:bodyPr>
+          <a:bodyPr vert="horz" lIns="91440" tIns="45720" rIns="91440" bIns="45720" rtlCol="0" anchor="b">
             <a:normAutofit/>
           </a:bodyPr>
           <a:lstStyle/>
           <a:p>
+            <a:pPr algn="ctr"/>
             <a:r>
-              <a:rPr lang="en-IN"/>
+              <a:rPr lang="en-US" sz="7200" dirty="0"/>
               <a:t>Aura Platform</a:t>
             </a:r>
-            <a:endParaRPr lang="en-US" dirty="0"/>
           </a:p>
         </p:txBody>
       </p:sp>
@@ -43421,50 +43234,123 @@
         </p:nvSpPr>
         <p:spPr>
           <a:xfrm>
-            <a:off x="680322" y="4232171"/>
-            <a:ext cx="10281968" cy="1704017"/>
+            <a:off x="1611086" y="4281714"/>
+            <a:ext cx="8556981" cy="2409371"/>
           </a:xfrm>
+          <a:effectLst>
+            <a:outerShdw blurRad="88900" dist="38100" dir="2700000" algn="tl" rotWithShape="0">
+              <a:prstClr val="black">
+                <a:alpha val="30000"/>
+              </a:prstClr>
+            </a:outerShdw>
+          </a:effectLst>
         </p:spPr>
         <p:txBody>
-          <a:bodyPr>
-            <a:normAutofit fontScale="92500" lnSpcReduction="20000"/>
+          <a:bodyPr vert="horz" lIns="91440" tIns="45720" rIns="91440" bIns="45720" rtlCol="0">
+            <a:normAutofit fontScale="70000" lnSpcReduction="20000"/>
           </a:bodyPr>
           <a:lstStyle/>
           <a:p>
+            <a:pPr algn="ctr"/>
             <a:r>
-              <a:rPr lang="en-IN" i="1" dirty="0"/>
-              <a:t>A Netflix-Inspired Intelligent Movie Streaming Web Application with Analytics &amp; Content Moderation</a:t>
-            </a:r>
-            <a:endParaRPr lang="en-IN" dirty="0"/>
-          </a:p>
-          <a:p>
-            <a:r>
-              <a:rPr lang="en-IN" dirty="0"/>
-              <a:t>Presented by: Abhinav Mishra, Kumar Mayank</a:t>
+              <a:rPr lang="en-US" sz="2400" i="1" dirty="0">
+                <a:solidFill>
+                  <a:schemeClr val="tx1"/>
+                </a:solidFill>
+                <a:latin typeface="Arial" panose="020B0604020202020204" pitchFamily="34" charset="0"/>
+                <a:cs typeface="Arial" panose="020B0604020202020204" pitchFamily="34" charset="0"/>
+              </a:rPr>
+              <a:t>A Netflix-Inspired Intelligent Movie Streaming Web Application with </a:t>
             </a:r>
           </a:p>
           <a:p>
+            <a:pPr algn="ctr"/>
             <a:r>
-              <a:rPr lang="en-IN" dirty="0"/>
-              <a:t>Akhand Pratap Singh</a:t>
+              <a:rPr lang="en-US" sz="2400" i="1" dirty="0">
+                <a:solidFill>
+                  <a:schemeClr val="tx1"/>
+                </a:solidFill>
+                <a:latin typeface="Arial" panose="020B0604020202020204" pitchFamily="34" charset="0"/>
+                <a:cs typeface="Arial" panose="020B0604020202020204" pitchFamily="34" charset="0"/>
+              </a:rPr>
+              <a:t>Analytics &amp; Content Moderation</a:t>
             </a:r>
           </a:p>
           <a:p>
-            <a:br>
-              <a:rPr lang="en-IN" dirty="0"/>
-            </a:br>
-            <a:r>
-              <a:rPr lang="en-IN" dirty="0"/>
-              <a:t>Date: </a:t>
-            </a:r>
-            <a:r>
-              <a:rPr lang="en-IN" i="1" dirty="0"/>
-              <a:t>20 February 2026</a:t>
-            </a:r>
-            <a:endParaRPr lang="en-IN" dirty="0"/>
+            <a:pPr algn="ctr"/>
+            <a:endParaRPr lang="en-US" sz="2400" dirty="0">
+              <a:solidFill>
+                <a:schemeClr val="tx1"/>
+              </a:solidFill>
+              <a:latin typeface="Arial" panose="020B0604020202020204" pitchFamily="34" charset="0"/>
+              <a:cs typeface="Arial" panose="020B0604020202020204" pitchFamily="34" charset="0"/>
+            </a:endParaRPr>
           </a:p>
           <a:p>
-            <a:endParaRPr lang="en-US" dirty="0"/>
+            <a:pPr algn="ctr"/>
+            <a:r>
+              <a:rPr lang="en-US" sz="2400" dirty="0">
+                <a:solidFill>
+                  <a:schemeClr val="tx1"/>
+                </a:solidFill>
+                <a:latin typeface="Arial" panose="020B0604020202020204" pitchFamily="34" charset="0"/>
+                <a:cs typeface="Arial" panose="020B0604020202020204" pitchFamily="34" charset="0"/>
+              </a:rPr>
+              <a:t>Presented by: Abhinav Mishra(12312442)</a:t>
+            </a:r>
+          </a:p>
+          <a:p>
+            <a:pPr algn="ctr"/>
+            <a:r>
+              <a:rPr lang="en-US" sz="2400" dirty="0">
+                <a:solidFill>
+                  <a:schemeClr val="tx1"/>
+                </a:solidFill>
+                <a:latin typeface="Arial" panose="020B0604020202020204" pitchFamily="34" charset="0"/>
+                <a:cs typeface="Arial" panose="020B0604020202020204" pitchFamily="34" charset="0"/>
+              </a:rPr>
+              <a:t>	       Kumar Mayank(12326865)</a:t>
+            </a:r>
+          </a:p>
+          <a:p>
+            <a:pPr algn="ctr"/>
+            <a:r>
+              <a:rPr lang="en-US" sz="2400" dirty="0">
+                <a:solidFill>
+                  <a:schemeClr val="tx1"/>
+                </a:solidFill>
+                <a:latin typeface="Arial" panose="020B0604020202020204" pitchFamily="34" charset="0"/>
+                <a:cs typeface="Arial" panose="020B0604020202020204" pitchFamily="34" charset="0"/>
+              </a:rPr>
+              <a:t>	                Akhand Pratap Singh(12306043)</a:t>
+            </a:r>
+          </a:p>
+          <a:p>
+            <a:pPr algn="ctr"/>
+            <a:br>
+              <a:rPr lang="en-US" sz="2400" dirty="0">
+                <a:solidFill>
+                  <a:schemeClr val="tx1"/>
+                </a:solidFill>
+                <a:latin typeface="Arial" panose="020B0604020202020204" pitchFamily="34" charset="0"/>
+                <a:cs typeface="Arial" panose="020B0604020202020204" pitchFamily="34" charset="0"/>
+              </a:rPr>
+            </a:br>
+            <a:endParaRPr lang="en-US" sz="2400" dirty="0">
+              <a:solidFill>
+                <a:schemeClr val="tx1"/>
+              </a:solidFill>
+              <a:latin typeface="Arial" panose="020B0604020202020204" pitchFamily="34" charset="0"/>
+              <a:cs typeface="Arial" panose="020B0604020202020204" pitchFamily="34" charset="0"/>
+            </a:endParaRPr>
+          </a:p>
+          <a:p>
+            <a:pPr algn="ctr"/>
+            <a:endParaRPr lang="en-US" sz="400" dirty="0">
+              <a:solidFill>
+                <a:schemeClr val="tx1"/>
+              </a:solidFill>
+            </a:endParaRPr>
           </a:p>
         </p:txBody>
       </p:sp>
@@ -43533,282 +43419,6 @@
           <a:chExt cx="0" cy="0"/>
         </a:xfrm>
       </p:grpSpPr>
-      <p:sp useBgFill="1">
-        <p:nvSpPr>
-          <p:cNvPr id="8" name="Rectangle 7">
-            <a:extLst>
-              <a:ext uri="{FF2B5EF4-FFF2-40B4-BE49-F238E27FC236}">
-                <a16:creationId xmlns:a16="http://schemas.microsoft.com/office/drawing/2014/main" id="{4B0FA309-807F-4C17-98EF-A3BA7388E213}"/>
-              </a:ext>
-              <a:ext uri="{C183D7F6-B498-43B3-948B-1728B52AA6E4}">
-                <adec:decorative xmlns:adec="http://schemas.microsoft.com/office/drawing/2017/decorative" val="1"/>
-              </a:ext>
-            </a:extLst>
-          </p:cNvPr>
-          <p:cNvSpPr>
-            <a:spLocks noGrp="1" noRot="1" noChangeAspect="1" noMove="1" noResize="1" noEditPoints="1" noAdjustHandles="1" noChangeArrowheads="1" noChangeShapeType="1" noTextEdit="1"/>
-          </p:cNvSpPr>
-          <p:nvPr>
-            <p:extLst>
-              <p:ext uri="{386F3935-93C4-4BCD-93E2-E3B085C9AB24}">
-                <p16:designElem xmlns:p16="http://schemas.microsoft.com/office/powerpoint/2015/main" val="1"/>
-              </p:ext>
-            </p:extLst>
-          </p:nvPr>
-        </p:nvSpPr>
-        <p:spPr>
-          <a:xfrm>
-            <a:off x="0" y="0"/>
-            <a:ext cx="12188824" cy="6858000"/>
-          </a:xfrm>
-          <a:prstGeom prst="rect">
-            <a:avLst/>
-          </a:prstGeom>
-          <a:ln>
-            <a:noFill/>
-          </a:ln>
-        </p:spPr>
-        <p:style>
-          <a:lnRef idx="2">
-            <a:schemeClr val="accent1">
-              <a:shade val="50000"/>
-            </a:schemeClr>
-          </a:lnRef>
-          <a:fillRef idx="1">
-            <a:schemeClr val="accent1"/>
-          </a:fillRef>
-          <a:effectRef idx="0">
-            <a:schemeClr val="accent1"/>
-          </a:effectRef>
-          <a:fontRef idx="minor">
-            <a:schemeClr val="lt1"/>
-          </a:fontRef>
-        </p:style>
-        <p:txBody>
-          <a:bodyPr rtlCol="0" anchor="ctr"/>
-          <a:lstStyle/>
-          <a:p>
-            <a:pPr algn="ctr"/>
-            <a:endParaRPr lang="en-US"/>
-          </a:p>
-        </p:txBody>
-      </p:sp>
-      <p:pic>
-        <p:nvPicPr>
-          <p:cNvPr id="10" name="Picture 9">
-            <a:extLst>
-              <a:ext uri="{FF2B5EF4-FFF2-40B4-BE49-F238E27FC236}">
-                <a16:creationId xmlns:a16="http://schemas.microsoft.com/office/drawing/2014/main" id="{2642A87B-CAE9-4F8F-B293-28388E45D9EE}"/>
-              </a:ext>
-              <a:ext uri="{C183D7F6-B498-43B3-948B-1728B52AA6E4}">
-                <adec:decorative xmlns:adec="http://schemas.microsoft.com/office/drawing/2017/decorative" val="1"/>
-              </a:ext>
-            </a:extLst>
-          </p:cNvPr>
-          <p:cNvPicPr>
-            <a:picLocks noGrp="1" noRot="1" noChangeAspect="1" noMove="1" noResize="1" noEditPoints="1" noAdjustHandles="1" noChangeArrowheads="1" noChangeShapeType="1" noCrop="1"/>
-          </p:cNvPicPr>
-          <p:nvPr>
-            <p:extLst>
-              <p:ext uri="{386F3935-93C4-4BCD-93E2-E3B085C9AB24}">
-                <p16:designElem xmlns:p16="http://schemas.microsoft.com/office/powerpoint/2015/main" val="1"/>
-              </p:ext>
-            </p:extLst>
-          </p:nvPr>
-        </p:nvPicPr>
-        <p:blipFill>
-          <a:blip r:embed="rId2">
-            <a:alphaModFix amt="10000"/>
-            <a:extLst>
-              <a:ext uri="{28A0092B-C50C-407E-A947-70E740481C1C}">
-                <a14:useLocalDpi xmlns:a14="http://schemas.microsoft.com/office/drawing/2010/main" val="0"/>
-              </a:ext>
-            </a:extLst>
-          </a:blip>
-          <a:stretch>
-            <a:fillRect/>
-          </a:stretch>
-        </p:blipFill>
-        <p:spPr>
-          <a:xfrm>
-            <a:off x="0" y="0"/>
-            <a:ext cx="12192000" cy="6858000"/>
-          </a:xfrm>
-          <a:prstGeom prst="rect">
-            <a:avLst/>
-          </a:prstGeom>
-        </p:spPr>
-      </p:pic>
-      <p:sp>
-        <p:nvSpPr>
-          <p:cNvPr id="12" name="Rectangle 11">
-            <a:extLst>
-              <a:ext uri="{FF2B5EF4-FFF2-40B4-BE49-F238E27FC236}">
-                <a16:creationId xmlns:a16="http://schemas.microsoft.com/office/drawing/2014/main" id="{C8FA1749-B91A-40E7-AD01-0B9C9C6AF74E}"/>
-              </a:ext>
-              <a:ext uri="{C183D7F6-B498-43B3-948B-1728B52AA6E4}">
-                <adec:decorative xmlns:adec="http://schemas.microsoft.com/office/drawing/2017/decorative" val="1"/>
-              </a:ext>
-            </a:extLst>
-          </p:cNvPr>
-          <p:cNvSpPr>
-            <a:spLocks noGrp="1" noRot="1" noChangeAspect="1" noMove="1" noResize="1" noEditPoints="1" noAdjustHandles="1" noChangeArrowheads="1" noChangeShapeType="1" noTextEdit="1"/>
-          </p:cNvSpPr>
-          <p:nvPr>
-            <p:extLst>
-              <p:ext uri="{386F3935-93C4-4BCD-93E2-E3B085C9AB24}">
-                <p16:designElem xmlns:p16="http://schemas.microsoft.com/office/powerpoint/2015/main" val="1"/>
-              </p:ext>
-            </p:extLst>
-          </p:nvPr>
-        </p:nvSpPr>
-        <p:spPr>
-          <a:xfrm>
-            <a:off x="4644527" y="0"/>
-            <a:ext cx="7552944" cy="6858001"/>
-          </a:xfrm>
-          <a:prstGeom prst="rect">
-            <a:avLst/>
-          </a:prstGeom>
-          <a:solidFill>
-            <a:schemeClr val="accent1"/>
-          </a:solidFill>
-          <a:ln>
-            <a:noFill/>
-          </a:ln>
-        </p:spPr>
-        <p:style>
-          <a:lnRef idx="2">
-            <a:schemeClr val="accent1">
-              <a:shade val="50000"/>
-            </a:schemeClr>
-          </a:lnRef>
-          <a:fillRef idx="1">
-            <a:schemeClr val="accent1"/>
-          </a:fillRef>
-          <a:effectRef idx="0">
-            <a:schemeClr val="accent1"/>
-          </a:effectRef>
-          <a:fontRef idx="minor">
-            <a:schemeClr val="lt1"/>
-          </a:fontRef>
-        </p:style>
-        <p:txBody>
-          <a:bodyPr rtlCol="0" anchor="ctr"/>
-          <a:lstStyle/>
-          <a:p>
-            <a:pPr algn="ctr"/>
-            <a:endParaRPr lang="en-US"/>
-          </a:p>
-        </p:txBody>
-      </p:sp>
-      <p:pic>
-        <p:nvPicPr>
-          <p:cNvPr id="14" name="Picture 13">
-            <a:extLst>
-              <a:ext uri="{FF2B5EF4-FFF2-40B4-BE49-F238E27FC236}">
-                <a16:creationId xmlns:a16="http://schemas.microsoft.com/office/drawing/2014/main" id="{3B7A934F-FFF7-4353-83D3-4EF66E93EEF8}"/>
-              </a:ext>
-              <a:ext uri="{C183D7F6-B498-43B3-948B-1728B52AA6E4}">
-                <adec:decorative xmlns:adec="http://schemas.microsoft.com/office/drawing/2017/decorative" val="1"/>
-              </a:ext>
-            </a:extLst>
-          </p:cNvPr>
-          <p:cNvPicPr>
-            <a:picLocks noGrp="1" noRot="1" noChangeAspect="1" noMove="1" noResize="1" noEditPoints="1" noAdjustHandles="1" noChangeArrowheads="1" noChangeShapeType="1" noCrop="1"/>
-          </p:cNvPicPr>
-          <p:nvPr>
-            <p:extLst>
-              <p:ext uri="{386F3935-93C4-4BCD-93E2-E3B085C9AB24}">
-                <p16:designElem xmlns:p16="http://schemas.microsoft.com/office/powerpoint/2015/main" val="1"/>
-              </p:ext>
-            </p:extLst>
-          </p:nvPr>
-        </p:nvPicPr>
-        <p:blipFill>
-          <a:blip r:embed="rId3" cstate="print">
-            <a:extLst>
-              <a:ext uri="{28A0092B-C50C-407E-A947-70E740481C1C}">
-                <a14:useLocalDpi xmlns:a14="http://schemas.microsoft.com/office/drawing/2010/main" val="0"/>
-              </a:ext>
-            </a:extLst>
-          </a:blip>
-          <a:stretch>
-            <a:fillRect/>
-          </a:stretch>
-        </p:blipFill>
-        <p:spPr>
-          <a:xfrm>
-            <a:off x="1" y="5006045"/>
-            <a:ext cx="4965192" cy="144668"/>
-          </a:xfrm>
-          <a:prstGeom prst="rect">
-            <a:avLst/>
-          </a:prstGeom>
-        </p:spPr>
-      </p:pic>
-      <p:sp>
-        <p:nvSpPr>
-          <p:cNvPr id="16" name="Rectangle 15">
-            <a:extLst>
-              <a:ext uri="{FF2B5EF4-FFF2-40B4-BE49-F238E27FC236}">
-                <a16:creationId xmlns:a16="http://schemas.microsoft.com/office/drawing/2014/main" id="{700676C8-6DE8-47DD-9A23-D42063A12E10}"/>
-              </a:ext>
-              <a:ext uri="{C183D7F6-B498-43B3-948B-1728B52AA6E4}">
-                <adec:decorative xmlns:adec="http://schemas.microsoft.com/office/drawing/2017/decorative" val="1"/>
-              </a:ext>
-            </a:extLst>
-          </p:cNvPr>
-          <p:cNvSpPr>
-            <a:spLocks noGrp="1" noRot="1" noChangeAspect="1" noMove="1" noResize="1" noEditPoints="1" noAdjustHandles="1" noChangeArrowheads="1" noChangeShapeType="1" noTextEdit="1"/>
-          </p:cNvSpPr>
-          <p:nvPr>
-            <p:extLst>
-              <p:ext uri="{386F3935-93C4-4BCD-93E2-E3B085C9AB24}">
-                <p16:designElem xmlns:p16="http://schemas.microsoft.com/office/powerpoint/2015/main" val="1"/>
-              </p:ext>
-            </p:extLst>
-          </p:nvPr>
-        </p:nvSpPr>
-        <p:spPr>
-          <a:xfrm>
-            <a:off x="-1" y="1838764"/>
-            <a:ext cx="4964567" cy="3180473"/>
-          </a:xfrm>
-          <a:prstGeom prst="rect">
-            <a:avLst/>
-          </a:prstGeom>
-          <a:solidFill>
-            <a:srgbClr val="262626"/>
-          </a:solidFill>
-          <a:ln>
-            <a:noFill/>
-          </a:ln>
-        </p:spPr>
-        <p:style>
-          <a:lnRef idx="2">
-            <a:schemeClr val="accent1">
-              <a:shade val="50000"/>
-            </a:schemeClr>
-          </a:lnRef>
-          <a:fillRef idx="1">
-            <a:schemeClr val="accent1"/>
-          </a:fillRef>
-          <a:effectRef idx="0">
-            <a:schemeClr val="accent1"/>
-          </a:effectRef>
-          <a:fontRef idx="minor">
-            <a:schemeClr val="lt1"/>
-          </a:fontRef>
-        </p:style>
-        <p:txBody>
-          <a:bodyPr/>
-          <a:lstStyle/>
-          <a:p>
-            <a:endParaRPr lang="en-US"/>
-          </a:p>
-        </p:txBody>
-      </p:sp>
       <p:sp>
         <p:nvSpPr>
           <p:cNvPr id="2" name="Title 1">
@@ -43827,8 +43437,8 @@
         </p:nvSpPr>
         <p:spPr>
           <a:xfrm>
-            <a:off x="680321" y="2063262"/>
-            <a:ext cx="3739279" cy="2661052"/>
+            <a:off x="212651" y="584792"/>
+            <a:ext cx="3678865" cy="1414130"/>
           </a:xfrm>
         </p:spPr>
         <p:txBody>
@@ -43839,14 +43449,14 @@
           <a:p>
             <a:pPr algn="r"/>
             <a:r>
-              <a:rPr lang="en-IN" sz="4400">
+              <a:rPr lang="en-IN" sz="3200" dirty="0">
                 <a:solidFill>
                   <a:srgbClr val="FFFFFF"/>
                 </a:solidFill>
               </a:rPr>
               <a:t>Integration Points</a:t>
             </a:r>
-            <a:endParaRPr lang="en-US" sz="4400">
+            <a:endParaRPr lang="en-US" sz="3200" dirty="0">
               <a:solidFill>
                 <a:srgbClr val="FFFFFF"/>
               </a:solidFill>
@@ -43872,8 +43482,8 @@
         </p:nvSpPr>
         <p:spPr>
           <a:xfrm>
-            <a:off x="5287995" y="661106"/>
-            <a:ext cx="6257362" cy="5503101"/>
+            <a:off x="1031358" y="2105247"/>
+            <a:ext cx="10513999" cy="4058960"/>
           </a:xfrm>
         </p:spPr>
         <p:txBody>
@@ -43883,7 +43493,7 @@
           <a:lstStyle/>
           <a:p>
             <a:r>
-              <a:rPr lang="en-IN" sz="2000">
+              <a:rPr lang="en-IN" sz="2000" dirty="0">
                 <a:solidFill>
                   <a:srgbClr val="FFFFFF"/>
                 </a:solidFill>
@@ -43894,7 +43504,7 @@
           <a:p>
             <a:pPr lvl="1"/>
             <a:r>
-              <a:rPr lang="en-IN">
+              <a:rPr lang="en-IN" dirty="0">
                 <a:solidFill>
                   <a:srgbClr val="FFFFFF"/>
                 </a:solidFill>
@@ -43905,7 +43515,7 @@
           <a:p>
             <a:pPr lvl="1"/>
             <a:r>
-              <a:rPr lang="en-IN">
+              <a:rPr lang="en-IN" dirty="0">
                 <a:solidFill>
                   <a:srgbClr val="FFFFFF"/>
                 </a:solidFill>
@@ -43916,7 +43526,7 @@
           <a:p>
             <a:pPr lvl="1"/>
             <a:r>
-              <a:rPr lang="en-IN">
+              <a:rPr lang="en-IN" dirty="0">
                 <a:solidFill>
                   <a:srgbClr val="FFFFFF"/>
                 </a:solidFill>
@@ -43927,7 +43537,7 @@
           <a:p>
             <a:pPr lvl="1"/>
             <a:r>
-              <a:rPr lang="en-IN">
+              <a:rPr lang="en-IN" dirty="0">
                 <a:solidFill>
                   <a:srgbClr val="FFFFFF"/>
                 </a:solidFill>
@@ -43938,7 +43548,7 @@
           <a:p>
             <a:pPr lvl="1"/>
             <a:r>
-              <a:rPr lang="en-IN">
+              <a:rPr lang="en-IN" dirty="0">
                 <a:solidFill>
                   <a:srgbClr val="FFFFFF"/>
                 </a:solidFill>
@@ -43948,7 +43558,7 @@
           </a:p>
           <a:p>
             <a:r>
-              <a:rPr lang="en-IN" sz="2000">
+              <a:rPr lang="en-IN" sz="2000" dirty="0">
                 <a:solidFill>
                   <a:srgbClr val="FFFFFF"/>
                 </a:solidFill>
@@ -43959,7 +43569,7 @@
           <a:p>
             <a:pPr lvl="1"/>
             <a:r>
-              <a:rPr lang="en-IN">
+              <a:rPr lang="en-IN" dirty="0">
                 <a:solidFill>
                   <a:srgbClr val="FFFFFF"/>
                 </a:solidFill>
@@ -43970,7 +43580,7 @@
           <a:p>
             <a:pPr lvl="1"/>
             <a:r>
-              <a:rPr lang="en-IN">
+              <a:rPr lang="en-IN" dirty="0">
                 <a:solidFill>
                   <a:srgbClr val="FFFFFF"/>
                 </a:solidFill>
@@ -43981,7 +43591,7 @@
           <a:p>
             <a:pPr lvl="1"/>
             <a:r>
-              <a:rPr lang="en-IN">
+              <a:rPr lang="en-IN" dirty="0">
                 <a:solidFill>
                   <a:srgbClr val="FFFFFF"/>
                 </a:solidFill>
@@ -43990,7 +43600,7 @@
             </a:r>
           </a:p>
           <a:p>
-            <a:endParaRPr lang="en-US" sz="2000">
+            <a:endParaRPr lang="en-US" sz="2000" dirty="0">
               <a:solidFill>
                 <a:srgbClr val="FFFFFF"/>
               </a:solidFill>
@@ -44012,478 +43622,6 @@
 </file>
 
 <file path=ppt/slides/slide11.xml><?xml version="1.0" encoding="utf-8"?>
-<p:sld xmlns:a="http://schemas.openxmlformats.org/drawingml/2006/main" xmlns:r="http://schemas.openxmlformats.org/officeDocument/2006/relationships" xmlns:p="http://schemas.openxmlformats.org/presentationml/2006/main">
-  <p:cSld>
-    <p:bg>
-      <p:bgPr>
-        <a:gradFill rotWithShape="1">
-          <a:gsLst>
-            <a:gs pos="0">
-              <a:schemeClr val="bg2">
-                <a:tint val="96000"/>
-                <a:shade val="100000"/>
-                <a:hueMod val="270000"/>
-                <a:satMod val="200000"/>
-                <a:lumMod val="128000"/>
-              </a:schemeClr>
-            </a:gs>
-            <a:gs pos="50000">
-              <a:schemeClr val="bg2">
-                <a:shade val="100000"/>
-                <a:hueMod val="100000"/>
-                <a:satMod val="110000"/>
-                <a:lumMod val="130000"/>
-              </a:schemeClr>
-            </a:gs>
-            <a:gs pos="100000">
-              <a:schemeClr val="bg2">
-                <a:shade val="78000"/>
-                <a:hueMod val="44000"/>
-                <a:satMod val="200000"/>
-                <a:lumMod val="69000"/>
-              </a:schemeClr>
-            </a:gs>
-          </a:gsLst>
-          <a:lin ang="2520000" scaled="0"/>
-        </a:gradFill>
-        <a:effectLst/>
-      </p:bgPr>
-    </p:bg>
-    <p:spTree>
-      <p:nvGrpSpPr>
-        <p:cNvPr id="1" name=""/>
-        <p:cNvGrpSpPr/>
-        <p:nvPr/>
-      </p:nvGrpSpPr>
-      <p:grpSpPr>
-        <a:xfrm>
-          <a:off x="0" y="0"/>
-          <a:ext cx="0" cy="0"/>
-          <a:chOff x="0" y="0"/>
-          <a:chExt cx="0" cy="0"/>
-        </a:xfrm>
-      </p:grpSpPr>
-      <p:sp useBgFill="1">
-        <p:nvSpPr>
-          <p:cNvPr id="8" name="Rectangle 7">
-            <a:extLst>
-              <a:ext uri="{FF2B5EF4-FFF2-40B4-BE49-F238E27FC236}">
-                <a16:creationId xmlns:a16="http://schemas.microsoft.com/office/drawing/2014/main" id="{4B0FA309-807F-4C17-98EF-A3BA7388E213}"/>
-              </a:ext>
-              <a:ext uri="{C183D7F6-B498-43B3-948B-1728B52AA6E4}">
-                <adec:decorative xmlns:adec="http://schemas.microsoft.com/office/drawing/2017/decorative" val="1"/>
-              </a:ext>
-            </a:extLst>
-          </p:cNvPr>
-          <p:cNvSpPr>
-            <a:spLocks noGrp="1" noRot="1" noChangeAspect="1" noMove="1" noResize="1" noEditPoints="1" noAdjustHandles="1" noChangeArrowheads="1" noChangeShapeType="1" noTextEdit="1"/>
-          </p:cNvSpPr>
-          <p:nvPr>
-            <p:extLst>
-              <p:ext uri="{386F3935-93C4-4BCD-93E2-E3B085C9AB24}">
-                <p16:designElem xmlns:p16="http://schemas.microsoft.com/office/powerpoint/2015/main" val="1"/>
-              </p:ext>
-            </p:extLst>
-          </p:nvPr>
-        </p:nvSpPr>
-        <p:spPr>
-          <a:xfrm>
-            <a:off x="0" y="0"/>
-            <a:ext cx="12188824" cy="6858000"/>
-          </a:xfrm>
-          <a:prstGeom prst="rect">
-            <a:avLst/>
-          </a:prstGeom>
-          <a:ln>
-            <a:noFill/>
-          </a:ln>
-        </p:spPr>
-        <p:style>
-          <a:lnRef idx="2">
-            <a:schemeClr val="accent1">
-              <a:shade val="50000"/>
-            </a:schemeClr>
-          </a:lnRef>
-          <a:fillRef idx="1">
-            <a:schemeClr val="accent1"/>
-          </a:fillRef>
-          <a:effectRef idx="0">
-            <a:schemeClr val="accent1"/>
-          </a:effectRef>
-          <a:fontRef idx="minor">
-            <a:schemeClr val="lt1"/>
-          </a:fontRef>
-        </p:style>
-        <p:txBody>
-          <a:bodyPr rtlCol="0" anchor="ctr"/>
-          <a:lstStyle/>
-          <a:p>
-            <a:pPr algn="ctr"/>
-            <a:endParaRPr lang="en-US"/>
-          </a:p>
-        </p:txBody>
-      </p:sp>
-      <p:pic>
-        <p:nvPicPr>
-          <p:cNvPr id="10" name="Picture 9">
-            <a:extLst>
-              <a:ext uri="{FF2B5EF4-FFF2-40B4-BE49-F238E27FC236}">
-                <a16:creationId xmlns:a16="http://schemas.microsoft.com/office/drawing/2014/main" id="{2642A87B-CAE9-4F8F-B293-28388E45D9EE}"/>
-              </a:ext>
-              <a:ext uri="{C183D7F6-B498-43B3-948B-1728B52AA6E4}">
-                <adec:decorative xmlns:adec="http://schemas.microsoft.com/office/drawing/2017/decorative" val="1"/>
-              </a:ext>
-            </a:extLst>
-          </p:cNvPr>
-          <p:cNvPicPr>
-            <a:picLocks noGrp="1" noRot="1" noChangeAspect="1" noMove="1" noResize="1" noEditPoints="1" noAdjustHandles="1" noChangeArrowheads="1" noChangeShapeType="1" noCrop="1"/>
-          </p:cNvPicPr>
-          <p:nvPr>
-            <p:extLst>
-              <p:ext uri="{386F3935-93C4-4BCD-93E2-E3B085C9AB24}">
-                <p16:designElem xmlns:p16="http://schemas.microsoft.com/office/powerpoint/2015/main" val="1"/>
-              </p:ext>
-            </p:extLst>
-          </p:nvPr>
-        </p:nvPicPr>
-        <p:blipFill>
-          <a:blip r:embed="rId2">
-            <a:alphaModFix amt="10000"/>
-            <a:extLst>
-              <a:ext uri="{28A0092B-C50C-407E-A947-70E740481C1C}">
-                <a14:useLocalDpi xmlns:a14="http://schemas.microsoft.com/office/drawing/2010/main" val="0"/>
-              </a:ext>
-            </a:extLst>
-          </a:blip>
-          <a:stretch>
-            <a:fillRect/>
-          </a:stretch>
-        </p:blipFill>
-        <p:spPr>
-          <a:xfrm>
-            <a:off x="0" y="0"/>
-            <a:ext cx="12192000" cy="6858000"/>
-          </a:xfrm>
-          <a:prstGeom prst="rect">
-            <a:avLst/>
-          </a:prstGeom>
-        </p:spPr>
-      </p:pic>
-      <p:sp>
-        <p:nvSpPr>
-          <p:cNvPr id="12" name="Rectangle 11">
-            <a:extLst>
-              <a:ext uri="{FF2B5EF4-FFF2-40B4-BE49-F238E27FC236}">
-                <a16:creationId xmlns:a16="http://schemas.microsoft.com/office/drawing/2014/main" id="{C8FA1749-B91A-40E7-AD01-0B9C9C6AF74E}"/>
-              </a:ext>
-              <a:ext uri="{C183D7F6-B498-43B3-948B-1728B52AA6E4}">
-                <adec:decorative xmlns:adec="http://schemas.microsoft.com/office/drawing/2017/decorative" val="1"/>
-              </a:ext>
-            </a:extLst>
-          </p:cNvPr>
-          <p:cNvSpPr>
-            <a:spLocks noGrp="1" noRot="1" noChangeAspect="1" noMove="1" noResize="1" noEditPoints="1" noAdjustHandles="1" noChangeArrowheads="1" noChangeShapeType="1" noTextEdit="1"/>
-          </p:cNvSpPr>
-          <p:nvPr>
-            <p:extLst>
-              <p:ext uri="{386F3935-93C4-4BCD-93E2-E3B085C9AB24}">
-                <p16:designElem xmlns:p16="http://schemas.microsoft.com/office/powerpoint/2015/main" val="1"/>
-              </p:ext>
-            </p:extLst>
-          </p:nvPr>
-        </p:nvSpPr>
-        <p:spPr>
-          <a:xfrm>
-            <a:off x="4644527" y="0"/>
-            <a:ext cx="7552944" cy="6858001"/>
-          </a:xfrm>
-          <a:prstGeom prst="rect">
-            <a:avLst/>
-          </a:prstGeom>
-          <a:solidFill>
-            <a:schemeClr val="accent1"/>
-          </a:solidFill>
-          <a:ln>
-            <a:noFill/>
-          </a:ln>
-        </p:spPr>
-        <p:style>
-          <a:lnRef idx="2">
-            <a:schemeClr val="accent1">
-              <a:shade val="50000"/>
-            </a:schemeClr>
-          </a:lnRef>
-          <a:fillRef idx="1">
-            <a:schemeClr val="accent1"/>
-          </a:fillRef>
-          <a:effectRef idx="0">
-            <a:schemeClr val="accent1"/>
-          </a:effectRef>
-          <a:fontRef idx="minor">
-            <a:schemeClr val="lt1"/>
-          </a:fontRef>
-        </p:style>
-        <p:txBody>
-          <a:bodyPr rtlCol="0" anchor="ctr"/>
-          <a:lstStyle/>
-          <a:p>
-            <a:pPr algn="ctr"/>
-            <a:endParaRPr lang="en-US"/>
-          </a:p>
-        </p:txBody>
-      </p:sp>
-      <p:pic>
-        <p:nvPicPr>
-          <p:cNvPr id="14" name="Picture 13">
-            <a:extLst>
-              <a:ext uri="{FF2B5EF4-FFF2-40B4-BE49-F238E27FC236}">
-                <a16:creationId xmlns:a16="http://schemas.microsoft.com/office/drawing/2014/main" id="{3B7A934F-FFF7-4353-83D3-4EF66E93EEF8}"/>
-              </a:ext>
-              <a:ext uri="{C183D7F6-B498-43B3-948B-1728B52AA6E4}">
-                <adec:decorative xmlns:adec="http://schemas.microsoft.com/office/drawing/2017/decorative" val="1"/>
-              </a:ext>
-            </a:extLst>
-          </p:cNvPr>
-          <p:cNvPicPr>
-            <a:picLocks noGrp="1" noRot="1" noChangeAspect="1" noMove="1" noResize="1" noEditPoints="1" noAdjustHandles="1" noChangeArrowheads="1" noChangeShapeType="1" noCrop="1"/>
-          </p:cNvPicPr>
-          <p:nvPr>
-            <p:extLst>
-              <p:ext uri="{386F3935-93C4-4BCD-93E2-E3B085C9AB24}">
-                <p16:designElem xmlns:p16="http://schemas.microsoft.com/office/powerpoint/2015/main" val="1"/>
-              </p:ext>
-            </p:extLst>
-          </p:nvPr>
-        </p:nvPicPr>
-        <p:blipFill>
-          <a:blip r:embed="rId3" cstate="print">
-            <a:extLst>
-              <a:ext uri="{28A0092B-C50C-407E-A947-70E740481C1C}">
-                <a14:useLocalDpi xmlns:a14="http://schemas.microsoft.com/office/drawing/2010/main" val="0"/>
-              </a:ext>
-            </a:extLst>
-          </a:blip>
-          <a:stretch>
-            <a:fillRect/>
-          </a:stretch>
-        </p:blipFill>
-        <p:spPr>
-          <a:xfrm>
-            <a:off x="1" y="5006045"/>
-            <a:ext cx="4965192" cy="144668"/>
-          </a:xfrm>
-          <a:prstGeom prst="rect">
-            <a:avLst/>
-          </a:prstGeom>
-        </p:spPr>
-      </p:pic>
-      <p:sp>
-        <p:nvSpPr>
-          <p:cNvPr id="16" name="Rectangle 15">
-            <a:extLst>
-              <a:ext uri="{FF2B5EF4-FFF2-40B4-BE49-F238E27FC236}">
-                <a16:creationId xmlns:a16="http://schemas.microsoft.com/office/drawing/2014/main" id="{700676C8-6DE8-47DD-9A23-D42063A12E10}"/>
-              </a:ext>
-              <a:ext uri="{C183D7F6-B498-43B3-948B-1728B52AA6E4}">
-                <adec:decorative xmlns:adec="http://schemas.microsoft.com/office/drawing/2017/decorative" val="1"/>
-              </a:ext>
-            </a:extLst>
-          </p:cNvPr>
-          <p:cNvSpPr>
-            <a:spLocks noGrp="1" noRot="1" noChangeAspect="1" noMove="1" noResize="1" noEditPoints="1" noAdjustHandles="1" noChangeArrowheads="1" noChangeShapeType="1" noTextEdit="1"/>
-          </p:cNvSpPr>
-          <p:nvPr>
-            <p:extLst>
-              <p:ext uri="{386F3935-93C4-4BCD-93E2-E3B085C9AB24}">
-                <p16:designElem xmlns:p16="http://schemas.microsoft.com/office/powerpoint/2015/main" val="1"/>
-              </p:ext>
-            </p:extLst>
-          </p:nvPr>
-        </p:nvSpPr>
-        <p:spPr>
-          <a:xfrm>
-            <a:off x="-1" y="1838764"/>
-            <a:ext cx="4964567" cy="3180473"/>
-          </a:xfrm>
-          <a:prstGeom prst="rect">
-            <a:avLst/>
-          </a:prstGeom>
-          <a:solidFill>
-            <a:srgbClr val="262626"/>
-          </a:solidFill>
-          <a:ln>
-            <a:noFill/>
-          </a:ln>
-        </p:spPr>
-        <p:style>
-          <a:lnRef idx="2">
-            <a:schemeClr val="accent1">
-              <a:shade val="50000"/>
-            </a:schemeClr>
-          </a:lnRef>
-          <a:fillRef idx="1">
-            <a:schemeClr val="accent1"/>
-          </a:fillRef>
-          <a:effectRef idx="0">
-            <a:schemeClr val="accent1"/>
-          </a:effectRef>
-          <a:fontRef idx="minor">
-            <a:schemeClr val="lt1"/>
-          </a:fontRef>
-        </p:style>
-        <p:txBody>
-          <a:bodyPr/>
-          <a:lstStyle/>
-          <a:p>
-            <a:endParaRPr lang="en-US"/>
-          </a:p>
-        </p:txBody>
-      </p:sp>
-      <p:sp>
-        <p:nvSpPr>
-          <p:cNvPr id="2" name="Title 1">
-            <a:extLst>
-              <a:ext uri="{FF2B5EF4-FFF2-40B4-BE49-F238E27FC236}">
-                <a16:creationId xmlns:a16="http://schemas.microsoft.com/office/drawing/2014/main" id="{5268ECDA-78B1-7EE3-74E6-E47E2DB5A252}"/>
-              </a:ext>
-            </a:extLst>
-          </p:cNvPr>
-          <p:cNvSpPr>
-            <a:spLocks noGrp="1"/>
-          </p:cNvSpPr>
-          <p:nvPr>
-            <p:ph type="title"/>
-          </p:nvPr>
-        </p:nvSpPr>
-        <p:spPr>
-          <a:xfrm>
-            <a:off x="680321" y="2063262"/>
-            <a:ext cx="3739279" cy="2661052"/>
-          </a:xfrm>
-        </p:spPr>
-        <p:txBody>
-          <a:bodyPr>
-            <a:normAutofit/>
-          </a:bodyPr>
-          <a:lstStyle/>
-          <a:p>
-            <a:pPr algn="r"/>
-            <a:r>
-              <a:rPr lang="en-IN" sz="4400">
-                <a:solidFill>
-                  <a:srgbClr val="FFFFFF"/>
-                </a:solidFill>
-              </a:rPr>
-              <a:t>Deployment Model</a:t>
-            </a:r>
-            <a:endParaRPr lang="en-US" sz="4400">
-              <a:solidFill>
-                <a:srgbClr val="FFFFFF"/>
-              </a:solidFill>
-            </a:endParaRPr>
-          </a:p>
-        </p:txBody>
-      </p:sp>
-      <p:sp>
-        <p:nvSpPr>
-          <p:cNvPr id="3" name="Content Placeholder 2">
-            <a:extLst>
-              <a:ext uri="{FF2B5EF4-FFF2-40B4-BE49-F238E27FC236}">
-                <a16:creationId xmlns:a16="http://schemas.microsoft.com/office/drawing/2014/main" id="{9AB1D3CD-FB3E-93E2-55B6-F89BED67D900}"/>
-              </a:ext>
-            </a:extLst>
-          </p:cNvPr>
-          <p:cNvSpPr>
-            <a:spLocks noGrp="1"/>
-          </p:cNvSpPr>
-          <p:nvPr>
-            <p:ph idx="1"/>
-          </p:nvPr>
-        </p:nvSpPr>
-        <p:spPr>
-          <a:xfrm>
-            <a:off x="5287995" y="661106"/>
-            <a:ext cx="6257362" cy="5503101"/>
-          </a:xfrm>
-        </p:spPr>
-        <p:txBody>
-          <a:bodyPr anchor="ctr">
-            <a:normAutofit/>
-          </a:bodyPr>
-          <a:lstStyle/>
-          <a:p>
-            <a:r>
-              <a:rPr lang="en-IN" sz="2000">
-                <a:solidFill>
-                  <a:srgbClr val="FFFFFF"/>
-                </a:solidFill>
-              </a:rPr>
-              <a:t>Development: Local server (SQLite + Django)</a:t>
-            </a:r>
-          </a:p>
-          <a:p>
-            <a:r>
-              <a:rPr lang="en-IN" sz="2000">
-                <a:solidFill>
-                  <a:srgbClr val="FFFFFF"/>
-                </a:solidFill>
-              </a:rPr>
-              <a:t>Production Ready:</a:t>
-            </a:r>
-          </a:p>
-          <a:p>
-            <a:r>
-              <a:rPr lang="en-IN" sz="2000">
-                <a:solidFill>
-                  <a:srgbClr val="FFFFFF"/>
-                </a:solidFill>
-              </a:rPr>
-              <a:t>Gunicorn WSGI server</a:t>
-            </a:r>
-          </a:p>
-          <a:p>
-            <a:r>
-              <a:rPr lang="en-IN" sz="2000">
-                <a:solidFill>
-                  <a:srgbClr val="FFFFFF"/>
-                </a:solidFill>
-              </a:rPr>
-              <a:t>Environment-based configuration</a:t>
-            </a:r>
-          </a:p>
-          <a:p>
-            <a:r>
-              <a:rPr lang="en-IN" sz="2000">
-                <a:solidFill>
-                  <a:srgbClr val="FFFFFF"/>
-                </a:solidFill>
-              </a:rPr>
-              <a:t>Scalable to cloud (AWS / Heroku / Render)</a:t>
-            </a:r>
-          </a:p>
-          <a:p>
-            <a:endParaRPr lang="en-US" sz="2000">
-              <a:solidFill>
-                <a:srgbClr val="FFFFFF"/>
-              </a:solidFill>
-            </a:endParaRPr>
-          </a:p>
-        </p:txBody>
-      </p:sp>
-    </p:spTree>
-    <p:extLst>
-      <p:ext uri="{BB962C8B-B14F-4D97-AF65-F5344CB8AC3E}">
-        <p14:creationId xmlns:p14="http://schemas.microsoft.com/office/powerpoint/2010/main" val="134451859"/>
-      </p:ext>
-    </p:extLst>
-  </p:cSld>
-  <p:clrMapOvr>
-    <a:masterClrMapping/>
-  </p:clrMapOvr>
-</p:sld>
-</file>
-
-<file path=ppt/slides/slide12.xml><?xml version="1.0" encoding="utf-8"?>
 <p:sld xmlns:a="http://schemas.openxmlformats.org/drawingml/2006/main" xmlns:r="http://schemas.openxmlformats.org/officeDocument/2006/relationships" xmlns:p="http://schemas.openxmlformats.org/presentationml/2006/main">
   <p:cSld>
     <p:bg>
@@ -44535,142 +43673,6 @@
           <a:chExt cx="0" cy="0"/>
         </a:xfrm>
       </p:grpSpPr>
-      <p:grpSp>
-        <p:nvGrpSpPr>
-          <p:cNvPr id="17" name="Group 16">
-            <a:extLst>
-              <a:ext uri="{FF2B5EF4-FFF2-40B4-BE49-F238E27FC236}">
-                <a16:creationId xmlns:a16="http://schemas.microsoft.com/office/drawing/2014/main" id="{F6BCB397-4790-4766-82B8-F6ED3BAAB00F}"/>
-              </a:ext>
-              <a:ext uri="{C183D7F6-B498-43B3-948B-1728B52AA6E4}">
-                <adec:decorative xmlns:adec="http://schemas.microsoft.com/office/drawing/2017/decorative" val="1"/>
-              </a:ext>
-            </a:extLst>
-          </p:cNvPr>
-          <p:cNvGrpSpPr>
-            <a:grpSpLocks noGrp="1" noUngrp="1" noRot="1" noChangeAspect="1" noMove="1" noResize="1"/>
-          </p:cNvGrpSpPr>
-          <p:nvPr>
-            <p:extLst>
-              <p:ext uri="{386F3935-93C4-4BCD-93E2-E3B085C9AB24}">
-                <p16:designElem xmlns:p16="http://schemas.microsoft.com/office/powerpoint/2015/main" val="1"/>
-              </p:ext>
-            </p:extLst>
-          </p:nvPr>
-        </p:nvGrpSpPr>
-        <p:grpSpPr>
-          <a:xfrm>
-            <a:off x="-3176" y="0"/>
-            <a:ext cx="12192000" cy="6858001"/>
-            <a:chOff x="-3176" y="0"/>
-            <a:chExt cx="12192000" cy="6858001"/>
-          </a:xfrm>
-        </p:grpSpPr>
-        <p:sp useBgFill="1">
-          <p:nvSpPr>
-            <p:cNvPr id="18" name="Rectangle 17">
-              <a:extLst>
-                <a:ext uri="{FF2B5EF4-FFF2-40B4-BE49-F238E27FC236}">
-                  <a16:creationId xmlns:a16="http://schemas.microsoft.com/office/drawing/2014/main" id="{BDB66795-F5BA-4B6C-951C-11DBE9D24AAF}"/>
-                </a:ext>
-                <a:ext uri="{C183D7F6-B498-43B3-948B-1728B52AA6E4}">
-                  <adec:decorative xmlns:adec="http://schemas.microsoft.com/office/drawing/2017/decorative" val="1"/>
-                </a:ext>
-              </a:extLst>
-            </p:cNvPr>
-            <p:cNvSpPr/>
-            <p:nvPr>
-              <p:extLst>
-                <p:ext uri="{386F3935-93C4-4BCD-93E2-E3B085C9AB24}">
-                  <p16:designElem xmlns:p16="http://schemas.microsoft.com/office/powerpoint/2015/main" val="1"/>
-                </p:ext>
-              </p:extLst>
-            </p:nvPr>
-          </p:nvSpPr>
-          <p:spPr>
-            <a:xfrm>
-              <a:off x="0" y="0"/>
-              <a:ext cx="12188824" cy="6858001"/>
-            </a:xfrm>
-            <a:prstGeom prst="rect">
-              <a:avLst/>
-            </a:prstGeom>
-            <a:ln>
-              <a:noFill/>
-            </a:ln>
-          </p:spPr>
-          <p:style>
-            <a:lnRef idx="2">
-              <a:schemeClr val="accent1">
-                <a:shade val="50000"/>
-              </a:schemeClr>
-            </a:lnRef>
-            <a:fillRef idx="1">
-              <a:schemeClr val="accent1"/>
-            </a:fillRef>
-            <a:effectRef idx="0">
-              <a:schemeClr val="accent1"/>
-            </a:effectRef>
-            <a:fontRef idx="minor">
-              <a:schemeClr val="lt1"/>
-            </a:fontRef>
-          </p:style>
-          <p:txBody>
-            <a:bodyPr rtlCol="0" anchor="ctr"/>
-            <a:lstStyle/>
-            <a:p>
-              <a:pPr algn="ctr"/>
-              <a:endParaRPr lang="en-US"/>
-            </a:p>
-          </p:txBody>
-        </p:sp>
-        <p:pic>
-          <p:nvPicPr>
-            <p:cNvPr id="11" name="Picture 10">
-              <a:extLst>
-                <a:ext uri="{FF2B5EF4-FFF2-40B4-BE49-F238E27FC236}">
-                  <a16:creationId xmlns:a16="http://schemas.microsoft.com/office/drawing/2014/main" id="{12C790B8-181F-443B-9B01-D67B4B94ABA3}"/>
-                </a:ext>
-                <a:ext uri="{C183D7F6-B498-43B3-948B-1728B52AA6E4}">
-                  <adec:decorative xmlns:adec="http://schemas.microsoft.com/office/drawing/2017/decorative" val="1"/>
-                </a:ext>
-              </a:extLst>
-            </p:cNvPr>
-            <p:cNvPicPr>
-              <a:picLocks noChangeAspect="1"/>
-            </p:cNvPicPr>
-            <p:nvPr>
-              <p:extLst>
-                <p:ext uri="{386F3935-93C4-4BCD-93E2-E3B085C9AB24}">
-                  <p16:designElem xmlns:p16="http://schemas.microsoft.com/office/powerpoint/2015/main" val="1"/>
-                </p:ext>
-              </p:extLst>
-            </p:nvPr>
-          </p:nvPicPr>
-          <p:blipFill>
-            <a:blip r:embed="rId2">
-              <a:alphaModFix amt="10000"/>
-              <a:extLst>
-                <a:ext uri="{28A0092B-C50C-407E-A947-70E740481C1C}">
-                  <a14:useLocalDpi xmlns:a14="http://schemas.microsoft.com/office/drawing/2010/main" val="0"/>
-                </a:ext>
-              </a:extLst>
-            </a:blip>
-            <a:stretch>
-              <a:fillRect/>
-            </a:stretch>
-          </p:blipFill>
-          <p:spPr>
-            <a:xfrm>
-              <a:off x="-3176" y="0"/>
-              <a:ext cx="12192000" cy="6858000"/>
-            </a:xfrm>
-            <a:prstGeom prst="rect">
-              <a:avLst/>
-            </a:prstGeom>
-          </p:spPr>
-        </p:pic>
-      </p:grpSp>
       <p:pic>
         <p:nvPicPr>
           <p:cNvPr id="19" name="Picture 18" descr="Abstract background">
@@ -44686,7 +43688,7 @@
           <p:nvPr/>
         </p:nvPicPr>
         <p:blipFill>
-          <a:blip r:embed="rId3"/>
+          <a:blip r:embed="rId2"/>
           <a:srcRect l="49470" r="9917"/>
           <a:stretch>
             <a:fillRect/>
@@ -44708,71 +43710,6 @@
       </p:pic>
       <p:sp>
         <p:nvSpPr>
-          <p:cNvPr id="20" name="Rectangle 19">
-            <a:extLst>
-              <a:ext uri="{FF2B5EF4-FFF2-40B4-BE49-F238E27FC236}">
-                <a16:creationId xmlns:a16="http://schemas.microsoft.com/office/drawing/2014/main" id="{0917D5C4-7346-4128-A893-88F9031A327B}"/>
-              </a:ext>
-              <a:ext uri="{C183D7F6-B498-43B3-948B-1728B52AA6E4}">
-                <adec:decorative xmlns:adec="http://schemas.microsoft.com/office/drawing/2017/decorative" val="1"/>
-              </a:ext>
-            </a:extLst>
-          </p:cNvPr>
-          <p:cNvSpPr>
-            <a:spLocks noGrp="1" noRot="1" noChangeAspect="1" noMove="1" noResize="1" noEditPoints="1" noAdjustHandles="1" noChangeArrowheads="1" noChangeShapeType="1" noTextEdit="1"/>
-          </p:cNvSpPr>
-          <p:nvPr>
-            <p:extLst>
-              <p:ext uri="{386F3935-93C4-4BCD-93E2-E3B085C9AB24}">
-                <p16:designElem xmlns:p16="http://schemas.microsoft.com/office/powerpoint/2015/main" val="1"/>
-              </p:ext>
-            </p:extLst>
-          </p:nvPr>
-        </p:nvSpPr>
-        <p:spPr bwMode="grayWhite">
-          <a:xfrm>
-            <a:off x="2" y="609600"/>
-            <a:ext cx="7967048" cy="1368198"/>
-          </a:xfrm>
-          <a:prstGeom prst="rect">
-            <a:avLst/>
-          </a:prstGeom>
-          <a:solidFill>
-            <a:schemeClr val="bg1">
-              <a:lumMod val="85000"/>
-              <a:lumOff val="15000"/>
-            </a:schemeClr>
-          </a:solidFill>
-          <a:ln>
-            <a:noFill/>
-          </a:ln>
-        </p:spPr>
-        <p:style>
-          <a:lnRef idx="2">
-            <a:schemeClr val="accent1">
-              <a:shade val="50000"/>
-            </a:schemeClr>
-          </a:lnRef>
-          <a:fillRef idx="1">
-            <a:schemeClr val="accent1"/>
-          </a:fillRef>
-          <a:effectRef idx="0">
-            <a:schemeClr val="accent1"/>
-          </a:effectRef>
-          <a:fontRef idx="minor">
-            <a:schemeClr val="lt1"/>
-          </a:fontRef>
-        </p:style>
-        <p:txBody>
-          <a:bodyPr/>
-          <a:lstStyle/>
-          <a:p>
-            <a:endParaRPr lang="en-US"/>
-          </a:p>
-        </p:txBody>
-      </p:sp>
-      <p:sp>
-        <p:nvSpPr>
           <p:cNvPr id="2" name="Title 1">
             <a:extLst>
               <a:ext uri="{FF2B5EF4-FFF2-40B4-BE49-F238E27FC236}">
@@ -44789,82 +43726,37 @@
         </p:nvSpPr>
         <p:spPr>
           <a:xfrm>
-            <a:off x="680321" y="753228"/>
+            <a:off x="138061" y="763861"/>
             <a:ext cx="7087552" cy="1080938"/>
           </a:xfrm>
         </p:spPr>
         <p:txBody>
           <a:bodyPr>
-            <a:normAutofit/>
+            <a:normAutofit fontScale="90000"/>
           </a:bodyPr>
           <a:lstStyle/>
           <a:p>
             <a:br>
-              <a:rPr lang="en-IN" sz="1700" b="1"/>
+              <a:rPr lang="en-IN" sz="1700" b="1" dirty="0"/>
             </a:br>
             <a:r>
-              <a:rPr lang="en-IN" sz="1700" b="1"/>
+              <a:rPr lang="en-IN" sz="3200" b="1" dirty="0"/>
               <a:t>Key Features &amp; Modules</a:t>
             </a:r>
             <a:br>
-              <a:rPr lang="en-IN" sz="1700" b="1"/>
+              <a:rPr lang="en-IN" sz="3200" b="1" dirty="0"/>
             </a:br>
             <a:r>
-              <a:rPr lang="en-IN" sz="1700" b="1"/>
+              <a:rPr lang="en-IN" sz="3200" b="1" dirty="0"/>
               <a:t>Core Functionalities</a:t>
             </a:r>
             <a:br>
-              <a:rPr lang="en-IN" sz="1700" b="1"/>
+              <a:rPr lang="en-IN" sz="3200" b="1" dirty="0"/>
             </a:br>
-            <a:endParaRPr lang="en-US" sz="1700"/>
+            <a:endParaRPr lang="en-US" sz="3200" dirty="0"/>
           </a:p>
         </p:txBody>
       </p:sp>
-      <p:pic>
-        <p:nvPicPr>
-          <p:cNvPr id="21" name="Picture 20">
-            <a:extLst>
-              <a:ext uri="{FF2B5EF4-FFF2-40B4-BE49-F238E27FC236}">
-                <a16:creationId xmlns:a16="http://schemas.microsoft.com/office/drawing/2014/main" id="{4EC06EAC-4D4E-4BEC-A580-543F5E0EDE94}"/>
-              </a:ext>
-              <a:ext uri="{C183D7F6-B498-43B3-948B-1728B52AA6E4}">
-                <adec:decorative xmlns:adec="http://schemas.microsoft.com/office/drawing/2017/decorative" val="1"/>
-              </a:ext>
-            </a:extLst>
-          </p:cNvPr>
-          <p:cNvPicPr>
-            <a:picLocks noGrp="1" noRot="1" noChangeAspect="1" noMove="1" noResize="1" noEditPoints="1" noAdjustHandles="1" noChangeArrowheads="1" noChangeShapeType="1" noCrop="1"/>
-          </p:cNvPicPr>
-          <p:nvPr>
-            <p:extLst>
-              <p:ext uri="{386F3935-93C4-4BCD-93E2-E3B085C9AB24}">
-                <p16:designElem xmlns:p16="http://schemas.microsoft.com/office/powerpoint/2015/main" val="1"/>
-              </p:ext>
-            </p:extLst>
-          </p:nvPr>
-        </p:nvPicPr>
-        <p:blipFill>
-          <a:blip r:embed="rId4">
-            <a:extLst>
-              <a:ext uri="{28A0092B-C50C-407E-A947-70E740481C1C}">
-                <a14:useLocalDpi xmlns:a14="http://schemas.microsoft.com/office/drawing/2010/main" val="0"/>
-              </a:ext>
-            </a:extLst>
-          </a:blip>
-          <a:stretch>
-            <a:fillRect/>
-          </a:stretch>
-        </p:blipFill>
-        <p:spPr>
-          <a:xfrm>
-            <a:off x="2" y="1970240"/>
-            <a:ext cx="7967048" cy="321164"/>
-          </a:xfrm>
-          <a:prstGeom prst="rect">
-            <a:avLst/>
-          </a:prstGeom>
-        </p:spPr>
-      </p:pic>
       <p:sp>
         <p:nvSpPr>
           <p:cNvPr id="3" name="Content Placeholder 2">
@@ -44958,7 +43850,7 @@
 </p:sld>
 </file>
 
-<file path=ppt/slides/slide13.xml><?xml version="1.0" encoding="utf-8"?>
+<file path=ppt/slides/slide12.xml><?xml version="1.0" encoding="utf-8"?>
 <p:sld xmlns:a="http://schemas.openxmlformats.org/drawingml/2006/main" xmlns:r="http://schemas.openxmlformats.org/officeDocument/2006/relationships" xmlns:p="http://schemas.openxmlformats.org/presentationml/2006/main">
   <p:cSld>
     <p:bg>
@@ -45010,282 +43902,6 @@
           <a:chExt cx="0" cy="0"/>
         </a:xfrm>
       </p:grpSpPr>
-      <p:sp useBgFill="1">
-        <p:nvSpPr>
-          <p:cNvPr id="8" name="Rectangle 7">
-            <a:extLst>
-              <a:ext uri="{FF2B5EF4-FFF2-40B4-BE49-F238E27FC236}">
-                <a16:creationId xmlns:a16="http://schemas.microsoft.com/office/drawing/2014/main" id="{4B0FA309-807F-4C17-98EF-A3BA7388E213}"/>
-              </a:ext>
-              <a:ext uri="{C183D7F6-B498-43B3-948B-1728B52AA6E4}">
-                <adec:decorative xmlns:adec="http://schemas.microsoft.com/office/drawing/2017/decorative" val="1"/>
-              </a:ext>
-            </a:extLst>
-          </p:cNvPr>
-          <p:cNvSpPr>
-            <a:spLocks noGrp="1" noRot="1" noChangeAspect="1" noMove="1" noResize="1" noEditPoints="1" noAdjustHandles="1" noChangeArrowheads="1" noChangeShapeType="1" noTextEdit="1"/>
-          </p:cNvSpPr>
-          <p:nvPr>
-            <p:extLst>
-              <p:ext uri="{386F3935-93C4-4BCD-93E2-E3B085C9AB24}">
-                <p16:designElem xmlns:p16="http://schemas.microsoft.com/office/powerpoint/2015/main" val="1"/>
-              </p:ext>
-            </p:extLst>
-          </p:nvPr>
-        </p:nvSpPr>
-        <p:spPr>
-          <a:xfrm>
-            <a:off x="0" y="0"/>
-            <a:ext cx="12188824" cy="6858000"/>
-          </a:xfrm>
-          <a:prstGeom prst="rect">
-            <a:avLst/>
-          </a:prstGeom>
-          <a:ln>
-            <a:noFill/>
-          </a:ln>
-        </p:spPr>
-        <p:style>
-          <a:lnRef idx="2">
-            <a:schemeClr val="accent1">
-              <a:shade val="50000"/>
-            </a:schemeClr>
-          </a:lnRef>
-          <a:fillRef idx="1">
-            <a:schemeClr val="accent1"/>
-          </a:fillRef>
-          <a:effectRef idx="0">
-            <a:schemeClr val="accent1"/>
-          </a:effectRef>
-          <a:fontRef idx="minor">
-            <a:schemeClr val="lt1"/>
-          </a:fontRef>
-        </p:style>
-        <p:txBody>
-          <a:bodyPr rtlCol="0" anchor="ctr"/>
-          <a:lstStyle/>
-          <a:p>
-            <a:pPr algn="ctr"/>
-            <a:endParaRPr lang="en-US"/>
-          </a:p>
-        </p:txBody>
-      </p:sp>
-      <p:pic>
-        <p:nvPicPr>
-          <p:cNvPr id="10" name="Picture 9">
-            <a:extLst>
-              <a:ext uri="{FF2B5EF4-FFF2-40B4-BE49-F238E27FC236}">
-                <a16:creationId xmlns:a16="http://schemas.microsoft.com/office/drawing/2014/main" id="{2642A87B-CAE9-4F8F-B293-28388E45D9EE}"/>
-              </a:ext>
-              <a:ext uri="{C183D7F6-B498-43B3-948B-1728B52AA6E4}">
-                <adec:decorative xmlns:adec="http://schemas.microsoft.com/office/drawing/2017/decorative" val="1"/>
-              </a:ext>
-            </a:extLst>
-          </p:cNvPr>
-          <p:cNvPicPr>
-            <a:picLocks noGrp="1" noRot="1" noChangeAspect="1" noMove="1" noResize="1" noEditPoints="1" noAdjustHandles="1" noChangeArrowheads="1" noChangeShapeType="1" noCrop="1"/>
-          </p:cNvPicPr>
-          <p:nvPr>
-            <p:extLst>
-              <p:ext uri="{386F3935-93C4-4BCD-93E2-E3B085C9AB24}">
-                <p16:designElem xmlns:p16="http://schemas.microsoft.com/office/powerpoint/2015/main" val="1"/>
-              </p:ext>
-            </p:extLst>
-          </p:nvPr>
-        </p:nvPicPr>
-        <p:blipFill>
-          <a:blip r:embed="rId2">
-            <a:alphaModFix amt="10000"/>
-            <a:extLst>
-              <a:ext uri="{28A0092B-C50C-407E-A947-70E740481C1C}">
-                <a14:useLocalDpi xmlns:a14="http://schemas.microsoft.com/office/drawing/2010/main" val="0"/>
-              </a:ext>
-            </a:extLst>
-          </a:blip>
-          <a:stretch>
-            <a:fillRect/>
-          </a:stretch>
-        </p:blipFill>
-        <p:spPr>
-          <a:xfrm>
-            <a:off x="0" y="0"/>
-            <a:ext cx="12192000" cy="6858000"/>
-          </a:xfrm>
-          <a:prstGeom prst="rect">
-            <a:avLst/>
-          </a:prstGeom>
-        </p:spPr>
-      </p:pic>
-      <p:sp>
-        <p:nvSpPr>
-          <p:cNvPr id="12" name="Rectangle 11">
-            <a:extLst>
-              <a:ext uri="{FF2B5EF4-FFF2-40B4-BE49-F238E27FC236}">
-                <a16:creationId xmlns:a16="http://schemas.microsoft.com/office/drawing/2014/main" id="{C8FA1749-B91A-40E7-AD01-0B9C9C6AF74E}"/>
-              </a:ext>
-              <a:ext uri="{C183D7F6-B498-43B3-948B-1728B52AA6E4}">
-                <adec:decorative xmlns:adec="http://schemas.microsoft.com/office/drawing/2017/decorative" val="1"/>
-              </a:ext>
-            </a:extLst>
-          </p:cNvPr>
-          <p:cNvSpPr>
-            <a:spLocks noGrp="1" noRot="1" noChangeAspect="1" noMove="1" noResize="1" noEditPoints="1" noAdjustHandles="1" noChangeArrowheads="1" noChangeShapeType="1" noTextEdit="1"/>
-          </p:cNvSpPr>
-          <p:nvPr>
-            <p:extLst>
-              <p:ext uri="{386F3935-93C4-4BCD-93E2-E3B085C9AB24}">
-                <p16:designElem xmlns:p16="http://schemas.microsoft.com/office/powerpoint/2015/main" val="1"/>
-              </p:ext>
-            </p:extLst>
-          </p:nvPr>
-        </p:nvSpPr>
-        <p:spPr>
-          <a:xfrm>
-            <a:off x="4644527" y="0"/>
-            <a:ext cx="7552944" cy="6858001"/>
-          </a:xfrm>
-          <a:prstGeom prst="rect">
-            <a:avLst/>
-          </a:prstGeom>
-          <a:solidFill>
-            <a:schemeClr val="accent1"/>
-          </a:solidFill>
-          <a:ln>
-            <a:noFill/>
-          </a:ln>
-        </p:spPr>
-        <p:style>
-          <a:lnRef idx="2">
-            <a:schemeClr val="accent1">
-              <a:shade val="50000"/>
-            </a:schemeClr>
-          </a:lnRef>
-          <a:fillRef idx="1">
-            <a:schemeClr val="accent1"/>
-          </a:fillRef>
-          <a:effectRef idx="0">
-            <a:schemeClr val="accent1"/>
-          </a:effectRef>
-          <a:fontRef idx="minor">
-            <a:schemeClr val="lt1"/>
-          </a:fontRef>
-        </p:style>
-        <p:txBody>
-          <a:bodyPr rtlCol="0" anchor="ctr"/>
-          <a:lstStyle/>
-          <a:p>
-            <a:pPr algn="ctr"/>
-            <a:endParaRPr lang="en-US"/>
-          </a:p>
-        </p:txBody>
-      </p:sp>
-      <p:pic>
-        <p:nvPicPr>
-          <p:cNvPr id="14" name="Picture 13">
-            <a:extLst>
-              <a:ext uri="{FF2B5EF4-FFF2-40B4-BE49-F238E27FC236}">
-                <a16:creationId xmlns:a16="http://schemas.microsoft.com/office/drawing/2014/main" id="{3B7A934F-FFF7-4353-83D3-4EF66E93EEF8}"/>
-              </a:ext>
-              <a:ext uri="{C183D7F6-B498-43B3-948B-1728B52AA6E4}">
-                <adec:decorative xmlns:adec="http://schemas.microsoft.com/office/drawing/2017/decorative" val="1"/>
-              </a:ext>
-            </a:extLst>
-          </p:cNvPr>
-          <p:cNvPicPr>
-            <a:picLocks noGrp="1" noRot="1" noChangeAspect="1" noMove="1" noResize="1" noEditPoints="1" noAdjustHandles="1" noChangeArrowheads="1" noChangeShapeType="1" noCrop="1"/>
-          </p:cNvPicPr>
-          <p:nvPr>
-            <p:extLst>
-              <p:ext uri="{386F3935-93C4-4BCD-93E2-E3B085C9AB24}">
-                <p16:designElem xmlns:p16="http://schemas.microsoft.com/office/powerpoint/2015/main" val="1"/>
-              </p:ext>
-            </p:extLst>
-          </p:nvPr>
-        </p:nvPicPr>
-        <p:blipFill>
-          <a:blip r:embed="rId3" cstate="print">
-            <a:extLst>
-              <a:ext uri="{28A0092B-C50C-407E-A947-70E740481C1C}">
-                <a14:useLocalDpi xmlns:a14="http://schemas.microsoft.com/office/drawing/2010/main" val="0"/>
-              </a:ext>
-            </a:extLst>
-          </a:blip>
-          <a:stretch>
-            <a:fillRect/>
-          </a:stretch>
-        </p:blipFill>
-        <p:spPr>
-          <a:xfrm>
-            <a:off x="1" y="5006045"/>
-            <a:ext cx="4965192" cy="144668"/>
-          </a:xfrm>
-          <a:prstGeom prst="rect">
-            <a:avLst/>
-          </a:prstGeom>
-        </p:spPr>
-      </p:pic>
-      <p:sp>
-        <p:nvSpPr>
-          <p:cNvPr id="16" name="Rectangle 15">
-            <a:extLst>
-              <a:ext uri="{FF2B5EF4-FFF2-40B4-BE49-F238E27FC236}">
-                <a16:creationId xmlns:a16="http://schemas.microsoft.com/office/drawing/2014/main" id="{700676C8-6DE8-47DD-9A23-D42063A12E10}"/>
-              </a:ext>
-              <a:ext uri="{C183D7F6-B498-43B3-948B-1728B52AA6E4}">
-                <adec:decorative xmlns:adec="http://schemas.microsoft.com/office/drawing/2017/decorative" val="1"/>
-              </a:ext>
-            </a:extLst>
-          </p:cNvPr>
-          <p:cNvSpPr>
-            <a:spLocks noGrp="1" noRot="1" noChangeAspect="1" noMove="1" noResize="1" noEditPoints="1" noAdjustHandles="1" noChangeArrowheads="1" noChangeShapeType="1" noTextEdit="1"/>
-          </p:cNvSpPr>
-          <p:nvPr>
-            <p:extLst>
-              <p:ext uri="{386F3935-93C4-4BCD-93E2-E3B085C9AB24}">
-                <p16:designElem xmlns:p16="http://schemas.microsoft.com/office/powerpoint/2015/main" val="1"/>
-              </p:ext>
-            </p:extLst>
-          </p:nvPr>
-        </p:nvSpPr>
-        <p:spPr>
-          <a:xfrm>
-            <a:off x="-1" y="1838764"/>
-            <a:ext cx="4964567" cy="3180473"/>
-          </a:xfrm>
-          <a:prstGeom prst="rect">
-            <a:avLst/>
-          </a:prstGeom>
-          <a:solidFill>
-            <a:srgbClr val="262626"/>
-          </a:solidFill>
-          <a:ln>
-            <a:noFill/>
-          </a:ln>
-        </p:spPr>
-        <p:style>
-          <a:lnRef idx="2">
-            <a:schemeClr val="accent1">
-              <a:shade val="50000"/>
-            </a:schemeClr>
-          </a:lnRef>
-          <a:fillRef idx="1">
-            <a:schemeClr val="accent1"/>
-          </a:fillRef>
-          <a:effectRef idx="0">
-            <a:schemeClr val="accent1"/>
-          </a:effectRef>
-          <a:fontRef idx="minor">
-            <a:schemeClr val="lt1"/>
-          </a:fontRef>
-        </p:style>
-        <p:txBody>
-          <a:bodyPr/>
-          <a:lstStyle/>
-          <a:p>
-            <a:endParaRPr lang="en-US"/>
-          </a:p>
-        </p:txBody>
-      </p:sp>
       <p:sp>
         <p:nvSpPr>
           <p:cNvPr id="2" name="Title 1">
@@ -45304,8 +43920,8 @@
         </p:nvSpPr>
         <p:spPr>
           <a:xfrm>
-            <a:off x="680321" y="2063262"/>
-            <a:ext cx="3739279" cy="2661052"/>
+            <a:off x="116959" y="661106"/>
+            <a:ext cx="6156250" cy="1412243"/>
           </a:xfrm>
         </p:spPr>
         <p:txBody>
@@ -45316,7 +43932,7 @@
           <a:p>
             <a:pPr algn="r"/>
             <a:r>
-              <a:rPr lang="en-IN" sz="4400" b="1">
+              <a:rPr lang="en-IN" b="1" dirty="0">
                 <a:solidFill>
                   <a:srgbClr val="FFFFFF"/>
                 </a:solidFill>
@@ -45324,13 +43940,13 @@
               <a:t>User Roles &amp; Permissions</a:t>
             </a:r>
             <a:br>
-              <a:rPr lang="en-IN" sz="4400" b="1">
+              <a:rPr lang="en-IN" sz="4400" b="1" dirty="0">
                 <a:solidFill>
                   <a:srgbClr val="FFFFFF"/>
                 </a:solidFill>
               </a:rPr>
             </a:br>
-            <a:endParaRPr lang="en-US" sz="4400">
+            <a:endParaRPr lang="en-US" sz="4400" dirty="0">
               <a:solidFill>
                 <a:srgbClr val="FFFFFF"/>
               </a:solidFill>
@@ -45356,25 +43972,25 @@
         </p:nvSpPr>
         <p:spPr>
           <a:xfrm>
-            <a:off x="5287995" y="661106"/>
-            <a:ext cx="6257362" cy="5503101"/>
+            <a:off x="563526" y="2402957"/>
+            <a:ext cx="10981831" cy="4263655"/>
           </a:xfrm>
         </p:spPr>
         <p:txBody>
           <a:bodyPr anchor="ctr">
-            <a:normAutofit/>
+            <a:normAutofit fontScale="85000" lnSpcReduction="20000"/>
           </a:bodyPr>
           <a:lstStyle/>
           <a:p>
             <a:r>
-              <a:rPr lang="en-IN" sz="1900" b="1">
+              <a:rPr lang="en-IN" sz="1900" b="1" dirty="0">
                 <a:solidFill>
                   <a:srgbClr val="FFFFFF"/>
                 </a:solidFill>
               </a:rPr>
               <a:t>Regular Users</a:t>
             </a:r>
-            <a:endParaRPr lang="en-IN" sz="1900">
+            <a:endParaRPr lang="en-IN" sz="1900" dirty="0">
               <a:solidFill>
                 <a:srgbClr val="FFFFFF"/>
               </a:solidFill>
@@ -45382,7 +43998,7 @@
           </a:p>
           <a:p>
             <a:r>
-              <a:rPr lang="en-IN" sz="1900">
+              <a:rPr lang="en-IN" sz="1900" dirty="0">
                 <a:solidFill>
                   <a:srgbClr val="FFFFFF"/>
                 </a:solidFill>
@@ -45392,7 +44008,7 @@
           </a:p>
           <a:p>
             <a:r>
-              <a:rPr lang="en-IN" sz="1900">
+              <a:rPr lang="en-IN" sz="1900" dirty="0">
                 <a:solidFill>
                   <a:srgbClr val="FFFFFF"/>
                 </a:solidFill>
@@ -45402,7 +44018,7 @@
           </a:p>
           <a:p>
             <a:r>
-              <a:rPr lang="en-IN" sz="1900">
+              <a:rPr lang="en-IN" sz="1900" dirty="0">
                 <a:solidFill>
                   <a:srgbClr val="FFFFFF"/>
                 </a:solidFill>
@@ -45412,7 +44028,7 @@
           </a:p>
           <a:p>
             <a:r>
-              <a:rPr lang="en-IN" sz="1900">
+              <a:rPr lang="en-IN" sz="1900" dirty="0">
                 <a:solidFill>
                   <a:srgbClr val="FFFFFF"/>
                 </a:solidFill>
@@ -45422,7 +44038,7 @@
           </a:p>
           <a:p>
             <a:r>
-              <a:rPr lang="en-IN" sz="1900">
+              <a:rPr lang="en-IN" sz="1900" dirty="0">
                 <a:solidFill>
                   <a:srgbClr val="FFFFFF"/>
                 </a:solidFill>
@@ -45432,7 +44048,7 @@
           </a:p>
           <a:p>
             <a:r>
-              <a:rPr lang="en-IN" sz="1900">
+              <a:rPr lang="en-IN" sz="1900" dirty="0">
                 <a:solidFill>
                   <a:srgbClr val="FFFFFF"/>
                 </a:solidFill>
@@ -45442,14 +44058,14 @@
           </a:p>
           <a:p>
             <a:r>
-              <a:rPr lang="en-IN" sz="1900" b="1">
+              <a:rPr lang="en-IN" sz="1900" b="1" dirty="0">
                 <a:solidFill>
                   <a:srgbClr val="FFFFFF"/>
                 </a:solidFill>
               </a:rPr>
               <a:t>Supervisors (Staff Users)</a:t>
             </a:r>
-            <a:endParaRPr lang="en-IN" sz="1900">
+            <a:endParaRPr lang="en-IN" sz="1900" dirty="0">
               <a:solidFill>
                 <a:srgbClr val="FFFFFF"/>
               </a:solidFill>
@@ -45457,7 +44073,7 @@
           </a:p>
           <a:p>
             <a:r>
-              <a:rPr lang="en-IN" sz="1900">
+              <a:rPr lang="en-IN" sz="1900" dirty="0">
                 <a:solidFill>
                   <a:srgbClr val="FFFFFF"/>
                 </a:solidFill>
@@ -45467,7 +44083,7 @@
           </a:p>
           <a:p>
             <a:r>
-              <a:rPr lang="en-IN" sz="1900">
+              <a:rPr lang="en-IN" sz="1900" dirty="0">
                 <a:solidFill>
                   <a:srgbClr val="FFFFFF"/>
                 </a:solidFill>
@@ -45477,7 +44093,7 @@
           </a:p>
           <a:p>
             <a:r>
-              <a:rPr lang="en-IN" sz="1900">
+              <a:rPr lang="en-IN" sz="1900" dirty="0">
                 <a:solidFill>
                   <a:srgbClr val="FFFFFF"/>
                 </a:solidFill>
@@ -45487,7 +44103,7 @@
           </a:p>
           <a:p>
             <a:r>
-              <a:rPr lang="en-IN" sz="1900">
+              <a:rPr lang="en-IN" sz="1900" dirty="0">
                 <a:solidFill>
                   <a:srgbClr val="FFFFFF"/>
                 </a:solidFill>
@@ -45497,7 +44113,7 @@
           </a:p>
           <a:p>
             <a:r>
-              <a:rPr lang="en-IN" sz="1900">
+              <a:rPr lang="en-IN" sz="1900" dirty="0">
                 <a:solidFill>
                   <a:srgbClr val="FFFFFF"/>
                 </a:solidFill>
@@ -45507,7 +44123,7 @@
           </a:p>
           <a:p>
             <a:r>
-              <a:rPr lang="en-IN" sz="1900">
+              <a:rPr lang="en-IN" sz="1900" dirty="0">
                 <a:solidFill>
                   <a:srgbClr val="FFFFFF"/>
                 </a:solidFill>
@@ -45516,7 +44132,7 @@
             </a:r>
           </a:p>
           <a:p>
-            <a:endParaRPr lang="en-US" sz="1900">
+            <a:endParaRPr lang="en-US" sz="1900" dirty="0">
               <a:solidFill>
                 <a:srgbClr val="FFFFFF"/>
               </a:solidFill>
@@ -45537,7 +44153,7 @@
 </p:sld>
 </file>
 
-<file path=ppt/slides/slide14.xml><?xml version="1.0" encoding="utf-8"?>
+<file path=ppt/slides/slide13.xml><?xml version="1.0" encoding="utf-8"?>
 <p:sld xmlns:a="http://schemas.openxmlformats.org/drawingml/2006/main" xmlns:r="http://schemas.openxmlformats.org/officeDocument/2006/relationships" xmlns:p="http://schemas.openxmlformats.org/presentationml/2006/main">
   <p:cSld>
     <p:bg>
@@ -45633,7 +44249,7 @@
 </p:sld>
 </file>
 
-<file path=ppt/slides/slide15.xml><?xml version="1.0" encoding="utf-8"?>
+<file path=ppt/slides/slide14.xml><?xml version="1.0" encoding="utf-8"?>
 <p:sld xmlns:a="http://schemas.openxmlformats.org/drawingml/2006/main" xmlns:r="http://schemas.openxmlformats.org/officeDocument/2006/relationships" xmlns:p="http://schemas.openxmlformats.org/presentationml/2006/main">
   <p:cSld>
     <p:bg>
@@ -45685,282 +44301,6 @@
           <a:chExt cx="0" cy="0"/>
         </a:xfrm>
       </p:grpSpPr>
-      <p:sp useBgFill="1">
-        <p:nvSpPr>
-          <p:cNvPr id="8" name="Rectangle 7">
-            <a:extLst>
-              <a:ext uri="{FF2B5EF4-FFF2-40B4-BE49-F238E27FC236}">
-                <a16:creationId xmlns:a16="http://schemas.microsoft.com/office/drawing/2014/main" id="{4B0FA309-807F-4C17-98EF-A3BA7388E213}"/>
-              </a:ext>
-              <a:ext uri="{C183D7F6-B498-43B3-948B-1728B52AA6E4}">
-                <adec:decorative xmlns:adec="http://schemas.microsoft.com/office/drawing/2017/decorative" val="1"/>
-              </a:ext>
-            </a:extLst>
-          </p:cNvPr>
-          <p:cNvSpPr>
-            <a:spLocks noGrp="1" noRot="1" noChangeAspect="1" noMove="1" noResize="1" noEditPoints="1" noAdjustHandles="1" noChangeArrowheads="1" noChangeShapeType="1" noTextEdit="1"/>
-          </p:cNvSpPr>
-          <p:nvPr>
-            <p:extLst>
-              <p:ext uri="{386F3935-93C4-4BCD-93E2-E3B085C9AB24}">
-                <p16:designElem xmlns:p16="http://schemas.microsoft.com/office/powerpoint/2015/main" val="1"/>
-              </p:ext>
-            </p:extLst>
-          </p:nvPr>
-        </p:nvSpPr>
-        <p:spPr>
-          <a:xfrm>
-            <a:off x="0" y="0"/>
-            <a:ext cx="12188824" cy="6858000"/>
-          </a:xfrm>
-          <a:prstGeom prst="rect">
-            <a:avLst/>
-          </a:prstGeom>
-          <a:ln>
-            <a:noFill/>
-          </a:ln>
-        </p:spPr>
-        <p:style>
-          <a:lnRef idx="2">
-            <a:schemeClr val="accent1">
-              <a:shade val="50000"/>
-            </a:schemeClr>
-          </a:lnRef>
-          <a:fillRef idx="1">
-            <a:schemeClr val="accent1"/>
-          </a:fillRef>
-          <a:effectRef idx="0">
-            <a:schemeClr val="accent1"/>
-          </a:effectRef>
-          <a:fontRef idx="minor">
-            <a:schemeClr val="lt1"/>
-          </a:fontRef>
-        </p:style>
-        <p:txBody>
-          <a:bodyPr rtlCol="0" anchor="ctr"/>
-          <a:lstStyle/>
-          <a:p>
-            <a:pPr algn="ctr"/>
-            <a:endParaRPr lang="en-US"/>
-          </a:p>
-        </p:txBody>
-      </p:sp>
-      <p:pic>
-        <p:nvPicPr>
-          <p:cNvPr id="10" name="Picture 9">
-            <a:extLst>
-              <a:ext uri="{FF2B5EF4-FFF2-40B4-BE49-F238E27FC236}">
-                <a16:creationId xmlns:a16="http://schemas.microsoft.com/office/drawing/2014/main" id="{2642A87B-CAE9-4F8F-B293-28388E45D9EE}"/>
-              </a:ext>
-              <a:ext uri="{C183D7F6-B498-43B3-948B-1728B52AA6E4}">
-                <adec:decorative xmlns:adec="http://schemas.microsoft.com/office/drawing/2017/decorative" val="1"/>
-              </a:ext>
-            </a:extLst>
-          </p:cNvPr>
-          <p:cNvPicPr>
-            <a:picLocks noGrp="1" noRot="1" noChangeAspect="1" noMove="1" noResize="1" noEditPoints="1" noAdjustHandles="1" noChangeArrowheads="1" noChangeShapeType="1" noCrop="1"/>
-          </p:cNvPicPr>
-          <p:nvPr>
-            <p:extLst>
-              <p:ext uri="{386F3935-93C4-4BCD-93E2-E3B085C9AB24}">
-                <p16:designElem xmlns:p16="http://schemas.microsoft.com/office/powerpoint/2015/main" val="1"/>
-              </p:ext>
-            </p:extLst>
-          </p:nvPr>
-        </p:nvPicPr>
-        <p:blipFill>
-          <a:blip r:embed="rId2">
-            <a:alphaModFix amt="10000"/>
-            <a:extLst>
-              <a:ext uri="{28A0092B-C50C-407E-A947-70E740481C1C}">
-                <a14:useLocalDpi xmlns:a14="http://schemas.microsoft.com/office/drawing/2010/main" val="0"/>
-              </a:ext>
-            </a:extLst>
-          </a:blip>
-          <a:stretch>
-            <a:fillRect/>
-          </a:stretch>
-        </p:blipFill>
-        <p:spPr>
-          <a:xfrm>
-            <a:off x="0" y="0"/>
-            <a:ext cx="12192000" cy="6858000"/>
-          </a:xfrm>
-          <a:prstGeom prst="rect">
-            <a:avLst/>
-          </a:prstGeom>
-        </p:spPr>
-      </p:pic>
-      <p:sp>
-        <p:nvSpPr>
-          <p:cNvPr id="12" name="Rectangle 11">
-            <a:extLst>
-              <a:ext uri="{FF2B5EF4-FFF2-40B4-BE49-F238E27FC236}">
-                <a16:creationId xmlns:a16="http://schemas.microsoft.com/office/drawing/2014/main" id="{C8FA1749-B91A-40E7-AD01-0B9C9C6AF74E}"/>
-              </a:ext>
-              <a:ext uri="{C183D7F6-B498-43B3-948B-1728B52AA6E4}">
-                <adec:decorative xmlns:adec="http://schemas.microsoft.com/office/drawing/2017/decorative" val="1"/>
-              </a:ext>
-            </a:extLst>
-          </p:cNvPr>
-          <p:cNvSpPr>
-            <a:spLocks noGrp="1" noRot="1" noChangeAspect="1" noMove="1" noResize="1" noEditPoints="1" noAdjustHandles="1" noChangeArrowheads="1" noChangeShapeType="1" noTextEdit="1"/>
-          </p:cNvSpPr>
-          <p:nvPr>
-            <p:extLst>
-              <p:ext uri="{386F3935-93C4-4BCD-93E2-E3B085C9AB24}">
-                <p16:designElem xmlns:p16="http://schemas.microsoft.com/office/powerpoint/2015/main" val="1"/>
-              </p:ext>
-            </p:extLst>
-          </p:nvPr>
-        </p:nvSpPr>
-        <p:spPr>
-          <a:xfrm>
-            <a:off x="4644527" y="0"/>
-            <a:ext cx="7552944" cy="6858001"/>
-          </a:xfrm>
-          <a:prstGeom prst="rect">
-            <a:avLst/>
-          </a:prstGeom>
-          <a:solidFill>
-            <a:schemeClr val="accent1"/>
-          </a:solidFill>
-          <a:ln>
-            <a:noFill/>
-          </a:ln>
-        </p:spPr>
-        <p:style>
-          <a:lnRef idx="2">
-            <a:schemeClr val="accent1">
-              <a:shade val="50000"/>
-            </a:schemeClr>
-          </a:lnRef>
-          <a:fillRef idx="1">
-            <a:schemeClr val="accent1"/>
-          </a:fillRef>
-          <a:effectRef idx="0">
-            <a:schemeClr val="accent1"/>
-          </a:effectRef>
-          <a:fontRef idx="minor">
-            <a:schemeClr val="lt1"/>
-          </a:fontRef>
-        </p:style>
-        <p:txBody>
-          <a:bodyPr rtlCol="0" anchor="ctr"/>
-          <a:lstStyle/>
-          <a:p>
-            <a:pPr algn="ctr"/>
-            <a:endParaRPr lang="en-US"/>
-          </a:p>
-        </p:txBody>
-      </p:sp>
-      <p:pic>
-        <p:nvPicPr>
-          <p:cNvPr id="14" name="Picture 13">
-            <a:extLst>
-              <a:ext uri="{FF2B5EF4-FFF2-40B4-BE49-F238E27FC236}">
-                <a16:creationId xmlns:a16="http://schemas.microsoft.com/office/drawing/2014/main" id="{3B7A934F-FFF7-4353-83D3-4EF66E93EEF8}"/>
-              </a:ext>
-              <a:ext uri="{C183D7F6-B498-43B3-948B-1728B52AA6E4}">
-                <adec:decorative xmlns:adec="http://schemas.microsoft.com/office/drawing/2017/decorative" val="1"/>
-              </a:ext>
-            </a:extLst>
-          </p:cNvPr>
-          <p:cNvPicPr>
-            <a:picLocks noGrp="1" noRot="1" noChangeAspect="1" noMove="1" noResize="1" noEditPoints="1" noAdjustHandles="1" noChangeArrowheads="1" noChangeShapeType="1" noCrop="1"/>
-          </p:cNvPicPr>
-          <p:nvPr>
-            <p:extLst>
-              <p:ext uri="{386F3935-93C4-4BCD-93E2-E3B085C9AB24}">
-                <p16:designElem xmlns:p16="http://schemas.microsoft.com/office/powerpoint/2015/main" val="1"/>
-              </p:ext>
-            </p:extLst>
-          </p:nvPr>
-        </p:nvPicPr>
-        <p:blipFill>
-          <a:blip r:embed="rId3" cstate="print">
-            <a:extLst>
-              <a:ext uri="{28A0092B-C50C-407E-A947-70E740481C1C}">
-                <a14:useLocalDpi xmlns:a14="http://schemas.microsoft.com/office/drawing/2010/main" val="0"/>
-              </a:ext>
-            </a:extLst>
-          </a:blip>
-          <a:stretch>
-            <a:fillRect/>
-          </a:stretch>
-        </p:blipFill>
-        <p:spPr>
-          <a:xfrm>
-            <a:off x="1" y="5006045"/>
-            <a:ext cx="4965192" cy="144668"/>
-          </a:xfrm>
-          <a:prstGeom prst="rect">
-            <a:avLst/>
-          </a:prstGeom>
-        </p:spPr>
-      </p:pic>
-      <p:sp>
-        <p:nvSpPr>
-          <p:cNvPr id="16" name="Rectangle 15">
-            <a:extLst>
-              <a:ext uri="{FF2B5EF4-FFF2-40B4-BE49-F238E27FC236}">
-                <a16:creationId xmlns:a16="http://schemas.microsoft.com/office/drawing/2014/main" id="{700676C8-6DE8-47DD-9A23-D42063A12E10}"/>
-              </a:ext>
-              <a:ext uri="{C183D7F6-B498-43B3-948B-1728B52AA6E4}">
-                <adec:decorative xmlns:adec="http://schemas.microsoft.com/office/drawing/2017/decorative" val="1"/>
-              </a:ext>
-            </a:extLst>
-          </p:cNvPr>
-          <p:cNvSpPr>
-            <a:spLocks noGrp="1" noRot="1" noChangeAspect="1" noMove="1" noResize="1" noEditPoints="1" noAdjustHandles="1" noChangeArrowheads="1" noChangeShapeType="1" noTextEdit="1"/>
-          </p:cNvSpPr>
-          <p:nvPr>
-            <p:extLst>
-              <p:ext uri="{386F3935-93C4-4BCD-93E2-E3B085C9AB24}">
-                <p16:designElem xmlns:p16="http://schemas.microsoft.com/office/powerpoint/2015/main" val="1"/>
-              </p:ext>
-            </p:extLst>
-          </p:nvPr>
-        </p:nvSpPr>
-        <p:spPr>
-          <a:xfrm>
-            <a:off x="-1" y="1838764"/>
-            <a:ext cx="4964567" cy="3180473"/>
-          </a:xfrm>
-          <a:prstGeom prst="rect">
-            <a:avLst/>
-          </a:prstGeom>
-          <a:solidFill>
-            <a:srgbClr val="262626"/>
-          </a:solidFill>
-          <a:ln>
-            <a:noFill/>
-          </a:ln>
-        </p:spPr>
-        <p:style>
-          <a:lnRef idx="2">
-            <a:schemeClr val="accent1">
-              <a:shade val="50000"/>
-            </a:schemeClr>
-          </a:lnRef>
-          <a:fillRef idx="1">
-            <a:schemeClr val="accent1"/>
-          </a:fillRef>
-          <a:effectRef idx="0">
-            <a:schemeClr val="accent1"/>
-          </a:effectRef>
-          <a:fontRef idx="minor">
-            <a:schemeClr val="lt1"/>
-          </a:fontRef>
-        </p:style>
-        <p:txBody>
-          <a:bodyPr/>
-          <a:lstStyle/>
-          <a:p>
-            <a:endParaRPr lang="en-US"/>
-          </a:p>
-        </p:txBody>
-      </p:sp>
       <p:sp>
         <p:nvSpPr>
           <p:cNvPr id="2" name="Title 1">
@@ -45979,8 +44319,8 @@
         </p:nvSpPr>
         <p:spPr>
           <a:xfrm>
-            <a:off x="680321" y="2063262"/>
-            <a:ext cx="3739279" cy="2661052"/>
+            <a:off x="680321" y="661106"/>
+            <a:ext cx="3739279" cy="1284652"/>
           </a:xfrm>
         </p:spPr>
         <p:txBody>
@@ -45991,14 +44331,14 @@
           <a:p>
             <a:pPr algn="r"/>
             <a:r>
-              <a:rPr lang="en-IN" sz="3700">
+              <a:rPr lang="en-IN" sz="3700" dirty="0">
                 <a:solidFill>
                   <a:srgbClr val="FFFFFF"/>
                 </a:solidFill>
               </a:rPr>
               <a:t>Implementation Plan</a:t>
             </a:r>
-            <a:endParaRPr lang="en-US" sz="3700">
+            <a:endParaRPr lang="en-US" sz="3700" dirty="0">
               <a:solidFill>
                 <a:srgbClr val="FFFFFF"/>
               </a:solidFill>
@@ -46024,18 +44364,18 @@
         </p:nvSpPr>
         <p:spPr>
           <a:xfrm>
-            <a:off x="5287995" y="661106"/>
-            <a:ext cx="6257362" cy="5503101"/>
+            <a:off x="499729" y="2275367"/>
+            <a:ext cx="11045627" cy="4338083"/>
           </a:xfrm>
         </p:spPr>
         <p:txBody>
           <a:bodyPr anchor="ctr">
-            <a:normAutofit/>
+            <a:normAutofit fontScale="85000" lnSpcReduction="20000"/>
           </a:bodyPr>
           <a:lstStyle/>
           <a:p>
             <a:r>
-              <a:rPr lang="en-IN" sz="1700" b="1">
+              <a:rPr lang="en-IN" sz="1700" b="1" dirty="0">
                 <a:solidFill>
                   <a:srgbClr val="FFFFFF"/>
                 </a:solidFill>
@@ -46045,7 +44385,7 @@
           </a:p>
           <a:p>
             <a:r>
-              <a:rPr lang="en-IN" sz="1700" b="1">
+              <a:rPr lang="en-IN" sz="1700" b="1" dirty="0">
                 <a:solidFill>
                   <a:srgbClr val="FFFFFF"/>
                 </a:solidFill>
@@ -46055,7 +44395,7 @@
           </a:p>
           <a:p>
             <a:r>
-              <a:rPr lang="en-IN" sz="1700">
+              <a:rPr lang="en-IN" sz="1700" dirty="0">
                 <a:solidFill>
                   <a:srgbClr val="FFFFFF"/>
                 </a:solidFill>
@@ -46065,7 +44405,7 @@
           </a:p>
           <a:p>
             <a:r>
-              <a:rPr lang="en-IN" sz="1700">
+              <a:rPr lang="en-IN" sz="1700" dirty="0">
                 <a:solidFill>
                   <a:srgbClr val="FFFFFF"/>
                 </a:solidFill>
@@ -46075,7 +44415,7 @@
           </a:p>
           <a:p>
             <a:r>
-              <a:rPr lang="en-IN" sz="1700">
+              <a:rPr lang="en-IN" sz="1700" dirty="0">
                 <a:solidFill>
                   <a:srgbClr val="FFFFFF"/>
                 </a:solidFill>
@@ -46085,7 +44425,7 @@
           </a:p>
           <a:p>
             <a:r>
-              <a:rPr lang="en-IN" sz="1700" b="1">
+              <a:rPr lang="en-IN" sz="1700" b="1" dirty="0">
                 <a:solidFill>
                   <a:srgbClr val="FFFFFF"/>
                 </a:solidFill>
@@ -46095,7 +44435,7 @@
           </a:p>
           <a:p>
             <a:r>
-              <a:rPr lang="en-IN" sz="1700">
+              <a:rPr lang="en-IN" sz="1700" dirty="0">
                 <a:solidFill>
                   <a:srgbClr val="FFFFFF"/>
                 </a:solidFill>
@@ -46105,7 +44445,7 @@
           </a:p>
           <a:p>
             <a:r>
-              <a:rPr lang="en-IN" sz="1700">
+              <a:rPr lang="en-IN" sz="1700" dirty="0">
                 <a:solidFill>
                   <a:srgbClr val="FFFFFF"/>
                 </a:solidFill>
@@ -46115,7 +44455,7 @@
           </a:p>
           <a:p>
             <a:r>
-              <a:rPr lang="en-IN" sz="1700">
+              <a:rPr lang="en-IN" sz="1700" dirty="0">
                 <a:solidFill>
                   <a:srgbClr val="FFFFFF"/>
                 </a:solidFill>
@@ -46125,7 +44465,7 @@
           </a:p>
           <a:p>
             <a:r>
-              <a:rPr lang="en-IN" sz="1700">
+              <a:rPr lang="en-IN" sz="1700" dirty="0">
                 <a:solidFill>
                   <a:srgbClr val="FFFFFF"/>
                 </a:solidFill>
@@ -46135,7 +44475,7 @@
           </a:p>
           <a:p>
             <a:r>
-              <a:rPr lang="en-IN" sz="1700" b="1">
+              <a:rPr lang="en-IN" sz="1700" b="1" dirty="0">
                 <a:solidFill>
                   <a:srgbClr val="FFFFFF"/>
                 </a:solidFill>
@@ -46145,7 +44485,7 @@
           </a:p>
           <a:p>
             <a:r>
-              <a:rPr lang="en-IN" sz="1700">
+              <a:rPr lang="en-IN" sz="1700" dirty="0">
                 <a:solidFill>
                   <a:srgbClr val="FFFFFF"/>
                 </a:solidFill>
@@ -46155,17 +44495,25 @@
           </a:p>
           <a:p>
             <a:r>
-              <a:rPr lang="en-IN" sz="1700">
+              <a:rPr lang="en-IN" sz="1700" dirty="0" err="1">
                 <a:solidFill>
                   <a:srgbClr val="FFFFFF"/>
                 </a:solidFill>
               </a:rPr>
-              <a:t>Glassmorphism styling</a:t>
+              <a:t>Glassmorphism</a:t>
+            </a:r>
+            <a:r>
+              <a:rPr lang="en-IN" sz="1700" dirty="0">
+                <a:solidFill>
+                  <a:srgbClr val="FFFFFF"/>
+                </a:solidFill>
+              </a:rPr>
+              <a:t> styling</a:t>
             </a:r>
           </a:p>
           <a:p>
             <a:r>
-              <a:rPr lang="en-IN" sz="1700">
+              <a:rPr lang="en-IN" sz="1700" dirty="0">
                 <a:solidFill>
                   <a:srgbClr val="FFFFFF"/>
                 </a:solidFill>
@@ -46175,7 +44523,7 @@
           </a:p>
           <a:p>
             <a:r>
-              <a:rPr lang="en-IN" sz="1700">
+              <a:rPr lang="en-IN" sz="1700" dirty="0">
                 <a:solidFill>
                   <a:srgbClr val="FFFFFF"/>
                 </a:solidFill>
@@ -46184,7 +44532,7 @@
             </a:r>
           </a:p>
           <a:p>
-            <a:endParaRPr lang="en-US" sz="1700">
+            <a:endParaRPr lang="en-US" sz="1700" dirty="0">
               <a:solidFill>
                 <a:srgbClr val="FFFFFF"/>
               </a:solidFill>
@@ -46205,7 +44553,7 @@
 </p:sld>
 </file>
 
-<file path=ppt/slides/slide16.xml><?xml version="1.0" encoding="utf-8"?>
+<file path=ppt/slides/slide15.xml><?xml version="1.0" encoding="utf-8"?>
 <p:sld xmlns:a="http://schemas.openxmlformats.org/drawingml/2006/main" xmlns:r="http://schemas.openxmlformats.org/officeDocument/2006/relationships" xmlns:p="http://schemas.openxmlformats.org/presentationml/2006/main">
   <p:cSld>
     <p:bg>
@@ -46301,7 +44649,7 @@
 </p:sld>
 </file>
 
-<file path=ppt/slides/slide17.xml><?xml version="1.0" encoding="utf-8"?>
+<file path=ppt/slides/slide16.xml><?xml version="1.0" encoding="utf-8"?>
 <p:sld xmlns:a="http://schemas.openxmlformats.org/drawingml/2006/main" xmlns:r="http://schemas.openxmlformats.org/officeDocument/2006/relationships" xmlns:p="http://schemas.openxmlformats.org/presentationml/2006/main">
   <p:cSld>
     <p:bg>
@@ -46377,10 +44725,10 @@
           <a:lstStyle/>
           <a:p>
             <a:r>
-              <a:rPr lang="en-IN" dirty="0"/>
+              <a:rPr lang="en-IN" sz="3200" dirty="0"/>
               <a:t>Risk Management</a:t>
             </a:r>
-            <a:endParaRPr lang="en-US" dirty="0"/>
+            <a:endParaRPr lang="en-US" sz="3200" dirty="0"/>
           </a:p>
         </p:txBody>
       </p:sp>
@@ -46428,7 +44776,7 @@
 </p:sld>
 </file>
 
-<file path=ppt/slides/slide18.xml><?xml version="1.0" encoding="utf-8"?>
+<file path=ppt/slides/slide17.xml><?xml version="1.0" encoding="utf-8"?>
 <p:sld xmlns:a="http://schemas.openxmlformats.org/drawingml/2006/main" xmlns:r="http://schemas.openxmlformats.org/officeDocument/2006/relationships" xmlns:p="http://schemas.openxmlformats.org/presentationml/2006/main">
   <p:cSld>
     <p:bg>
@@ -46498,8 +44846,8 @@
         </p:nvSpPr>
         <p:spPr>
           <a:xfrm>
-            <a:off x="680321" y="2063262"/>
-            <a:ext cx="3739279" cy="2661052"/>
+            <a:off x="297713" y="552893"/>
+            <a:ext cx="2158408" cy="1435395"/>
           </a:xfrm>
         </p:spPr>
         <p:txBody>
@@ -46510,14 +44858,14 @@
           <a:p>
             <a:pPr algn="r"/>
             <a:r>
-              <a:rPr lang="en-IN" sz="4400">
+              <a:rPr lang="en-IN" sz="3200" dirty="0">
                 <a:solidFill>
                   <a:srgbClr val="FFFFFF"/>
                 </a:solidFill>
               </a:rPr>
               <a:t>Conclusion</a:t>
             </a:r>
-            <a:endParaRPr lang="en-US" sz="4400">
+            <a:endParaRPr lang="en-US" sz="3200" dirty="0">
               <a:solidFill>
                 <a:srgbClr val="FFFFFF"/>
               </a:solidFill>
@@ -46543,18 +44891,18 @@
         </p:nvSpPr>
         <p:spPr>
           <a:xfrm>
-            <a:off x="5287995" y="661106"/>
-            <a:ext cx="6257362" cy="5503101"/>
+            <a:off x="871871" y="2371060"/>
+            <a:ext cx="9027042" cy="4284922"/>
           </a:xfrm>
         </p:spPr>
         <p:txBody>
           <a:bodyPr anchor="ctr">
-            <a:normAutofit/>
+            <a:normAutofit fontScale="92500" lnSpcReduction="20000"/>
           </a:bodyPr>
           <a:lstStyle/>
           <a:p>
             <a:r>
-              <a:rPr lang="en-IN" sz="2000" b="1">
+              <a:rPr lang="en-IN" sz="2000" b="1" dirty="0">
                 <a:solidFill>
                   <a:srgbClr val="FFFFFF"/>
                 </a:solidFill>
@@ -46564,7 +44912,7 @@
           </a:p>
           <a:p>
             <a:r>
-              <a:rPr lang="en-IN" sz="2000">
+              <a:rPr lang="en-IN" sz="2000" dirty="0">
                 <a:solidFill>
                   <a:srgbClr val="FFFFFF"/>
                 </a:solidFill>
@@ -46574,7 +44922,7 @@
           </a:p>
           <a:p>
             <a:r>
-              <a:rPr lang="en-IN" sz="2000">
+              <a:rPr lang="en-IN" sz="2000" dirty="0">
                 <a:solidFill>
                   <a:srgbClr val="FFFFFF"/>
                 </a:solidFill>
@@ -46584,7 +44932,7 @@
           </a:p>
           <a:p>
             <a:r>
-              <a:rPr lang="en-IN" sz="2000">
+              <a:rPr lang="en-IN" sz="2000" dirty="0">
                 <a:solidFill>
                   <a:srgbClr val="FFFFFF"/>
                 </a:solidFill>
@@ -46594,7 +44942,7 @@
           </a:p>
           <a:p>
             <a:r>
-              <a:rPr lang="en-IN" sz="2000">
+              <a:rPr lang="en-IN" sz="2000" dirty="0">
                 <a:solidFill>
                   <a:srgbClr val="FFFFFF"/>
                 </a:solidFill>
@@ -46604,7 +44952,7 @@
           </a:p>
           <a:p>
             <a:r>
-              <a:rPr lang="en-IN" sz="2000">
+              <a:rPr lang="en-IN" sz="2000" dirty="0">
                 <a:solidFill>
                   <a:srgbClr val="FFFFFF"/>
                 </a:solidFill>
@@ -46614,7 +44962,7 @@
           </a:p>
           <a:p>
             <a:r>
-              <a:rPr lang="en-IN" sz="2000">
+              <a:rPr lang="en-IN" sz="2000" dirty="0">
                 <a:solidFill>
                   <a:srgbClr val="FFFFFF"/>
                 </a:solidFill>
@@ -46624,13 +44972,13 @@
           </a:p>
           <a:p>
             <a:br>
-              <a:rPr lang="en-IN" sz="2000">
+              <a:rPr lang="en-IN" sz="2000" dirty="0">
                 <a:solidFill>
                   <a:srgbClr val="FFFFFF"/>
                 </a:solidFill>
               </a:rPr>
             </a:br>
-            <a:endParaRPr lang="en-IN" sz="2000">
+            <a:endParaRPr lang="en-IN" sz="2000" dirty="0">
               <a:solidFill>
                 <a:srgbClr val="FFFFFF"/>
               </a:solidFill>
@@ -46638,7 +44986,7 @@
           </a:p>
           <a:p>
             <a:r>
-              <a:rPr lang="en-IN" sz="2000" b="1">
+              <a:rPr lang="en-IN" sz="2000" b="1" dirty="0">
                 <a:solidFill>
                   <a:srgbClr val="FFFFFF"/>
                 </a:solidFill>
@@ -46648,7 +44996,7 @@
           </a:p>
           <a:p>
             <a:r>
-              <a:rPr lang="en-IN" sz="2000">
+              <a:rPr lang="en-IN" sz="2000" dirty="0">
                 <a:solidFill>
                   <a:srgbClr val="FFFFFF"/>
                 </a:solidFill>
@@ -46658,7 +45006,7 @@
           </a:p>
           <a:p>
             <a:r>
-              <a:rPr lang="en-IN" sz="2000">
+              <a:rPr lang="en-IN" sz="2000" dirty="0">
                 <a:solidFill>
                   <a:srgbClr val="FFFFFF"/>
                 </a:solidFill>
@@ -46668,7 +45016,7 @@
           </a:p>
           <a:p>
             <a:r>
-              <a:rPr lang="en-IN" sz="2000">
+              <a:rPr lang="en-IN" sz="2000" dirty="0">
                 <a:solidFill>
                   <a:srgbClr val="FFFFFF"/>
                 </a:solidFill>
@@ -46677,7 +45025,7 @@
             </a:r>
           </a:p>
           <a:p>
-            <a:endParaRPr lang="en-US" sz="2000">
+            <a:endParaRPr lang="en-US" sz="2000" dirty="0">
               <a:solidFill>
                 <a:srgbClr val="FFFFFF"/>
               </a:solidFill>
@@ -46698,7 +45046,7 @@
 </p:sld>
 </file>
 
-<file path=ppt/slides/slide19.xml><?xml version="1.0" encoding="utf-8"?>
+<file path=ppt/slides/slide18.xml><?xml version="1.0" encoding="utf-8"?>
 <p:sld xmlns:a="http://schemas.openxmlformats.org/drawingml/2006/main" xmlns:r="http://schemas.openxmlformats.org/officeDocument/2006/relationships" xmlns:p="http://schemas.openxmlformats.org/presentationml/2006/main">
   <p:cSld>
     <p:bg>
@@ -46768,18 +45116,18 @@
         </p:nvSpPr>
         <p:spPr>
           <a:xfrm>
-            <a:off x="5287995" y="661106"/>
-            <a:ext cx="6257362" cy="5503101"/>
+            <a:off x="393406" y="2094614"/>
+            <a:ext cx="11151952" cy="4763386"/>
           </a:xfrm>
         </p:spPr>
         <p:txBody>
           <a:bodyPr anchor="ctr">
-            <a:normAutofit/>
+            <a:normAutofit fontScale="92500" lnSpcReduction="20000"/>
           </a:bodyPr>
           <a:lstStyle/>
           <a:p>
             <a:r>
-              <a:rPr lang="en-IN" sz="1600" b="1">
+              <a:rPr lang="en-IN" sz="1600" b="1" dirty="0">
                 <a:solidFill>
                   <a:srgbClr val="FFFFFF"/>
                 </a:solidFill>
@@ -46789,7 +45137,7 @@
           </a:p>
           <a:p>
             <a:r>
-              <a:rPr lang="en-IN" sz="1600">
+              <a:rPr lang="en-IN" sz="1600" dirty="0">
                 <a:solidFill>
                   <a:srgbClr val="FFFFFF"/>
                 </a:solidFill>
@@ -46799,7 +45147,7 @@
           </a:p>
           <a:p>
             <a:r>
-              <a:rPr lang="en-IN" sz="1600">
+              <a:rPr lang="en-IN" sz="1600" dirty="0">
                 <a:solidFill>
                   <a:srgbClr val="FFFFFF"/>
                 </a:solidFill>
@@ -46809,7 +45157,7 @@
           </a:p>
           <a:p>
             <a:r>
-              <a:rPr lang="en-IN" sz="1600">
+              <a:rPr lang="en-IN" sz="1600" dirty="0">
                 <a:solidFill>
                   <a:srgbClr val="FFFFFF"/>
                 </a:solidFill>
@@ -46819,7 +45167,7 @@
           </a:p>
           <a:p>
             <a:r>
-              <a:rPr lang="en-IN" sz="1600">
+              <a:rPr lang="en-IN" sz="1600" dirty="0">
                 <a:solidFill>
                   <a:srgbClr val="FFFFFF"/>
                 </a:solidFill>
@@ -46829,13 +45177,13 @@
           </a:p>
           <a:p>
             <a:br>
-              <a:rPr lang="en-IN" sz="1600">
+              <a:rPr lang="en-IN" sz="1600" dirty="0">
                 <a:solidFill>
                   <a:srgbClr val="FFFFFF"/>
                 </a:solidFill>
               </a:rPr>
             </a:br>
-            <a:endParaRPr lang="en-IN" sz="1600">
+            <a:endParaRPr lang="en-IN" sz="1600" dirty="0">
               <a:solidFill>
                 <a:srgbClr val="FFFFFF"/>
               </a:solidFill>
@@ -46843,17 +45191,30 @@
           </a:p>
           <a:p>
             <a:r>
-              <a:rPr lang="en-IN" sz="1600" b="1">
+              <a:rPr lang="en-IN" sz="1600" b="1" dirty="0">
                 <a:solidFill>
                   <a:srgbClr val="FFFFFF"/>
                 </a:solidFill>
               </a:rPr>
-              <a:t>Project Kickoff</a:t>
+              <a:t>Project </a:t>
             </a:r>
+            <a:r>
+              <a:rPr lang="en-IN" sz="1600" b="1" dirty="0" err="1">
+                <a:solidFill>
+                  <a:srgbClr val="FFFFFF"/>
+                </a:solidFill>
+              </a:rPr>
+              <a:t>Kickoff</a:t>
+            </a:r>
+            <a:endParaRPr lang="en-IN" sz="1600" b="1" dirty="0">
+              <a:solidFill>
+                <a:srgbClr val="FFFFFF"/>
+              </a:solidFill>
+            </a:endParaRPr>
           </a:p>
           <a:p>
             <a:r>
-              <a:rPr lang="en-IN" sz="1600">
+              <a:rPr lang="en-IN" sz="1600" dirty="0">
                 <a:solidFill>
                   <a:srgbClr val="FFFFFF"/>
                 </a:solidFill>
@@ -46863,7 +45224,7 @@
           </a:p>
           <a:p>
             <a:r>
-              <a:rPr lang="en-IN" sz="1600">
+              <a:rPr lang="en-IN" sz="1600" dirty="0">
                 <a:solidFill>
                   <a:srgbClr val="FFFFFF"/>
                 </a:solidFill>
@@ -46873,7 +45234,7 @@
           </a:p>
           <a:p>
             <a:r>
-              <a:rPr lang="en-IN" sz="1600">
+              <a:rPr lang="en-IN" sz="1600" dirty="0">
                 <a:solidFill>
                   <a:srgbClr val="FFFFFF"/>
                 </a:solidFill>
@@ -46883,7 +45244,7 @@
           </a:p>
           <a:p>
             <a:r>
-              <a:rPr lang="en-IN" sz="1600">
+              <a:rPr lang="en-IN" sz="1600" dirty="0">
                 <a:solidFill>
                   <a:srgbClr val="FFFFFF"/>
                 </a:solidFill>
@@ -46893,7 +45254,7 @@
           </a:p>
           <a:p>
             <a:r>
-              <a:rPr lang="en-IN" sz="1600">
+              <a:rPr lang="en-IN" sz="1600" dirty="0">
                 <a:solidFill>
                   <a:srgbClr val="FFFFFF"/>
                 </a:solidFill>
@@ -46903,7 +45264,7 @@
           </a:p>
           <a:p>
             <a:r>
-              <a:rPr lang="en-IN" sz="1600">
+              <a:rPr lang="en-IN" sz="1600" dirty="0">
                 <a:solidFill>
                   <a:srgbClr val="FFFFFF"/>
                 </a:solidFill>
@@ -46913,7 +45274,7 @@
           </a:p>
           <a:p>
             <a:r>
-              <a:rPr lang="en-IN" sz="1600">
+              <a:rPr lang="en-IN" sz="1600" dirty="0">
                 <a:solidFill>
                   <a:srgbClr val="FFFFFF"/>
                 </a:solidFill>
@@ -46923,7 +45284,7 @@
           </a:p>
           <a:p>
             <a:r>
-              <a:rPr lang="en-IN" sz="1600">
+              <a:rPr lang="en-IN" sz="1600" dirty="0">
                 <a:solidFill>
                   <a:srgbClr val="FFFFFF"/>
                 </a:solidFill>
@@ -46932,7 +45293,7 @@
             </a:r>
           </a:p>
           <a:p>
-            <a:endParaRPr lang="en-US" sz="1600">
+            <a:endParaRPr lang="en-US" sz="1600" dirty="0">
               <a:solidFill>
                 <a:srgbClr val="FFFFFF"/>
               </a:solidFill>
@@ -46953,139 +45314,7 @@
 </p:sld>
 </file>
 
-<file path=ppt/slides/slide2.xml><?xml version="1.0" encoding="utf-8"?>
-<p:sld xmlns:a="http://schemas.openxmlformats.org/drawingml/2006/main" xmlns:r="http://schemas.openxmlformats.org/officeDocument/2006/relationships" xmlns:p="http://schemas.openxmlformats.org/presentationml/2006/main">
-  <p:cSld>
-    <p:bg>
-      <p:bgPr>
-        <a:gradFill rotWithShape="1">
-          <a:gsLst>
-            <a:gs pos="0">
-              <a:schemeClr val="bg2">
-                <a:tint val="96000"/>
-                <a:shade val="100000"/>
-                <a:hueMod val="92000"/>
-                <a:satMod val="200000"/>
-                <a:lumMod val="128000"/>
-              </a:schemeClr>
-            </a:gs>
-            <a:gs pos="50000">
-              <a:schemeClr val="bg2">
-                <a:shade val="100000"/>
-                <a:hueMod val="100000"/>
-                <a:satMod val="110000"/>
-                <a:lumMod val="130000"/>
-              </a:schemeClr>
-            </a:gs>
-            <a:gs pos="100000">
-              <a:schemeClr val="bg2">
-                <a:shade val="78000"/>
-                <a:hueMod val="118000"/>
-                <a:satMod val="120000"/>
-                <a:lumMod val="69000"/>
-              </a:schemeClr>
-            </a:gs>
-          </a:gsLst>
-          <a:lin ang="2520000" scaled="0"/>
-        </a:gradFill>
-        <a:effectLst/>
-      </p:bgPr>
-    </p:bg>
-    <p:spTree>
-      <p:nvGrpSpPr>
-        <p:cNvPr id="1" name=""/>
-        <p:cNvGrpSpPr/>
-        <p:nvPr/>
-      </p:nvGrpSpPr>
-      <p:grpSpPr>
-        <a:xfrm>
-          <a:off x="0" y="0"/>
-          <a:ext cx="0" cy="0"/>
-          <a:chOff x="0" y="0"/>
-          <a:chExt cx="0" cy="0"/>
-        </a:xfrm>
-      </p:grpSpPr>
-      <p:sp>
-        <p:nvSpPr>
-          <p:cNvPr id="2" name="Title 1">
-            <a:extLst>
-              <a:ext uri="{FF2B5EF4-FFF2-40B4-BE49-F238E27FC236}">
-                <a16:creationId xmlns:a16="http://schemas.microsoft.com/office/drawing/2014/main" id="{A82A15EE-8352-4A27-4C0E-A4167DCC9E79}"/>
-              </a:ext>
-            </a:extLst>
-          </p:cNvPr>
-          <p:cNvSpPr>
-            <a:spLocks noGrp="1"/>
-          </p:cNvSpPr>
-          <p:nvPr>
-            <p:ph type="title"/>
-          </p:nvPr>
-        </p:nvSpPr>
-        <p:spPr>
-          <a:xfrm>
-            <a:off x="680321" y="753228"/>
-            <a:ext cx="9613861" cy="1080938"/>
-          </a:xfrm>
-        </p:spPr>
-        <p:txBody>
-          <a:bodyPr>
-            <a:normAutofit/>
-          </a:bodyPr>
-          <a:lstStyle/>
-          <a:p>
-            <a:r>
-              <a:rPr lang="en-IN"/>
-              <a:t>Project Overview</a:t>
-            </a:r>
-            <a:endParaRPr lang="en-US"/>
-          </a:p>
-        </p:txBody>
-      </p:sp>
-      <p:graphicFrame>
-        <p:nvGraphicFramePr>
-          <p:cNvPr id="5" name="Content Placeholder 2">
-            <a:extLst>
-              <a:ext uri="{FF2B5EF4-FFF2-40B4-BE49-F238E27FC236}">
-                <a16:creationId xmlns:a16="http://schemas.microsoft.com/office/drawing/2014/main" id="{8A4A72CB-296B-E5D6-138A-57BBDB2BF312}"/>
-              </a:ext>
-            </a:extLst>
-          </p:cNvPr>
-          <p:cNvGraphicFramePr>
-            <a:graphicFrameLocks noGrp="1"/>
-          </p:cNvGraphicFramePr>
-          <p:nvPr>
-            <p:ph idx="1"/>
-            <p:extLst>
-              <p:ext uri="{D42A27DB-BD31-4B8C-83A1-F6EECF244321}">
-                <p14:modId xmlns:p14="http://schemas.microsoft.com/office/powerpoint/2010/main" val="2688128430"/>
-              </p:ext>
-            </p:extLst>
-          </p:nvPr>
-        </p:nvGraphicFramePr>
-        <p:xfrm>
-          <a:off x="681037" y="2336800"/>
-          <a:ext cx="10830641" cy="3598863"/>
-        </p:xfrm>
-        <a:graphic>
-          <a:graphicData uri="http://schemas.openxmlformats.org/drawingml/2006/diagram">
-            <dgm:relIds xmlns:dgm="http://schemas.openxmlformats.org/drawingml/2006/diagram" xmlns:r="http://schemas.openxmlformats.org/officeDocument/2006/relationships" r:dm="rId2" r:lo="rId3" r:qs="rId4" r:cs="rId5"/>
-          </a:graphicData>
-        </a:graphic>
-      </p:graphicFrame>
-    </p:spTree>
-    <p:extLst>
-      <p:ext uri="{BB962C8B-B14F-4D97-AF65-F5344CB8AC3E}">
-        <p14:creationId xmlns:p14="http://schemas.microsoft.com/office/powerpoint/2010/main" val="3960072918"/>
-      </p:ext>
-    </p:extLst>
-  </p:cSld>
-  <p:clrMapOvr>
-    <a:masterClrMapping/>
-  </p:clrMapOvr>
-</p:sld>
-</file>
-
-<file path=ppt/slides/slide20.xml><?xml version="1.0" encoding="utf-8"?>
+<file path=ppt/slides/slide19.xml><?xml version="1.0" encoding="utf-8"?>
 <p:sld xmlns:a="http://schemas.openxmlformats.org/drawingml/2006/main" xmlns:r="http://schemas.openxmlformats.org/officeDocument/2006/relationships" xmlns:p="http://schemas.openxmlformats.org/presentationml/2006/main">
   <p:cSld>
     <p:bg>
@@ -47224,6 +45453,133 @@
 </p:sld>
 </file>
 
+<file path=ppt/slides/slide2.xml><?xml version="1.0" encoding="utf-8"?>
+<p:sld xmlns:a="http://schemas.openxmlformats.org/drawingml/2006/main" xmlns:r="http://schemas.openxmlformats.org/officeDocument/2006/relationships" xmlns:p="http://schemas.openxmlformats.org/presentationml/2006/main">
+  <p:cSld>
+    <p:bg>
+      <p:bgPr>
+        <a:gradFill rotWithShape="1">
+          <a:gsLst>
+            <a:gs pos="0">
+              <a:schemeClr val="bg2">
+                <a:tint val="96000"/>
+                <a:shade val="100000"/>
+                <a:hueMod val="92000"/>
+                <a:satMod val="200000"/>
+                <a:lumMod val="128000"/>
+              </a:schemeClr>
+            </a:gs>
+            <a:gs pos="50000">
+              <a:schemeClr val="bg2">
+                <a:shade val="100000"/>
+                <a:hueMod val="100000"/>
+                <a:satMod val="110000"/>
+                <a:lumMod val="130000"/>
+              </a:schemeClr>
+            </a:gs>
+            <a:gs pos="100000">
+              <a:schemeClr val="bg2">
+                <a:shade val="78000"/>
+                <a:hueMod val="118000"/>
+                <a:satMod val="120000"/>
+                <a:lumMod val="69000"/>
+              </a:schemeClr>
+            </a:gs>
+          </a:gsLst>
+          <a:lin ang="2520000" scaled="0"/>
+        </a:gradFill>
+        <a:effectLst/>
+      </p:bgPr>
+    </p:bg>
+    <p:spTree>
+      <p:nvGrpSpPr>
+        <p:cNvPr id="1" name=""/>
+        <p:cNvGrpSpPr/>
+        <p:nvPr/>
+      </p:nvGrpSpPr>
+      <p:grpSpPr>
+        <a:xfrm>
+          <a:off x="0" y="0"/>
+          <a:ext cx="0" cy="0"/>
+          <a:chOff x="0" y="0"/>
+          <a:chExt cx="0" cy="0"/>
+        </a:xfrm>
+      </p:grpSpPr>
+      <p:sp>
+        <p:nvSpPr>
+          <p:cNvPr id="2" name="Title 1">
+            <a:extLst>
+              <a:ext uri="{FF2B5EF4-FFF2-40B4-BE49-F238E27FC236}">
+                <a16:creationId xmlns:a16="http://schemas.microsoft.com/office/drawing/2014/main" id="{A82A15EE-8352-4A27-4C0E-A4167DCC9E79}"/>
+              </a:ext>
+            </a:extLst>
+          </p:cNvPr>
+          <p:cNvSpPr>
+            <a:spLocks noGrp="1"/>
+          </p:cNvSpPr>
+          <p:nvPr>
+            <p:ph type="title"/>
+          </p:nvPr>
+        </p:nvSpPr>
+        <p:spPr/>
+        <p:txBody>
+          <a:bodyPr>
+            <a:normAutofit/>
+          </a:bodyPr>
+          <a:lstStyle/>
+          <a:p>
+            <a:r>
+              <a:rPr lang="en-IN" sz="3200" dirty="0"/>
+              <a:t>Project Overview</a:t>
+            </a:r>
+            <a:endParaRPr lang="en-US" sz="3200" dirty="0"/>
+          </a:p>
+        </p:txBody>
+      </p:sp>
+      <p:graphicFrame>
+        <p:nvGraphicFramePr>
+          <p:cNvPr id="5" name="Content Placeholder 2">
+            <a:extLst>
+              <a:ext uri="{FF2B5EF4-FFF2-40B4-BE49-F238E27FC236}">
+                <a16:creationId xmlns:a16="http://schemas.microsoft.com/office/drawing/2014/main" id="{8A4A72CB-296B-E5D6-138A-57BBDB2BF312}"/>
+              </a:ext>
+            </a:extLst>
+          </p:cNvPr>
+          <p:cNvGraphicFramePr>
+            <a:graphicFrameLocks noGrp="1"/>
+          </p:cNvGraphicFramePr>
+          <p:nvPr>
+            <p:ph idx="1"/>
+            <p:extLst>
+              <p:ext uri="{D42A27DB-BD31-4B8C-83A1-F6EECF244321}">
+                <p14:modId xmlns:p14="http://schemas.microsoft.com/office/powerpoint/2010/main" val="2688128430"/>
+              </p:ext>
+            </p:extLst>
+          </p:nvPr>
+        </p:nvGraphicFramePr>
+        <p:xfrm>
+          <a:off x="681037" y="2336800"/>
+          <a:ext cx="10830641" cy="3598863"/>
+        </p:xfrm>
+        <a:graphic>
+          <a:graphicData uri="http://schemas.openxmlformats.org/drawingml/2006/diagram">
+            <dgm:relIds xmlns:dgm="http://schemas.openxmlformats.org/drawingml/2006/diagram" xmlns:r="http://schemas.openxmlformats.org/officeDocument/2006/relationships" r:dm="rId2" r:lo="rId3" r:qs="rId4" r:cs="rId5"/>
+          </a:graphicData>
+        </a:graphic>
+      </p:graphicFrame>
+    </p:spTree>
+    <p:extLst>
+      <p:ext uri="{BB962C8B-B14F-4D97-AF65-F5344CB8AC3E}">
+        <p14:creationId xmlns:p14="http://schemas.microsoft.com/office/powerpoint/2010/main" val="3960072918"/>
+      </p:ext>
+    </p:extLst>
+  </p:cSld>
+  <p:clrMapOvr>
+    <a:masterClrMapping/>
+  </p:clrMapOvr>
+</p:sld>
+</file>
+
 <file path=ppt/slides/slide3.xml><?xml version="1.0" encoding="utf-8"?>
 <p:sld xmlns:a="http://schemas.openxmlformats.org/drawingml/2006/main" xmlns:r="http://schemas.openxmlformats.org/officeDocument/2006/relationships" xmlns:p="http://schemas.openxmlformats.org/presentationml/2006/main">
   <p:cSld>
@@ -47292,12 +45648,7 @@
             <p:ph type="title"/>
           </p:nvPr>
         </p:nvSpPr>
-        <p:spPr>
-          <a:xfrm>
-            <a:off x="680321" y="753228"/>
-            <a:ext cx="9613861" cy="1080938"/>
-          </a:xfrm>
-        </p:spPr>
+        <p:spPr/>
         <p:txBody>
           <a:bodyPr>
             <a:normAutofit/>
@@ -47305,10 +45656,10 @@
           <a:lstStyle/>
           <a:p>
             <a:r>
-              <a:rPr lang="en-IN" dirty="0"/>
+              <a:rPr lang="en-IN" sz="3200" dirty="0"/>
               <a:t>Business Problem Addressed</a:t>
             </a:r>
-            <a:endParaRPr lang="en-US" dirty="0"/>
+            <a:endParaRPr lang="en-US" sz="3200" dirty="0"/>
           </a:p>
         </p:txBody>
       </p:sp>
@@ -47424,12 +45775,7 @@
             <p:ph type="title"/>
           </p:nvPr>
         </p:nvSpPr>
-        <p:spPr>
-          <a:xfrm>
-            <a:off x="680321" y="753228"/>
-            <a:ext cx="9613861" cy="1080938"/>
-          </a:xfrm>
-        </p:spPr>
+        <p:spPr/>
         <p:txBody>
           <a:bodyPr>
             <a:normAutofit/>
@@ -47437,10 +45783,10 @@
           <a:lstStyle/>
           <a:p>
             <a:r>
-              <a:rPr lang="en-IN" dirty="0"/>
+              <a:rPr lang="en-IN" sz="3200" dirty="0"/>
               <a:t>High-Level Solution Approach</a:t>
             </a:r>
-            <a:endParaRPr lang="en-US" dirty="0"/>
+            <a:endParaRPr lang="en-US" sz="3200" dirty="0"/>
           </a:p>
         </p:txBody>
       </p:sp>
@@ -47523,14 +45869,16 @@
         </p:nvSpPr>
         <p:spPr/>
         <p:txBody>
-          <a:bodyPr/>
+          <a:bodyPr>
+            <a:normAutofit/>
+          </a:bodyPr>
           <a:lstStyle/>
           <a:p>
             <a:r>
-              <a:rPr lang="en-IN" dirty="0"/>
+              <a:rPr lang="en-IN" sz="3200" dirty="0"/>
               <a:t>Expected Outcomes</a:t>
             </a:r>
-            <a:endParaRPr lang="en-US" dirty="0"/>
+            <a:endParaRPr lang="en-US" sz="3200" dirty="0"/>
           </a:p>
         </p:txBody>
       </p:sp>
@@ -47667,12 +46015,7 @@
             <p:ph type="title"/>
           </p:nvPr>
         </p:nvSpPr>
-        <p:spPr>
-          <a:xfrm>
-            <a:off x="680321" y="753228"/>
-            <a:ext cx="9613861" cy="1080938"/>
-          </a:xfrm>
-        </p:spPr>
+        <p:spPr/>
         <p:txBody>
           <a:bodyPr>
             <a:normAutofit/>
@@ -47680,10 +46023,10 @@
           <a:lstStyle/>
           <a:p>
             <a:r>
-              <a:rPr lang="en-IN" dirty="0"/>
+              <a:rPr lang="en-IN" sz="3200" dirty="0"/>
               <a:t>Business Objectives</a:t>
             </a:r>
-            <a:endParaRPr lang="en-US" dirty="0"/>
+            <a:endParaRPr lang="en-US" sz="3200" dirty="0"/>
           </a:p>
         </p:txBody>
       </p:sp>
@@ -47783,282 +46126,6 @@
           <a:chExt cx="0" cy="0"/>
         </a:xfrm>
       </p:grpSpPr>
-      <p:sp useBgFill="1">
-        <p:nvSpPr>
-          <p:cNvPr id="23" name="Rectangle 22">
-            <a:extLst>
-              <a:ext uri="{FF2B5EF4-FFF2-40B4-BE49-F238E27FC236}">
-                <a16:creationId xmlns:a16="http://schemas.microsoft.com/office/drawing/2014/main" id="{57D13521-EAD4-4B23-AE18-3B70AAE67207}"/>
-              </a:ext>
-              <a:ext uri="{C183D7F6-B498-43B3-948B-1728B52AA6E4}">
-                <adec:decorative xmlns:adec="http://schemas.microsoft.com/office/drawing/2017/decorative" val="1"/>
-              </a:ext>
-            </a:extLst>
-          </p:cNvPr>
-          <p:cNvSpPr>
-            <a:spLocks noGrp="1" noRot="1" noChangeAspect="1" noMove="1" noResize="1" noEditPoints="1" noAdjustHandles="1" noChangeArrowheads="1" noChangeShapeType="1" noTextEdit="1"/>
-          </p:cNvSpPr>
-          <p:nvPr>
-            <p:extLst>
-              <p:ext uri="{386F3935-93C4-4BCD-93E2-E3B085C9AB24}">
-                <p16:designElem xmlns:p16="http://schemas.microsoft.com/office/powerpoint/2015/main" val="1"/>
-              </p:ext>
-            </p:extLst>
-          </p:nvPr>
-        </p:nvSpPr>
-        <p:spPr>
-          <a:xfrm>
-            <a:off x="0" y="0"/>
-            <a:ext cx="12188824" cy="6858000"/>
-          </a:xfrm>
-          <a:prstGeom prst="rect">
-            <a:avLst/>
-          </a:prstGeom>
-          <a:ln>
-            <a:noFill/>
-          </a:ln>
-        </p:spPr>
-        <p:style>
-          <a:lnRef idx="2">
-            <a:schemeClr val="accent1">
-              <a:shade val="50000"/>
-            </a:schemeClr>
-          </a:lnRef>
-          <a:fillRef idx="1">
-            <a:schemeClr val="accent1"/>
-          </a:fillRef>
-          <a:effectRef idx="0">
-            <a:schemeClr val="accent1"/>
-          </a:effectRef>
-          <a:fontRef idx="minor">
-            <a:schemeClr val="lt1"/>
-          </a:fontRef>
-        </p:style>
-        <p:txBody>
-          <a:bodyPr rtlCol="0" anchor="ctr"/>
-          <a:lstStyle/>
-          <a:p>
-            <a:pPr algn="ctr"/>
-            <a:endParaRPr lang="en-US"/>
-          </a:p>
-        </p:txBody>
-      </p:sp>
-      <p:pic>
-        <p:nvPicPr>
-          <p:cNvPr id="24" name="Picture 23">
-            <a:extLst>
-              <a:ext uri="{FF2B5EF4-FFF2-40B4-BE49-F238E27FC236}">
-                <a16:creationId xmlns:a16="http://schemas.microsoft.com/office/drawing/2014/main" id="{A2EAC6A1-B9AD-4F52-8BFC-D974236C5213}"/>
-              </a:ext>
-              <a:ext uri="{C183D7F6-B498-43B3-948B-1728B52AA6E4}">
-                <adec:decorative xmlns:adec="http://schemas.microsoft.com/office/drawing/2017/decorative" val="1"/>
-              </a:ext>
-            </a:extLst>
-          </p:cNvPr>
-          <p:cNvPicPr>
-            <a:picLocks noGrp="1" noRot="1" noChangeAspect="1" noMove="1" noResize="1" noEditPoints="1" noAdjustHandles="1" noChangeArrowheads="1" noChangeShapeType="1" noCrop="1"/>
-          </p:cNvPicPr>
-          <p:nvPr>
-            <p:extLst>
-              <p:ext uri="{386F3935-93C4-4BCD-93E2-E3B085C9AB24}">
-                <p16:designElem xmlns:p16="http://schemas.microsoft.com/office/powerpoint/2015/main" val="1"/>
-              </p:ext>
-            </p:extLst>
-          </p:nvPr>
-        </p:nvPicPr>
-        <p:blipFill>
-          <a:blip r:embed="rId2">
-            <a:alphaModFix amt="10000"/>
-            <a:extLst>
-              <a:ext uri="{28A0092B-C50C-407E-A947-70E740481C1C}">
-                <a14:useLocalDpi xmlns:a14="http://schemas.microsoft.com/office/drawing/2010/main" val="0"/>
-              </a:ext>
-            </a:extLst>
-          </a:blip>
-          <a:stretch>
-            <a:fillRect/>
-          </a:stretch>
-        </p:blipFill>
-        <p:spPr>
-          <a:xfrm>
-            <a:off x="0" y="0"/>
-            <a:ext cx="12192000" cy="6858000"/>
-          </a:xfrm>
-          <a:prstGeom prst="rect">
-            <a:avLst/>
-          </a:prstGeom>
-        </p:spPr>
-      </p:pic>
-      <p:sp>
-        <p:nvSpPr>
-          <p:cNvPr id="25" name="Rectangle 24">
-            <a:extLst>
-              <a:ext uri="{FF2B5EF4-FFF2-40B4-BE49-F238E27FC236}">
-                <a16:creationId xmlns:a16="http://schemas.microsoft.com/office/drawing/2014/main" id="{2632991A-5881-4C0B-BE55-86E6541DB583}"/>
-              </a:ext>
-              <a:ext uri="{C183D7F6-B498-43B3-948B-1728B52AA6E4}">
-                <adec:decorative xmlns:adec="http://schemas.microsoft.com/office/drawing/2017/decorative" val="1"/>
-              </a:ext>
-            </a:extLst>
-          </p:cNvPr>
-          <p:cNvSpPr>
-            <a:spLocks noGrp="1" noRot="1" noChangeAspect="1" noMove="1" noResize="1" noEditPoints="1" noAdjustHandles="1" noChangeArrowheads="1" noChangeShapeType="1" noTextEdit="1"/>
-          </p:cNvSpPr>
-          <p:nvPr>
-            <p:extLst>
-              <p:ext uri="{386F3935-93C4-4BCD-93E2-E3B085C9AB24}">
-                <p16:designElem xmlns:p16="http://schemas.microsoft.com/office/powerpoint/2015/main" val="1"/>
-              </p:ext>
-            </p:extLst>
-          </p:nvPr>
-        </p:nvSpPr>
-        <p:spPr>
-          <a:xfrm>
-            <a:off x="4644527" y="0"/>
-            <a:ext cx="7552944" cy="6858001"/>
-          </a:xfrm>
-          <a:prstGeom prst="rect">
-            <a:avLst/>
-          </a:prstGeom>
-          <a:ln>
-            <a:noFill/>
-          </a:ln>
-        </p:spPr>
-        <p:style>
-          <a:lnRef idx="2">
-            <a:schemeClr val="accent1">
-              <a:shade val="50000"/>
-            </a:schemeClr>
-          </a:lnRef>
-          <a:fillRef idx="1">
-            <a:schemeClr val="accent1"/>
-          </a:fillRef>
-          <a:effectRef idx="0">
-            <a:schemeClr val="accent1"/>
-          </a:effectRef>
-          <a:fontRef idx="minor">
-            <a:schemeClr val="lt1"/>
-          </a:fontRef>
-        </p:style>
-        <p:txBody>
-          <a:bodyPr rtlCol="0" anchor="ctr"/>
-          <a:lstStyle/>
-          <a:p>
-            <a:pPr algn="ctr"/>
-            <a:endParaRPr lang="en-US"/>
-          </a:p>
-        </p:txBody>
-      </p:sp>
-      <p:pic>
-        <p:nvPicPr>
-          <p:cNvPr id="26" name="Picture 25">
-            <a:extLst>
-              <a:ext uri="{FF2B5EF4-FFF2-40B4-BE49-F238E27FC236}">
-                <a16:creationId xmlns:a16="http://schemas.microsoft.com/office/drawing/2014/main" id="{4FF107A9-A609-4BE3-AC8C-8A7ABC2E5C35}"/>
-              </a:ext>
-              <a:ext uri="{C183D7F6-B498-43B3-948B-1728B52AA6E4}">
-                <adec:decorative xmlns:adec="http://schemas.microsoft.com/office/drawing/2017/decorative" val="1"/>
-              </a:ext>
-            </a:extLst>
-          </p:cNvPr>
-          <p:cNvPicPr>
-            <a:picLocks noGrp="1" noRot="1" noChangeAspect="1" noMove="1" noResize="1" noEditPoints="1" noAdjustHandles="1" noChangeArrowheads="1" noChangeShapeType="1" noCrop="1"/>
-          </p:cNvPicPr>
-          <p:nvPr>
-            <p:extLst>
-              <p:ext uri="{386F3935-93C4-4BCD-93E2-E3B085C9AB24}">
-                <p16:designElem xmlns:p16="http://schemas.microsoft.com/office/powerpoint/2015/main" val="1"/>
-              </p:ext>
-            </p:extLst>
-          </p:nvPr>
-        </p:nvPicPr>
-        <p:blipFill>
-          <a:blip r:embed="rId3" cstate="print">
-            <a:extLst>
-              <a:ext uri="{28A0092B-C50C-407E-A947-70E740481C1C}">
-                <a14:useLocalDpi xmlns:a14="http://schemas.microsoft.com/office/drawing/2010/main" val="0"/>
-              </a:ext>
-            </a:extLst>
-          </a:blip>
-          <a:stretch>
-            <a:fillRect/>
-          </a:stretch>
-        </p:blipFill>
-        <p:spPr>
-          <a:xfrm>
-            <a:off x="1" y="5006045"/>
-            <a:ext cx="4965192" cy="144049"/>
-          </a:xfrm>
-          <a:prstGeom prst="rect">
-            <a:avLst/>
-          </a:prstGeom>
-        </p:spPr>
-      </p:pic>
-      <p:sp>
-        <p:nvSpPr>
-          <p:cNvPr id="27" name="Rectangle 26">
-            <a:extLst>
-              <a:ext uri="{FF2B5EF4-FFF2-40B4-BE49-F238E27FC236}">
-                <a16:creationId xmlns:a16="http://schemas.microsoft.com/office/drawing/2014/main" id="{65AB5407-0F8D-4F52-80FD-7B7BCB7DB59E}"/>
-              </a:ext>
-              <a:ext uri="{C183D7F6-B498-43B3-948B-1728B52AA6E4}">
-                <adec:decorative xmlns:adec="http://schemas.microsoft.com/office/drawing/2017/decorative" val="1"/>
-              </a:ext>
-            </a:extLst>
-          </p:cNvPr>
-          <p:cNvSpPr>
-            <a:spLocks noGrp="1" noRot="1" noChangeAspect="1" noMove="1" noResize="1" noEditPoints="1" noAdjustHandles="1" noChangeArrowheads="1" noChangeShapeType="1" noTextEdit="1"/>
-          </p:cNvSpPr>
-          <p:nvPr>
-            <p:extLst>
-              <p:ext uri="{386F3935-93C4-4BCD-93E2-E3B085C9AB24}">
-                <p16:designElem xmlns:p16="http://schemas.microsoft.com/office/powerpoint/2015/main" val="1"/>
-              </p:ext>
-            </p:extLst>
-          </p:nvPr>
-        </p:nvSpPr>
-        <p:spPr>
-          <a:xfrm>
-            <a:off x="-1" y="1838764"/>
-            <a:ext cx="4964567" cy="3180473"/>
-          </a:xfrm>
-          <a:prstGeom prst="rect">
-            <a:avLst/>
-          </a:prstGeom>
-          <a:solidFill>
-            <a:schemeClr val="bg1">
-              <a:lumMod val="85000"/>
-              <a:lumOff val="15000"/>
-            </a:schemeClr>
-          </a:solidFill>
-          <a:ln>
-            <a:noFill/>
-          </a:ln>
-        </p:spPr>
-        <p:style>
-          <a:lnRef idx="2">
-            <a:schemeClr val="accent1">
-              <a:shade val="50000"/>
-            </a:schemeClr>
-          </a:lnRef>
-          <a:fillRef idx="1">
-            <a:schemeClr val="accent1"/>
-          </a:fillRef>
-          <a:effectRef idx="0">
-            <a:schemeClr val="accent1"/>
-          </a:effectRef>
-          <a:fontRef idx="minor">
-            <a:schemeClr val="lt1"/>
-          </a:fontRef>
-        </p:style>
-        <p:txBody>
-          <a:bodyPr/>
-          <a:lstStyle/>
-          <a:p>
-            <a:endParaRPr lang="en-US"/>
-          </a:p>
-        </p:txBody>
-      </p:sp>
       <p:graphicFrame>
         <p:nvGraphicFramePr>
           <p:cNvPr id="28" name="Content Placeholder 2">
@@ -48075,18 +46142,18 @@
             <p:ph idx="1"/>
             <p:extLst>
               <p:ext uri="{D42A27DB-BD31-4B8C-83A1-F6EECF244321}">
-                <p14:modId xmlns:p14="http://schemas.microsoft.com/office/powerpoint/2010/main" val="3713295194"/>
+                <p14:modId xmlns:p14="http://schemas.microsoft.com/office/powerpoint/2010/main" val="2948678258"/>
               </p:ext>
             </p:extLst>
           </p:nvPr>
         </p:nvGraphicFramePr>
         <p:xfrm>
-          <a:off x="5437509" y="777860"/>
-          <a:ext cx="5955658" cy="5385354"/>
+          <a:off x="1127051" y="2083980"/>
+          <a:ext cx="10266116" cy="4433778"/>
         </p:xfrm>
         <a:graphic>
           <a:graphicData uri="http://schemas.openxmlformats.org/drawingml/2006/diagram">
-            <dgm:relIds xmlns:dgm="http://schemas.openxmlformats.org/drawingml/2006/diagram" xmlns:r="http://schemas.openxmlformats.org/officeDocument/2006/relationships" r:dm="rId4" r:lo="rId5" r:qs="rId6" r:cs="rId7"/>
+            <dgm:relIds xmlns:dgm="http://schemas.openxmlformats.org/drawingml/2006/diagram" xmlns:r="http://schemas.openxmlformats.org/officeDocument/2006/relationships" r:dm="rId2" r:lo="rId3" r:qs="rId4" r:cs="rId5"/>
           </a:graphicData>
         </a:graphic>
       </p:graphicFrame>
@@ -48155,282 +46222,6 @@
           <a:chExt cx="0" cy="0"/>
         </a:xfrm>
       </p:grpSpPr>
-      <p:sp useBgFill="1">
-        <p:nvSpPr>
-          <p:cNvPr id="18" name="Rectangle 17">
-            <a:extLst>
-              <a:ext uri="{FF2B5EF4-FFF2-40B4-BE49-F238E27FC236}">
-                <a16:creationId xmlns:a16="http://schemas.microsoft.com/office/drawing/2014/main" id="{1485FFDC-0CAD-450C-A1F1-75E392CC81DC}"/>
-              </a:ext>
-              <a:ext uri="{C183D7F6-B498-43B3-948B-1728B52AA6E4}">
-                <adec:decorative xmlns:adec="http://schemas.microsoft.com/office/drawing/2017/decorative" val="1"/>
-              </a:ext>
-            </a:extLst>
-          </p:cNvPr>
-          <p:cNvSpPr>
-            <a:spLocks noGrp="1" noRot="1" noChangeAspect="1" noMove="1" noResize="1" noEditPoints="1" noAdjustHandles="1" noChangeArrowheads="1" noChangeShapeType="1" noTextEdit="1"/>
-          </p:cNvSpPr>
-          <p:nvPr>
-            <p:extLst>
-              <p:ext uri="{386F3935-93C4-4BCD-93E2-E3B085C9AB24}">
-                <p16:designElem xmlns:p16="http://schemas.microsoft.com/office/powerpoint/2015/main" val="1"/>
-              </p:ext>
-            </p:extLst>
-          </p:nvPr>
-        </p:nvSpPr>
-        <p:spPr>
-          <a:xfrm>
-            <a:off x="0" y="0"/>
-            <a:ext cx="12188824" cy="6858000"/>
-          </a:xfrm>
-          <a:prstGeom prst="rect">
-            <a:avLst/>
-          </a:prstGeom>
-          <a:ln>
-            <a:noFill/>
-          </a:ln>
-        </p:spPr>
-        <p:style>
-          <a:lnRef idx="2">
-            <a:schemeClr val="accent1">
-              <a:shade val="50000"/>
-            </a:schemeClr>
-          </a:lnRef>
-          <a:fillRef idx="1">
-            <a:schemeClr val="accent1"/>
-          </a:fillRef>
-          <a:effectRef idx="0">
-            <a:schemeClr val="accent1"/>
-          </a:effectRef>
-          <a:fontRef idx="minor">
-            <a:schemeClr val="lt1"/>
-          </a:fontRef>
-        </p:style>
-        <p:txBody>
-          <a:bodyPr rtlCol="0" anchor="ctr"/>
-          <a:lstStyle/>
-          <a:p>
-            <a:pPr algn="ctr"/>
-            <a:endParaRPr lang="en-US"/>
-          </a:p>
-        </p:txBody>
-      </p:sp>
-      <p:pic>
-        <p:nvPicPr>
-          <p:cNvPr id="11" name="Picture 10">
-            <a:extLst>
-              <a:ext uri="{FF2B5EF4-FFF2-40B4-BE49-F238E27FC236}">
-                <a16:creationId xmlns:a16="http://schemas.microsoft.com/office/drawing/2014/main" id="{F9672BDB-4ABD-40E5-A8B8-F7340E3BD8D5}"/>
-              </a:ext>
-              <a:ext uri="{C183D7F6-B498-43B3-948B-1728B52AA6E4}">
-                <adec:decorative xmlns:adec="http://schemas.microsoft.com/office/drawing/2017/decorative" val="1"/>
-              </a:ext>
-            </a:extLst>
-          </p:cNvPr>
-          <p:cNvPicPr>
-            <a:picLocks noGrp="1" noRot="1" noChangeAspect="1" noMove="1" noResize="1" noEditPoints="1" noAdjustHandles="1" noChangeArrowheads="1" noChangeShapeType="1" noCrop="1"/>
-          </p:cNvPicPr>
-          <p:nvPr>
-            <p:extLst>
-              <p:ext uri="{386F3935-93C4-4BCD-93E2-E3B085C9AB24}">
-                <p16:designElem xmlns:p16="http://schemas.microsoft.com/office/powerpoint/2015/main" val="1"/>
-              </p:ext>
-            </p:extLst>
-          </p:nvPr>
-        </p:nvPicPr>
-        <p:blipFill>
-          <a:blip r:embed="rId2">
-            <a:alphaModFix amt="10000"/>
-            <a:extLst>
-              <a:ext uri="{28A0092B-C50C-407E-A947-70E740481C1C}">
-                <a14:useLocalDpi xmlns:a14="http://schemas.microsoft.com/office/drawing/2010/main" val="0"/>
-              </a:ext>
-            </a:extLst>
-          </a:blip>
-          <a:stretch>
-            <a:fillRect/>
-          </a:stretch>
-        </p:blipFill>
-        <p:spPr>
-          <a:xfrm>
-            <a:off x="0" y="0"/>
-            <a:ext cx="12192000" cy="6858000"/>
-          </a:xfrm>
-          <a:prstGeom prst="rect">
-            <a:avLst/>
-          </a:prstGeom>
-        </p:spPr>
-      </p:pic>
-      <p:sp>
-        <p:nvSpPr>
-          <p:cNvPr id="19" name="Rectangle 18">
-            <a:extLst>
-              <a:ext uri="{FF2B5EF4-FFF2-40B4-BE49-F238E27FC236}">
-                <a16:creationId xmlns:a16="http://schemas.microsoft.com/office/drawing/2014/main" id="{B1FA2BC7-3F19-4E1C-B3D1-19995D9F6F4E}"/>
-              </a:ext>
-              <a:ext uri="{C183D7F6-B498-43B3-948B-1728B52AA6E4}">
-                <adec:decorative xmlns:adec="http://schemas.microsoft.com/office/drawing/2017/decorative" val="1"/>
-              </a:ext>
-            </a:extLst>
-          </p:cNvPr>
-          <p:cNvSpPr>
-            <a:spLocks noGrp="1" noRot="1" noChangeAspect="1" noMove="1" noResize="1" noEditPoints="1" noAdjustHandles="1" noChangeArrowheads="1" noChangeShapeType="1" noTextEdit="1"/>
-          </p:cNvSpPr>
-          <p:nvPr>
-            <p:extLst>
-              <p:ext uri="{386F3935-93C4-4BCD-93E2-E3B085C9AB24}">
-                <p16:designElem xmlns:p16="http://schemas.microsoft.com/office/powerpoint/2015/main" val="1"/>
-              </p:ext>
-            </p:extLst>
-          </p:nvPr>
-        </p:nvSpPr>
-        <p:spPr>
-          <a:xfrm>
-            <a:off x="4644527" y="0"/>
-            <a:ext cx="7552944" cy="6858001"/>
-          </a:xfrm>
-          <a:prstGeom prst="rect">
-            <a:avLst/>
-          </a:prstGeom>
-          <a:ln>
-            <a:noFill/>
-          </a:ln>
-        </p:spPr>
-        <p:style>
-          <a:lnRef idx="2">
-            <a:schemeClr val="accent1">
-              <a:shade val="50000"/>
-            </a:schemeClr>
-          </a:lnRef>
-          <a:fillRef idx="1">
-            <a:schemeClr val="accent1"/>
-          </a:fillRef>
-          <a:effectRef idx="0">
-            <a:schemeClr val="accent1"/>
-          </a:effectRef>
-          <a:fontRef idx="minor">
-            <a:schemeClr val="lt1"/>
-          </a:fontRef>
-        </p:style>
-        <p:txBody>
-          <a:bodyPr rtlCol="0" anchor="ctr"/>
-          <a:lstStyle/>
-          <a:p>
-            <a:pPr algn="ctr"/>
-            <a:endParaRPr lang="en-US"/>
-          </a:p>
-        </p:txBody>
-      </p:sp>
-      <p:pic>
-        <p:nvPicPr>
-          <p:cNvPr id="20" name="Picture 19">
-            <a:extLst>
-              <a:ext uri="{FF2B5EF4-FFF2-40B4-BE49-F238E27FC236}">
-                <a16:creationId xmlns:a16="http://schemas.microsoft.com/office/drawing/2014/main" id="{62FF40B5-1E36-4442-8D28-D1AA571AD2EB}"/>
-              </a:ext>
-              <a:ext uri="{C183D7F6-B498-43B3-948B-1728B52AA6E4}">
-                <adec:decorative xmlns:adec="http://schemas.microsoft.com/office/drawing/2017/decorative" val="1"/>
-              </a:ext>
-            </a:extLst>
-          </p:cNvPr>
-          <p:cNvPicPr>
-            <a:picLocks noGrp="1" noRot="1" noChangeAspect="1" noMove="1" noResize="1" noEditPoints="1" noAdjustHandles="1" noChangeArrowheads="1" noChangeShapeType="1" noCrop="1"/>
-          </p:cNvPicPr>
-          <p:nvPr>
-            <p:extLst>
-              <p:ext uri="{386F3935-93C4-4BCD-93E2-E3B085C9AB24}">
-                <p16:designElem xmlns:p16="http://schemas.microsoft.com/office/powerpoint/2015/main" val="1"/>
-              </p:ext>
-            </p:extLst>
-          </p:nvPr>
-        </p:nvPicPr>
-        <p:blipFill>
-          <a:blip r:embed="rId3" cstate="print">
-            <a:extLst>
-              <a:ext uri="{28A0092B-C50C-407E-A947-70E740481C1C}">
-                <a14:useLocalDpi xmlns:a14="http://schemas.microsoft.com/office/drawing/2010/main" val="0"/>
-              </a:ext>
-            </a:extLst>
-          </a:blip>
-          <a:stretch>
-            <a:fillRect/>
-          </a:stretch>
-        </p:blipFill>
-        <p:spPr>
-          <a:xfrm>
-            <a:off x="1" y="5006045"/>
-            <a:ext cx="4965192" cy="144668"/>
-          </a:xfrm>
-          <a:prstGeom prst="rect">
-            <a:avLst/>
-          </a:prstGeom>
-        </p:spPr>
-      </p:pic>
-      <p:sp>
-        <p:nvSpPr>
-          <p:cNvPr id="17" name="Rectangle 16">
-            <a:extLst>
-              <a:ext uri="{FF2B5EF4-FFF2-40B4-BE49-F238E27FC236}">
-                <a16:creationId xmlns:a16="http://schemas.microsoft.com/office/drawing/2014/main" id="{73C09592-2DB2-47C0-A5CB-BD39288D13E8}"/>
-              </a:ext>
-              <a:ext uri="{C183D7F6-B498-43B3-948B-1728B52AA6E4}">
-                <adec:decorative xmlns:adec="http://schemas.microsoft.com/office/drawing/2017/decorative" val="1"/>
-              </a:ext>
-            </a:extLst>
-          </p:cNvPr>
-          <p:cNvSpPr>
-            <a:spLocks noGrp="1" noRot="1" noChangeAspect="1" noMove="1" noResize="1" noEditPoints="1" noAdjustHandles="1" noChangeArrowheads="1" noChangeShapeType="1" noTextEdit="1"/>
-          </p:cNvSpPr>
-          <p:nvPr>
-            <p:extLst>
-              <p:ext uri="{386F3935-93C4-4BCD-93E2-E3B085C9AB24}">
-                <p16:designElem xmlns:p16="http://schemas.microsoft.com/office/powerpoint/2015/main" val="1"/>
-              </p:ext>
-            </p:extLst>
-          </p:nvPr>
-        </p:nvSpPr>
-        <p:spPr>
-          <a:xfrm>
-            <a:off x="-1" y="1838764"/>
-            <a:ext cx="4964567" cy="3180473"/>
-          </a:xfrm>
-          <a:prstGeom prst="rect">
-            <a:avLst/>
-          </a:prstGeom>
-          <a:solidFill>
-            <a:schemeClr val="bg1">
-              <a:lumMod val="85000"/>
-              <a:lumOff val="15000"/>
-            </a:schemeClr>
-          </a:solidFill>
-          <a:ln>
-            <a:noFill/>
-          </a:ln>
-        </p:spPr>
-        <p:style>
-          <a:lnRef idx="2">
-            <a:schemeClr val="accent1">
-              <a:shade val="50000"/>
-            </a:schemeClr>
-          </a:lnRef>
-          <a:fillRef idx="1">
-            <a:schemeClr val="accent1"/>
-          </a:fillRef>
-          <a:effectRef idx="0">
-            <a:schemeClr val="accent1"/>
-          </a:effectRef>
-          <a:fontRef idx="minor">
-            <a:schemeClr val="lt1"/>
-          </a:fontRef>
-        </p:style>
-        <p:txBody>
-          <a:bodyPr/>
-          <a:lstStyle/>
-          <a:p>
-            <a:endParaRPr lang="en-US"/>
-          </a:p>
-        </p:txBody>
-      </p:sp>
       <p:sp>
         <p:nvSpPr>
           <p:cNvPr id="2" name="Title 1">
@@ -48449,8 +46240,8 @@
         </p:nvSpPr>
         <p:spPr>
           <a:xfrm>
-            <a:off x="680321" y="2063262"/>
-            <a:ext cx="3739279" cy="2661052"/>
+            <a:off x="329610" y="520995"/>
+            <a:ext cx="3157870" cy="1456661"/>
           </a:xfrm>
         </p:spPr>
         <p:txBody>
@@ -48461,10 +46252,10 @@
           <a:p>
             <a:pPr algn="r"/>
             <a:r>
-              <a:rPr lang="en-IN" sz="4400"/>
+              <a:rPr lang="en-IN" sz="3200" dirty="0"/>
               <a:t>Solution Design</a:t>
             </a:r>
-            <a:endParaRPr lang="en-US" sz="4400"/>
+            <a:endParaRPr lang="en-US" sz="3200" dirty="0"/>
           </a:p>
         </p:txBody>
       </p:sp>
@@ -48484,18 +46275,18 @@
             <p:ph idx="1"/>
             <p:extLst>
               <p:ext uri="{D42A27DB-BD31-4B8C-83A1-F6EECF244321}">
-                <p14:modId xmlns:p14="http://schemas.microsoft.com/office/powerpoint/2010/main" val="1717748623"/>
+                <p14:modId xmlns:p14="http://schemas.microsoft.com/office/powerpoint/2010/main" val="3506769570"/>
               </p:ext>
             </p:extLst>
           </p:nvPr>
         </p:nvGraphicFramePr>
         <p:xfrm>
-          <a:off x="5284788" y="639763"/>
-          <a:ext cx="6261100" cy="5578475"/>
+          <a:off x="1477926" y="2222204"/>
+          <a:ext cx="9048308" cy="3996033"/>
         </p:xfrm>
         <a:graphic>
           <a:graphicData uri="http://schemas.openxmlformats.org/drawingml/2006/diagram">
-            <dgm:relIds xmlns:dgm="http://schemas.openxmlformats.org/drawingml/2006/diagram" xmlns:r="http://schemas.openxmlformats.org/officeDocument/2006/relationships" r:dm="rId4" r:lo="rId5" r:qs="rId6" r:cs="rId7"/>
+            <dgm:relIds xmlns:dgm="http://schemas.openxmlformats.org/drawingml/2006/diagram" xmlns:r="http://schemas.openxmlformats.org/officeDocument/2006/relationships" r:dm="rId2" r:lo="rId3" r:qs="rId4" r:cs="rId5"/>
           </a:graphicData>
         </a:graphic>
       </p:graphicFrame>
@@ -48564,234 +46355,6 @@
           <a:chExt cx="0" cy="0"/>
         </a:xfrm>
       </p:grpSpPr>
-      <p:sp useBgFill="1">
-        <p:nvSpPr>
-          <p:cNvPr id="12" name="Rectangle 11">
-            <a:extLst>
-              <a:ext uri="{FF2B5EF4-FFF2-40B4-BE49-F238E27FC236}">
-                <a16:creationId xmlns:a16="http://schemas.microsoft.com/office/drawing/2014/main" id="{8DCA3673-CDE4-40C5-9FA8-F89874CFBA73}"/>
-              </a:ext>
-              <a:ext uri="{C183D7F6-B498-43B3-948B-1728B52AA6E4}">
-                <adec:decorative xmlns:adec="http://schemas.microsoft.com/office/drawing/2017/decorative" val="1"/>
-              </a:ext>
-            </a:extLst>
-          </p:cNvPr>
-          <p:cNvSpPr>
-            <a:spLocks noGrp="1" noRot="1" noChangeAspect="1" noMove="1" noResize="1" noEditPoints="1" noAdjustHandles="1" noChangeArrowheads="1" noChangeShapeType="1" noTextEdit="1"/>
-          </p:cNvSpPr>
-          <p:nvPr>
-            <p:extLst>
-              <p:ext uri="{386F3935-93C4-4BCD-93E2-E3B085C9AB24}">
-                <p16:designElem xmlns:p16="http://schemas.microsoft.com/office/powerpoint/2015/main" val="1"/>
-              </p:ext>
-            </p:extLst>
-          </p:nvPr>
-        </p:nvSpPr>
-        <p:spPr>
-          <a:xfrm>
-            <a:off x="0" y="-1"/>
-            <a:ext cx="12188824" cy="6858001"/>
-          </a:xfrm>
-          <a:prstGeom prst="rect">
-            <a:avLst/>
-          </a:prstGeom>
-        </p:spPr>
-        <p:style>
-          <a:lnRef idx="2">
-            <a:schemeClr val="accent1">
-              <a:shade val="50000"/>
-            </a:schemeClr>
-          </a:lnRef>
-          <a:fillRef idx="1">
-            <a:schemeClr val="accent1"/>
-          </a:fillRef>
-          <a:effectRef idx="0">
-            <a:schemeClr val="accent1"/>
-          </a:effectRef>
-          <a:fontRef idx="minor">
-            <a:schemeClr val="lt1"/>
-          </a:fontRef>
-        </p:style>
-        <p:txBody>
-          <a:bodyPr rtlCol="0" anchor="ctr"/>
-          <a:lstStyle/>
-          <a:p>
-            <a:pPr algn="ctr"/>
-            <a:endParaRPr lang="en-US"/>
-          </a:p>
-        </p:txBody>
-      </p:sp>
-      <p:pic>
-        <p:nvPicPr>
-          <p:cNvPr id="14" name="Picture 13">
-            <a:extLst>
-              <a:ext uri="{FF2B5EF4-FFF2-40B4-BE49-F238E27FC236}">
-                <a16:creationId xmlns:a16="http://schemas.microsoft.com/office/drawing/2014/main" id="{95756E8F-499C-4533-BBE8-309C3E8D985C}"/>
-              </a:ext>
-              <a:ext uri="{C183D7F6-B498-43B3-948B-1728B52AA6E4}">
-                <adec:decorative xmlns:adec="http://schemas.microsoft.com/office/drawing/2017/decorative" val="1"/>
-              </a:ext>
-            </a:extLst>
-          </p:cNvPr>
-          <p:cNvPicPr>
-            <a:picLocks noGrp="1" noRot="1" noChangeAspect="1" noMove="1" noResize="1" noEditPoints="1" noAdjustHandles="1" noChangeArrowheads="1" noChangeShapeType="1" noCrop="1"/>
-          </p:cNvPicPr>
-          <p:nvPr>
-            <p:extLst>
-              <p:ext uri="{386F3935-93C4-4BCD-93E2-E3B085C9AB24}">
-                <p16:designElem xmlns:p16="http://schemas.microsoft.com/office/powerpoint/2015/main" val="1"/>
-              </p:ext>
-            </p:extLst>
-          </p:nvPr>
-        </p:nvPicPr>
-        <p:blipFill>
-          <a:blip r:embed="rId2">
-            <a:alphaModFix amt="10000"/>
-            <a:extLst>
-              <a:ext uri="{28A0092B-C50C-407E-A947-70E740481C1C}">
-                <a14:useLocalDpi xmlns:a14="http://schemas.microsoft.com/office/drawing/2010/main" val="0"/>
-              </a:ext>
-            </a:extLst>
-          </a:blip>
-          <a:stretch>
-            <a:fillRect/>
-          </a:stretch>
-        </p:blipFill>
-        <p:spPr>
-          <a:xfrm>
-            <a:off x="-3176" y="0"/>
-            <a:ext cx="12192000" cy="6858000"/>
-          </a:xfrm>
-          <a:prstGeom prst="rect">
-            <a:avLst/>
-          </a:prstGeom>
-        </p:spPr>
-      </p:pic>
-      <p:sp>
-        <p:nvSpPr>
-          <p:cNvPr id="16" name="Rectangle 15">
-            <a:extLst>
-              <a:ext uri="{FF2B5EF4-FFF2-40B4-BE49-F238E27FC236}">
-                <a16:creationId xmlns:a16="http://schemas.microsoft.com/office/drawing/2014/main" id="{0FFFD040-32A9-4D2B-86CA-599D030A4161}"/>
-              </a:ext>
-              <a:ext uri="{C183D7F6-B498-43B3-948B-1728B52AA6E4}">
-                <adec:decorative xmlns:adec="http://schemas.microsoft.com/office/drawing/2017/decorative" val="1"/>
-              </a:ext>
-            </a:extLst>
-          </p:cNvPr>
-          <p:cNvSpPr>
-            <a:spLocks noGrp="1" noRot="1" noChangeAspect="1" noMove="1" noResize="1" noEditPoints="1" noAdjustHandles="1" noChangeArrowheads="1" noChangeShapeType="1" noTextEdit="1"/>
-          </p:cNvSpPr>
-          <p:nvPr>
-            <p:extLst>
-              <p:ext uri="{386F3935-93C4-4BCD-93E2-E3B085C9AB24}">
-                <p16:designElem xmlns:p16="http://schemas.microsoft.com/office/powerpoint/2015/main" val="1"/>
-              </p:ext>
-            </p:extLst>
-          </p:nvPr>
-        </p:nvSpPr>
-        <p:spPr>
-          <a:xfrm>
-            <a:off x="4639056" y="0"/>
-            <a:ext cx="7552944" cy="6858001"/>
-          </a:xfrm>
-          <a:prstGeom prst="rect">
-            <a:avLst/>
-          </a:prstGeom>
-          <a:ln>
-            <a:noFill/>
-          </a:ln>
-        </p:spPr>
-        <p:style>
-          <a:lnRef idx="2">
-            <a:schemeClr val="accent1">
-              <a:shade val="50000"/>
-            </a:schemeClr>
-          </a:lnRef>
-          <a:fillRef idx="1">
-            <a:schemeClr val="accent1"/>
-          </a:fillRef>
-          <a:effectRef idx="0">
-            <a:schemeClr val="accent1"/>
-          </a:effectRef>
-          <a:fontRef idx="minor">
-            <a:schemeClr val="lt1"/>
-          </a:fontRef>
-        </p:style>
-        <p:txBody>
-          <a:bodyPr rtlCol="0" anchor="ctr"/>
-          <a:lstStyle/>
-          <a:p>
-            <a:pPr algn="ctr"/>
-            <a:endParaRPr lang="en-US"/>
-          </a:p>
-        </p:txBody>
-      </p:sp>
-      <p:sp>
-        <p:nvSpPr>
-          <p:cNvPr id="18" name="Rectangle 17">
-            <a:extLst>
-              <a:ext uri="{FF2B5EF4-FFF2-40B4-BE49-F238E27FC236}">
-                <a16:creationId xmlns:a16="http://schemas.microsoft.com/office/drawing/2014/main" id="{863205CA-B7FF-4C25-A4C8-3BBBCE19D950}"/>
-              </a:ext>
-              <a:ext uri="{C183D7F6-B498-43B3-948B-1728B52AA6E4}">
-                <adec:decorative xmlns:adec="http://schemas.microsoft.com/office/drawing/2017/decorative" val="1"/>
-              </a:ext>
-            </a:extLst>
-          </p:cNvPr>
-          <p:cNvSpPr>
-            <a:spLocks noGrp="1" noRot="1" noChangeAspect="1" noMove="1" noResize="1" noEditPoints="1" noAdjustHandles="1" noChangeArrowheads="1" noChangeShapeType="1" noTextEdit="1"/>
-          </p:cNvSpPr>
-          <p:nvPr>
-            <p:extLst>
-              <p:ext uri="{386F3935-93C4-4BCD-93E2-E3B085C9AB24}">
-                <p16:designElem xmlns:p16="http://schemas.microsoft.com/office/powerpoint/2015/main" val="1"/>
-              </p:ext>
-            </p:extLst>
-          </p:nvPr>
-        </p:nvSpPr>
-        <p:spPr bwMode="grayWhite">
-          <a:xfrm>
-            <a:off x="2" y="609600"/>
-            <a:ext cx="4959094" cy="1368198"/>
-          </a:xfrm>
-          <a:prstGeom prst="rect">
-            <a:avLst/>
-          </a:prstGeom>
-          <a:solidFill>
-            <a:schemeClr val="bg1">
-              <a:lumMod val="85000"/>
-              <a:lumOff val="15000"/>
-            </a:schemeClr>
-          </a:solidFill>
-          <a:ln>
-            <a:noFill/>
-          </a:ln>
-        </p:spPr>
-        <p:style>
-          <a:lnRef idx="2">
-            <a:schemeClr val="accent1">
-              <a:shade val="50000"/>
-            </a:schemeClr>
-          </a:lnRef>
-          <a:fillRef idx="1">
-            <a:schemeClr val="accent1"/>
-          </a:fillRef>
-          <a:effectRef idx="0">
-            <a:schemeClr val="accent1"/>
-          </a:effectRef>
-          <a:fontRef idx="minor">
-            <a:schemeClr val="lt1"/>
-          </a:fontRef>
-        </p:style>
-        <p:txBody>
-          <a:bodyPr/>
-          <a:lstStyle/>
-          <a:p>
-            <a:endParaRPr lang="en-US"/>
-          </a:p>
-        </p:txBody>
-      </p:sp>
       <p:sp>
         <p:nvSpPr>
           <p:cNvPr id="2" name="Title 1">
@@ -48821,7 +46384,7 @@
           <a:lstStyle/>
           <a:p>
             <a:r>
-              <a:rPr lang="en-US" sz="2400" b="1" kern="1200">
+              <a:rPr lang="en-US" sz="3200" b="1" kern="1200" dirty="0">
                 <a:latin typeface="+mj-lt"/>
                 <a:ea typeface="+mj-ea"/>
                 <a:cs typeface="+mj-cs"/>
@@ -48831,51 +46394,6 @@
           </a:p>
         </p:txBody>
       </p:sp>
-      <p:pic>
-        <p:nvPicPr>
-          <p:cNvPr id="20" name="Picture 19">
-            <a:extLst>
-              <a:ext uri="{FF2B5EF4-FFF2-40B4-BE49-F238E27FC236}">
-                <a16:creationId xmlns:a16="http://schemas.microsoft.com/office/drawing/2014/main" id="{306E3F32-3C1A-4B6E-AF26-8A15A788560F}"/>
-              </a:ext>
-              <a:ext uri="{C183D7F6-B498-43B3-948B-1728B52AA6E4}">
-                <adec:decorative xmlns:adec="http://schemas.microsoft.com/office/drawing/2017/decorative" val="1"/>
-              </a:ext>
-            </a:extLst>
-          </p:cNvPr>
-          <p:cNvPicPr>
-            <a:picLocks noGrp="1" noRot="1" noChangeAspect="1" noMove="1" noResize="1" noEditPoints="1" noAdjustHandles="1" noChangeArrowheads="1" noChangeShapeType="1" noCrop="1"/>
-          </p:cNvPicPr>
-          <p:nvPr>
-            <p:extLst>
-              <p:ext uri="{386F3935-93C4-4BCD-93E2-E3B085C9AB24}">
-                <p16:designElem xmlns:p16="http://schemas.microsoft.com/office/powerpoint/2015/main" val="1"/>
-              </p:ext>
-            </p:extLst>
-          </p:nvPr>
-        </p:nvPicPr>
-        <p:blipFill>
-          <a:blip r:embed="rId3">
-            <a:extLst>
-              <a:ext uri="{28A0092B-C50C-407E-A947-70E740481C1C}">
-                <a14:useLocalDpi xmlns:a14="http://schemas.microsoft.com/office/drawing/2010/main" val="0"/>
-              </a:ext>
-            </a:extLst>
-          </a:blip>
-          <a:stretch>
-            <a:fillRect/>
-          </a:stretch>
-        </p:blipFill>
-        <p:spPr>
-          <a:xfrm>
-            <a:off x="2" y="1970241"/>
-            <a:ext cx="4956048" cy="199787"/>
-          </a:xfrm>
-          <a:prstGeom prst="rect">
-            <a:avLst/>
-          </a:prstGeom>
-        </p:spPr>
-      </p:pic>
       <p:sp>
         <p:nvSpPr>
           <p:cNvPr id="9" name="Content Placeholder 8">
@@ -48923,14 +46441,14 @@
           <p:nvPr>
             <p:extLst>
               <p:ext uri="{D42A27DB-BD31-4B8C-83A1-F6EECF244321}">
-                <p14:modId xmlns:p14="http://schemas.microsoft.com/office/powerpoint/2010/main" val="2710510679"/>
+                <p14:modId xmlns:p14="http://schemas.microsoft.com/office/powerpoint/2010/main" val="1146770439"/>
               </p:ext>
             </p:extLst>
           </p:nvPr>
         </p:nvGraphicFramePr>
         <p:xfrm>
-          <a:off x="5276090" y="730447"/>
-          <a:ext cx="6269479" cy="5397110"/>
+          <a:off x="425302" y="2179674"/>
+          <a:ext cx="10260419" cy="4325712"/>
         </p:xfrm>
         <a:graphic>
           <a:graphicData uri="http://schemas.openxmlformats.org/drawingml/2006/table">
@@ -48939,14 +46457,14 @@
                 <a:tableStyleId>{8EC20E35-A176-4012-BC5E-935CFFF8708E}</a:tableStyleId>
               </a:tblPr>
               <a:tblGrid>
-                <a:gridCol w="2297920">
+                <a:gridCol w="3760699">
                   <a:extLst>
                     <a:ext uri="{9D8B030D-6E8A-4147-A177-3AD203B41FA5}">
                       <a16:colId xmlns:a16="http://schemas.microsoft.com/office/drawing/2014/main" val="2416921396"/>
                     </a:ext>
                   </a:extLst>
                 </a:gridCol>
-                <a:gridCol w="3971559">
+                <a:gridCol w="6499720">
                   <a:extLst>
                     <a:ext uri="{9D8B030D-6E8A-4147-A177-3AD203B41FA5}">
                       <a16:colId xmlns:a16="http://schemas.microsoft.com/office/drawing/2014/main" val="3982031346"/>
@@ -48954,7 +46472,7 @@
                   </a:extLst>
                 </a:gridCol>
               </a:tblGrid>
-              <a:tr h="575460">
+              <a:tr h="476279">
                 <a:tc>
                   <a:txBody>
                     <a:bodyPr/>
@@ -48993,7 +46511,7 @@
                   </a:ext>
                 </a:extLst>
               </a:tr>
-              <a:tr h="575460">
+              <a:tr h="476279">
                 <a:tc>
                   <a:txBody>
                     <a:bodyPr/>
@@ -49032,7 +46550,7 @@
                   </a:ext>
                 </a:extLst>
               </a:tr>
-              <a:tr h="972175">
+              <a:tr h="580716">
                 <a:tc>
                   <a:txBody>
                     <a:bodyPr/>
@@ -49071,7 +46589,7 @@
                   </a:ext>
                 </a:extLst>
               </a:tr>
-              <a:tr h="575460">
+              <a:tr h="476279">
                 <a:tc>
                   <a:txBody>
                     <a:bodyPr/>
@@ -49110,7 +46628,7 @@
                   </a:ext>
                 </a:extLst>
               </a:tr>
-              <a:tr h="972175">
+              <a:tr h="580716">
                 <a:tc>
                   <a:txBody>
                     <a:bodyPr/>
@@ -49149,7 +46667,7 @@
                   </a:ext>
                 </a:extLst>
               </a:tr>
-              <a:tr h="575460">
+              <a:tr h="476279">
                 <a:tc>
                   <a:txBody>
                     <a:bodyPr/>
@@ -49188,7 +46706,7 @@
                   </a:ext>
                 </a:extLst>
               </a:tr>
-              <a:tr h="575460">
+              <a:tr h="476279">
                 <a:tc>
                   <a:txBody>
                     <a:bodyPr/>
@@ -49227,7 +46745,7 @@
                   </a:ext>
                 </a:extLst>
               </a:tr>
-              <a:tr h="575460">
+              <a:tr h="476279">
                 <a:tc>
                   <a:txBody>
                     <a:bodyPr/>
@@ -49253,14 +46771,14 @@
                         <a:buNone/>
                       </a:pPr>
                       <a:r>
-                        <a:rPr lang="en-IN" sz="2600"/>
+                        <a:rPr lang="en-IN" sz="2600" dirty="0"/>
                         <a:t>python-</a:t>
                       </a:r>
                       <a:r>
-                        <a:rPr lang="en-IN" sz="2600" err="1"/>
+                        <a:rPr lang="en-IN" sz="2600" dirty="0" err="1"/>
                         <a:t>dotenv</a:t>
                       </a:r>
-                      <a:endParaRPr lang="en-IN" sz="2600"/>
+                      <a:endParaRPr lang="en-IN" sz="2600" dirty="0"/>
                     </a:p>
                   </a:txBody>
                   <a:tcPr marL="131140" marR="131140" marT="65570" marB="65570" anchor="ctr"/>
